--- a/AzureFunctions.pptx
+++ b/AzureFunctions.pptx
@@ -5,52 +5,51 @@
     <p:sldMasterId id="2147484082" r:id="rId4"/>
   </p:sldMasterIdLst>
   <p:notesMasterIdLst>
-    <p:notesMasterId r:id="rId45"/>
+    <p:notesMasterId r:id="rId44"/>
   </p:notesMasterIdLst>
   <p:handoutMasterIdLst>
-    <p:handoutMasterId r:id="rId46"/>
+    <p:handoutMasterId r:id="rId45"/>
   </p:handoutMasterIdLst>
   <p:sldIdLst>
     <p:sldId id="257" r:id="rId5"/>
-    <p:sldId id="342" r:id="rId6"/>
-    <p:sldId id="306" r:id="rId7"/>
-    <p:sldId id="307" r:id="rId8"/>
-    <p:sldId id="310" r:id="rId9"/>
-    <p:sldId id="312" r:id="rId10"/>
-    <p:sldId id="338" r:id="rId11"/>
-    <p:sldId id="340" r:id="rId12"/>
-    <p:sldId id="339" r:id="rId13"/>
-    <p:sldId id="314" r:id="rId14"/>
-    <p:sldId id="313" r:id="rId15"/>
-    <p:sldId id="315" r:id="rId16"/>
-    <p:sldId id="316" r:id="rId17"/>
-    <p:sldId id="317" r:id="rId18"/>
-    <p:sldId id="318" r:id="rId19"/>
-    <p:sldId id="319" r:id="rId20"/>
-    <p:sldId id="320" r:id="rId21"/>
-    <p:sldId id="325" r:id="rId22"/>
-    <p:sldId id="341" r:id="rId23"/>
-    <p:sldId id="324" r:id="rId24"/>
-    <p:sldId id="321" r:id="rId25"/>
-    <p:sldId id="322" r:id="rId26"/>
-    <p:sldId id="323" r:id="rId27"/>
-    <p:sldId id="326" r:id="rId28"/>
-    <p:sldId id="327" r:id="rId29"/>
-    <p:sldId id="334" r:id="rId30"/>
-    <p:sldId id="335" r:id="rId31"/>
-    <p:sldId id="328" r:id="rId32"/>
-    <p:sldId id="329" r:id="rId33"/>
-    <p:sldId id="330" r:id="rId34"/>
-    <p:sldId id="331" r:id="rId35"/>
-    <p:sldId id="305" r:id="rId36"/>
-    <p:sldId id="311" r:id="rId37"/>
-    <p:sldId id="332" r:id="rId38"/>
-    <p:sldId id="333" r:id="rId39"/>
-    <p:sldId id="336" r:id="rId40"/>
-    <p:sldId id="299" r:id="rId41"/>
-    <p:sldId id="309" r:id="rId42"/>
-    <p:sldId id="343" r:id="rId43"/>
-    <p:sldId id="300" r:id="rId44"/>
+    <p:sldId id="306" r:id="rId6"/>
+    <p:sldId id="307" r:id="rId7"/>
+    <p:sldId id="310" r:id="rId8"/>
+    <p:sldId id="312" r:id="rId9"/>
+    <p:sldId id="338" r:id="rId10"/>
+    <p:sldId id="340" r:id="rId11"/>
+    <p:sldId id="339" r:id="rId12"/>
+    <p:sldId id="314" r:id="rId13"/>
+    <p:sldId id="313" r:id="rId14"/>
+    <p:sldId id="315" r:id="rId15"/>
+    <p:sldId id="316" r:id="rId16"/>
+    <p:sldId id="317" r:id="rId17"/>
+    <p:sldId id="318" r:id="rId18"/>
+    <p:sldId id="319" r:id="rId19"/>
+    <p:sldId id="320" r:id="rId20"/>
+    <p:sldId id="325" r:id="rId21"/>
+    <p:sldId id="341" r:id="rId22"/>
+    <p:sldId id="324" r:id="rId23"/>
+    <p:sldId id="321" r:id="rId24"/>
+    <p:sldId id="322" r:id="rId25"/>
+    <p:sldId id="323" r:id="rId26"/>
+    <p:sldId id="326" r:id="rId27"/>
+    <p:sldId id="327" r:id="rId28"/>
+    <p:sldId id="334" r:id="rId29"/>
+    <p:sldId id="335" r:id="rId30"/>
+    <p:sldId id="328" r:id="rId31"/>
+    <p:sldId id="329" r:id="rId32"/>
+    <p:sldId id="330" r:id="rId33"/>
+    <p:sldId id="331" r:id="rId34"/>
+    <p:sldId id="305" r:id="rId35"/>
+    <p:sldId id="311" r:id="rId36"/>
+    <p:sldId id="332" r:id="rId37"/>
+    <p:sldId id="333" r:id="rId38"/>
+    <p:sldId id="336" r:id="rId39"/>
+    <p:sldId id="299" r:id="rId40"/>
+    <p:sldId id="309" r:id="rId41"/>
+    <p:sldId id="342" r:id="rId42"/>
+    <p:sldId id="300" r:id="rId43"/>
   </p:sldIdLst>
   <p:sldSz cx="12436475" cy="6994525"/>
   <p:notesSz cx="6858000" cy="9144000"/>
@@ -155,7 +154,6 @@
         <p14:section name="Slides" id="{2266D7F5-89A7-478C-8A43-C1409DDC88B9}">
           <p14:sldIdLst>
             <p14:sldId id="257"/>
-            <p14:sldId id="342"/>
             <p14:sldId id="306"/>
             <p14:sldId id="307"/>
             <p14:sldId id="310"/>
@@ -192,7 +190,7 @@
             <p14:sldId id="336"/>
             <p14:sldId id="299"/>
             <p14:sldId id="309"/>
-            <p14:sldId id="343"/>
+            <p14:sldId id="342"/>
             <p14:sldId id="300"/>
           </p14:sldIdLst>
         </p14:section>
@@ -279,7 +277,7 @@
               <a:rPr lang="en-US" smtClean="0">
                 <a:latin typeface="Segoe UI" pitchFamily="34" charset="0"/>
               </a:rPr>
-              <a:t>8/4/2016</a:t>
+              <a:t>9/21/2016</a:t>
             </a:fld>
             <a:endParaRPr lang="en-US" dirty="0">
               <a:latin typeface="Segoe UI" pitchFamily="34" charset="0"/>
@@ -580,7 +578,7 @@
           <a:p>
             <a:fld id="{E74353ED-ACB2-44BF-A903-985B0AF962B7}" type="datetime1">
               <a:rPr lang="en-US" smtClean="0"/>
-              <a:t>8/4/2016</a:t>
+              <a:t>9/21/2016</a:t>
             </a:fld>
             <a:endParaRPr lang="en-US" dirty="0"/>
           </a:p>
@@ -890,7 +888,7 @@
           <a:p>
             <a:fld id="{2A14FA6D-5CC1-477D-A0DC-F2245326A311}" type="datetime1">
               <a:rPr lang="en-US" smtClean="0"/>
-              <a:t>8/4/2016</a:t>
+              <a:t>9/21/2016</a:t>
             </a:fld>
             <a:endParaRPr lang="en-US" dirty="0"/>
           </a:p>
@@ -1109,7 +1107,7 @@
           <a:p>
             <a:fld id="{7D10C09F-FCA1-48C8-B40D-42E1045D109E}" type="datetime8">
               <a:rPr lang="en-US" smtClean="0"/>
-              <a:t>8/4/2016 6:18 AM</a:t>
+              <a:t>9/21/2016 6:32 AM</a:t>
             </a:fld>
             <a:endParaRPr lang="en-US" dirty="0"/>
           </a:p>
@@ -1133,7 +1131,7 @@
             <a:fld id="{B4008EB6-D09E-4580-8CD6-DDB14511944F}" type="slidenum">
               <a:rPr lang="en-US" smtClean="0"/>
               <a:pPr/>
-              <a:t>20</a:t>
+              <a:t>19</a:t>
             </a:fld>
             <a:endParaRPr lang="en-US" dirty="0"/>
           </a:p>
@@ -1413,7 +1411,7 @@
                 <a:tabLst/>
                 <a:defRPr/>
               </a:pPr>
-              <a:t>8/4/2016 6:18 AM</a:t>
+              <a:t>9/21/2016 6:32 AM</a:t>
             </a:fld>
             <a:endParaRPr kumimoji="0" lang="en-US" sz="1200" b="0" i="0" u="none" strike="noStrike" kern="1200" cap="none" spc="0" normalizeH="0" baseline="0" noProof="0" dirty="0">
               <a:ln>
@@ -1496,7 +1494,7 @@
                 <a:tabLst/>
                 <a:defRPr/>
               </a:pPr>
-              <a:t>35</a:t>
+              <a:t>34</a:t>
             </a:fld>
             <a:endParaRPr kumimoji="0" lang="en-US" sz="1200" b="0" i="0" u="none" strike="noStrike" kern="1200" cap="none" spc="0" normalizeH="0" baseline="0" noProof="0" dirty="0">
               <a:ln>
@@ -1650,7 +1648,7 @@
           <a:p>
             <a:fld id="{90EC29EE-A8AD-4CE0-9C0B-116E0D4D7533}" type="datetime8">
               <a:rPr lang="en-US" smtClean="0"/>
-              <a:t>8/4/2016 6:18 AM</a:t>
+              <a:t>9/21/2016 6:32 AM</a:t>
             </a:fld>
             <a:endParaRPr lang="en-US" dirty="0"/>
           </a:p>
@@ -1674,7 +1672,7 @@
             <a:fld id="{B4008EB6-D09E-4580-8CD6-DDB14511944F}" type="slidenum">
               <a:rPr lang="en-US" smtClean="0"/>
               <a:pPr/>
-              <a:t>36</a:t>
+              <a:t>35</a:t>
             </a:fld>
             <a:endParaRPr lang="en-US" dirty="0"/>
           </a:p>
@@ -1812,7 +1810,7 @@
           <a:p>
             <a:fld id="{E74353ED-ACB2-44BF-A903-985B0AF962B7}" type="datetime1">
               <a:rPr lang="en-US" smtClean="0"/>
-              <a:t>8/4/2016</a:t>
+              <a:t>9/21/2016</a:t>
             </a:fld>
             <a:endParaRPr lang="en-US" dirty="0"/>
           </a:p>
@@ -1836,7 +1834,7 @@
             <a:fld id="{B4008EB6-D09E-4580-8CD6-DDB14511944F}" type="slidenum">
               <a:rPr lang="en-US" smtClean="0"/>
               <a:pPr/>
-              <a:t>37</a:t>
+              <a:t>36</a:t>
             </a:fld>
             <a:endParaRPr lang="en-US" dirty="0"/>
           </a:p>
@@ -1931,7 +1929,7 @@
                   <a:prstClr val="black"/>
                 </a:solidFill>
               </a:rPr>
-              <a:t>8/4/2016</a:t>
+              <a:t>9/21/2016</a:t>
             </a:fld>
             <a:endParaRPr lang="en-US" dirty="0">
               <a:solidFill>
@@ -1963,7 +1961,7 @@
                 </a:solidFill>
               </a:rPr>
               <a:pPr/>
-              <a:t>40</a:t>
+              <a:t>39</a:t>
             </a:fld>
             <a:endParaRPr lang="en-US" dirty="0">
               <a:solidFill>
@@ -6871,6 +6869,30 @@
           </a:p>
         </p:txBody>
       </p:sp>
+      <p:pic>
+        <p:nvPicPr>
+          <p:cNvPr id="2" name="Picture 1"/>
+          <p:cNvPicPr>
+            <a:picLocks noChangeAspect="1"/>
+          </p:cNvPicPr>
+          <p:nvPr/>
+        </p:nvPicPr>
+        <p:blipFill>
+          <a:blip r:embed="rId3"/>
+          <a:stretch>
+            <a:fillRect/>
+          </a:stretch>
+        </p:blipFill>
+        <p:spPr>
+          <a:xfrm>
+            <a:off x="7742237" y="4106862"/>
+            <a:ext cx="4521719" cy="2685083"/>
+          </a:xfrm>
+          <a:prstGeom prst="rect">
+            <a:avLst/>
+          </a:prstGeom>
+        </p:spPr>
+      </p:pic>
     </p:spTree>
     <p:extLst>
       <p:ext uri="{BB962C8B-B14F-4D97-AF65-F5344CB8AC3E}">
@@ -6888,61 +6910,6 @@
 </file>
 
 <file path=ppt/slides/slide10.xml><?xml version="1.0" encoding="utf-8"?>
-<p:sld xmlns:a="http://schemas.openxmlformats.org/drawingml/2006/main" xmlns:r="http://schemas.openxmlformats.org/officeDocument/2006/relationships" xmlns:p="http://schemas.openxmlformats.org/presentationml/2006/main">
-  <p:cSld>
-    <p:spTree>
-      <p:nvGrpSpPr>
-        <p:cNvPr id="1" name=""/>
-        <p:cNvGrpSpPr/>
-        <p:nvPr/>
-      </p:nvGrpSpPr>
-      <p:grpSpPr>
-        <a:xfrm>
-          <a:off x="0" y="0"/>
-          <a:ext cx="0" cy="0"/>
-          <a:chOff x="0" y="0"/>
-          <a:chExt cx="0" cy="0"/>
-        </a:xfrm>
-      </p:grpSpPr>
-      <p:sp>
-        <p:nvSpPr>
-          <p:cNvPr id="4" name="Title 3"/>
-          <p:cNvSpPr>
-            <a:spLocks noGrp="1"/>
-          </p:cNvSpPr>
-          <p:nvPr>
-            <p:ph type="title"/>
-          </p:nvPr>
-        </p:nvSpPr>
-        <p:spPr/>
-        <p:txBody>
-          <a:bodyPr/>
-          <a:lstStyle/>
-          <a:p>
-            <a:r>
-              <a:rPr lang="en-US" dirty="0"/>
-              <a:t>Common Scenarios</a:t>
-            </a:r>
-          </a:p>
-        </p:txBody>
-      </p:sp>
-    </p:spTree>
-    <p:extLst>
-      <p:ext uri="{BB962C8B-B14F-4D97-AF65-F5344CB8AC3E}">
-        <p14:creationId xmlns:p14="http://schemas.microsoft.com/office/powerpoint/2010/main" val="2385084200"/>
-      </p:ext>
-    </p:extLst>
-  </p:cSld>
-  <p:clrMapOvr>
-    <a:masterClrMapping/>
-  </p:clrMapOvr>
-  <p:transition>
-    <p:fade/>
-  </p:transition>
-</p:sld>
-</file>
-
-<file path=ppt/slides/slide11.xml><?xml version="1.0" encoding="utf-8"?>
 <p:sld xmlns:a="http://schemas.openxmlformats.org/drawingml/2006/main" xmlns:r="http://schemas.openxmlformats.org/officeDocument/2006/relationships" xmlns:p="http://schemas.openxmlformats.org/presentationml/2006/main">
   <p:cSld>
     <p:spTree>
@@ -7057,7 +7024,7 @@
 </p:sld>
 </file>
 
-<file path=ppt/slides/slide12.xml><?xml version="1.0" encoding="utf-8"?>
+<file path=ppt/slides/slide11.xml><?xml version="1.0" encoding="utf-8"?>
 <p:sld xmlns:a="http://schemas.openxmlformats.org/drawingml/2006/main" xmlns:r="http://schemas.openxmlformats.org/officeDocument/2006/relationships" xmlns:p="http://schemas.openxmlformats.org/presentationml/2006/main">
   <p:cSld>
     <p:spTree>
@@ -7166,7 +7133,7 @@
 </p:sld>
 </file>
 
-<file path=ppt/slides/slide13.xml><?xml version="1.0" encoding="utf-8"?>
+<file path=ppt/slides/slide12.xml><?xml version="1.0" encoding="utf-8"?>
 <p:sld xmlns:a="http://schemas.openxmlformats.org/drawingml/2006/main" xmlns:r="http://schemas.openxmlformats.org/officeDocument/2006/relationships" xmlns:p="http://schemas.openxmlformats.org/presentationml/2006/main">
   <p:cSld>
     <p:spTree>
@@ -7275,7 +7242,7 @@
 </p:sld>
 </file>
 
-<file path=ppt/slides/slide14.xml><?xml version="1.0" encoding="utf-8"?>
+<file path=ppt/slides/slide13.xml><?xml version="1.0" encoding="utf-8"?>
 <p:sld xmlns:a="http://schemas.openxmlformats.org/drawingml/2006/main" xmlns:r="http://schemas.openxmlformats.org/officeDocument/2006/relationships" xmlns:p="http://schemas.openxmlformats.org/presentationml/2006/main">
   <p:cSld>
     <p:spTree>
@@ -7388,7 +7355,7 @@
 </p:sld>
 </file>
 
-<file path=ppt/slides/slide15.xml><?xml version="1.0" encoding="utf-8"?>
+<file path=ppt/slides/slide14.xml><?xml version="1.0" encoding="utf-8"?>
 <p:sld xmlns:a="http://schemas.openxmlformats.org/drawingml/2006/main" xmlns:r="http://schemas.openxmlformats.org/officeDocument/2006/relationships" xmlns:p="http://schemas.openxmlformats.org/presentationml/2006/main">
   <p:cSld>
     <p:spTree>
@@ -7514,7 +7481,7 @@
 </p:sld>
 </file>
 
-<file path=ppt/slides/slide16.xml><?xml version="1.0" encoding="utf-8"?>
+<file path=ppt/slides/slide15.xml><?xml version="1.0" encoding="utf-8"?>
 <p:sld xmlns:a="http://schemas.openxmlformats.org/drawingml/2006/main" xmlns:r="http://schemas.openxmlformats.org/officeDocument/2006/relationships" xmlns:p="http://schemas.openxmlformats.org/presentationml/2006/main">
   <p:cSld>
     <p:spTree>
@@ -7624,7 +7591,7 @@
 </p:sld>
 </file>
 
-<file path=ppt/slides/slide17.xml><?xml version="1.0" encoding="utf-8"?>
+<file path=ppt/slides/slide16.xml><?xml version="1.0" encoding="utf-8"?>
 <p:sld xmlns:a="http://schemas.openxmlformats.org/drawingml/2006/main" xmlns:r="http://schemas.openxmlformats.org/officeDocument/2006/relationships" xmlns:p="http://schemas.openxmlformats.org/presentationml/2006/main">
   <p:cSld>
     <p:spTree>
@@ -7741,7 +7708,7 @@
 </p:sld>
 </file>
 
-<file path=ppt/slides/slide18.xml><?xml version="1.0" encoding="utf-8"?>
+<file path=ppt/slides/slide17.xml><?xml version="1.0" encoding="utf-8"?>
 <p:sld xmlns:a="http://schemas.openxmlformats.org/drawingml/2006/main" xmlns:r="http://schemas.openxmlformats.org/officeDocument/2006/relationships" xmlns:p="http://schemas.openxmlformats.org/presentationml/2006/main">
   <p:cSld>
     <p:spTree>
@@ -7975,7 +7942,7 @@
 </p:sld>
 </file>
 
-<file path=ppt/slides/slide19.xml><?xml version="1.0" encoding="utf-8"?>
+<file path=ppt/slides/slide18.xml><?xml version="1.0" encoding="utf-8"?>
 <p:sld xmlns:a="http://schemas.openxmlformats.org/drawingml/2006/main" xmlns:r="http://schemas.openxmlformats.org/officeDocument/2006/relationships" xmlns:p="http://schemas.openxmlformats.org/presentationml/2006/main">
   <p:cSld>
     <p:spTree>
@@ -8062,272 +8029,7 @@
 </p:sld>
 </file>
 
-<file path=ppt/slides/slide2.xml><?xml version="1.0" encoding="utf-8"?>
-<p:sld xmlns:a="http://schemas.openxmlformats.org/drawingml/2006/main" xmlns:r="http://schemas.openxmlformats.org/officeDocument/2006/relationships" xmlns:p="http://schemas.openxmlformats.org/presentationml/2006/main">
-  <p:cSld>
-    <p:spTree>
-      <p:nvGrpSpPr>
-        <p:cNvPr id="1" name=""/>
-        <p:cNvGrpSpPr/>
-        <p:nvPr/>
-      </p:nvGrpSpPr>
-      <p:grpSpPr>
-        <a:xfrm>
-          <a:off x="0" y="0"/>
-          <a:ext cx="0" cy="0"/>
-          <a:chOff x="0" y="0"/>
-          <a:chExt cx="0" cy="0"/>
-        </a:xfrm>
-      </p:grpSpPr>
-      <p:sp>
-        <p:nvSpPr>
-          <p:cNvPr id="4" name="TextBox 12"/>
-          <p:cNvSpPr txBox="1"/>
-          <p:nvPr/>
-        </p:nvSpPr>
-        <p:spPr>
-          <a:xfrm>
-            <a:off x="1276762" y="264755"/>
-            <a:ext cx="9427240" cy="615553"/>
-          </a:xfrm>
-          <a:prstGeom prst="rect">
-            <a:avLst/>
-          </a:prstGeom>
-          <a:noFill/>
-        </p:spPr>
-        <p:txBody>
-          <a:bodyPr wrap="square" lIns="0" tIns="0" rIns="0" bIns="0" rtlCol="0">
-            <a:spAutoFit/>
-          </a:bodyPr>
-          <a:lstStyle>
-            <a:defPPr>
-              <a:defRPr lang="en-US"/>
-            </a:defPPr>
-            <a:lvl1pPr marL="0" algn="l" defTabSz="914363" rtl="0" eaLnBrk="1" latinLnBrk="0" hangingPunct="1">
-              <a:defRPr sz="1800" kern="1200">
-                <a:solidFill>
-                  <a:schemeClr val="tx1"/>
-                </a:solidFill>
-                <a:latin typeface="+mn-lt"/>
-                <a:ea typeface="+mn-ea"/>
-                <a:cs typeface="+mn-cs"/>
-              </a:defRPr>
-            </a:lvl1pPr>
-            <a:lvl2pPr marL="457182" algn="l" defTabSz="914363" rtl="0" eaLnBrk="1" latinLnBrk="0" hangingPunct="1">
-              <a:defRPr sz="1800" kern="1200">
-                <a:solidFill>
-                  <a:schemeClr val="tx1"/>
-                </a:solidFill>
-                <a:latin typeface="+mn-lt"/>
-                <a:ea typeface="+mn-ea"/>
-                <a:cs typeface="+mn-cs"/>
-              </a:defRPr>
-            </a:lvl2pPr>
-            <a:lvl3pPr marL="914363" algn="l" defTabSz="914363" rtl="0" eaLnBrk="1" latinLnBrk="0" hangingPunct="1">
-              <a:defRPr sz="1800" kern="1200">
-                <a:solidFill>
-                  <a:schemeClr val="tx1"/>
-                </a:solidFill>
-                <a:latin typeface="+mn-lt"/>
-                <a:ea typeface="+mn-ea"/>
-                <a:cs typeface="+mn-cs"/>
-              </a:defRPr>
-            </a:lvl3pPr>
-            <a:lvl4pPr marL="1371545" algn="l" defTabSz="914363" rtl="0" eaLnBrk="1" latinLnBrk="0" hangingPunct="1">
-              <a:defRPr sz="1800" kern="1200">
-                <a:solidFill>
-                  <a:schemeClr val="tx1"/>
-                </a:solidFill>
-                <a:latin typeface="+mn-lt"/>
-                <a:ea typeface="+mn-ea"/>
-                <a:cs typeface="+mn-cs"/>
-              </a:defRPr>
-            </a:lvl4pPr>
-            <a:lvl5pPr marL="1828727" algn="l" defTabSz="914363" rtl="0" eaLnBrk="1" latinLnBrk="0" hangingPunct="1">
-              <a:defRPr sz="1800" kern="1200">
-                <a:solidFill>
-                  <a:schemeClr val="tx1"/>
-                </a:solidFill>
-                <a:latin typeface="+mn-lt"/>
-                <a:ea typeface="+mn-ea"/>
-                <a:cs typeface="+mn-cs"/>
-              </a:defRPr>
-            </a:lvl5pPr>
-            <a:lvl6pPr marL="2285909" algn="l" defTabSz="914363" rtl="0" eaLnBrk="1" latinLnBrk="0" hangingPunct="1">
-              <a:defRPr sz="1800" kern="1200">
-                <a:solidFill>
-                  <a:schemeClr val="tx1"/>
-                </a:solidFill>
-                <a:latin typeface="+mn-lt"/>
-                <a:ea typeface="+mn-ea"/>
-                <a:cs typeface="+mn-cs"/>
-              </a:defRPr>
-            </a:lvl6pPr>
-            <a:lvl7pPr marL="2743090" algn="l" defTabSz="914363" rtl="0" eaLnBrk="1" latinLnBrk="0" hangingPunct="1">
-              <a:defRPr sz="1800" kern="1200">
-                <a:solidFill>
-                  <a:schemeClr val="tx1"/>
-                </a:solidFill>
-                <a:latin typeface="+mn-lt"/>
-                <a:ea typeface="+mn-ea"/>
-                <a:cs typeface="+mn-cs"/>
-              </a:defRPr>
-            </a:lvl7pPr>
-            <a:lvl8pPr marL="3200272" algn="l" defTabSz="914363" rtl="0" eaLnBrk="1" latinLnBrk="0" hangingPunct="1">
-              <a:defRPr sz="1800" kern="1200">
-                <a:solidFill>
-                  <a:schemeClr val="tx1"/>
-                </a:solidFill>
-                <a:latin typeface="+mn-lt"/>
-                <a:ea typeface="+mn-ea"/>
-                <a:cs typeface="+mn-cs"/>
-              </a:defRPr>
-            </a:lvl8pPr>
-            <a:lvl9pPr marL="3657454" algn="l" defTabSz="914363" rtl="0" eaLnBrk="1" latinLnBrk="0" hangingPunct="1">
-              <a:defRPr sz="1800" kern="1200">
-                <a:solidFill>
-                  <a:schemeClr val="tx1"/>
-                </a:solidFill>
-                <a:latin typeface="+mn-lt"/>
-                <a:ea typeface="+mn-ea"/>
-                <a:cs typeface="+mn-cs"/>
-              </a:defRPr>
-            </a:lvl9pPr>
-          </a:lstStyle>
-          <a:p>
-            <a:pPr algn="ctr"/>
-            <a:r>
-              <a:rPr lang="en-US" sz="4000" dirty="0">
-                <a:gradFill>
-                  <a:gsLst>
-                    <a:gs pos="0">
-                      <a:schemeClr val="tx1"/>
-                    </a:gs>
-                    <a:gs pos="86000">
-                      <a:schemeClr val="tx1"/>
-                    </a:gs>
-                  </a:gsLst>
-                  <a:lin ang="5400000" scaled="0"/>
-                </a:gradFill>
-              </a:rPr>
-              <a:t>Please help us!</a:t>
-            </a:r>
-            <a:r>
-              <a:rPr lang="en-US" sz="4000" b="1" dirty="0">
-                <a:gradFill>
-                  <a:gsLst>
-                    <a:gs pos="0">
-                      <a:schemeClr val="tx1"/>
-                    </a:gs>
-                    <a:gs pos="86000">
-                      <a:schemeClr val="tx1"/>
-                    </a:gs>
-                  </a:gsLst>
-                  <a:lin ang="5400000" scaled="0"/>
-                </a:gradFill>
-              </a:rPr>
-              <a:t> Thank our Sponsors</a:t>
-            </a:r>
-          </a:p>
-        </p:txBody>
-      </p:sp>
-      <p:pic>
-        <p:nvPicPr>
-          <p:cNvPr id="5" name="Picture 4"/>
-          <p:cNvPicPr>
-            <a:picLocks noChangeAspect="1"/>
-          </p:cNvPicPr>
-          <p:nvPr/>
-        </p:nvPicPr>
-        <p:blipFill>
-          <a:blip r:embed="rId2"/>
-          <a:stretch>
-            <a:fillRect/>
-          </a:stretch>
-        </p:blipFill>
-        <p:spPr>
-          <a:xfrm>
-            <a:off x="2899941" y="1289880"/>
-            <a:ext cx="6667501" cy="4267200"/>
-          </a:xfrm>
-          <a:prstGeom prst="rect">
-            <a:avLst/>
-          </a:prstGeom>
-        </p:spPr>
-      </p:pic>
-      <p:pic>
-        <p:nvPicPr>
-          <p:cNvPr id="6" name="Picture 5"/>
-          <p:cNvPicPr>
-            <a:picLocks noChangeAspect="1"/>
-          </p:cNvPicPr>
-          <p:nvPr/>
-        </p:nvPicPr>
-        <p:blipFill rotWithShape="1">
-          <a:blip r:embed="rId3"/>
-          <a:srcRect r="5845"/>
-          <a:stretch/>
-        </p:blipFill>
-        <p:spPr>
-          <a:xfrm>
-            <a:off x="2627706" y="5694062"/>
-            <a:ext cx="7226571" cy="983993"/>
-          </a:xfrm>
-          <a:prstGeom prst="rect">
-            <a:avLst/>
-          </a:prstGeom>
-        </p:spPr>
-      </p:pic>
-      <p:pic>
-        <p:nvPicPr>
-          <p:cNvPr id="7" name="Picture 6"/>
-          <p:cNvPicPr>
-            <a:picLocks noChangeAspect="1"/>
-          </p:cNvPicPr>
-          <p:nvPr/>
-        </p:nvPicPr>
-        <p:blipFill>
-          <a:blip r:embed="rId4"/>
-          <a:stretch>
-            <a:fillRect/>
-          </a:stretch>
-        </p:blipFill>
-        <p:spPr>
-          <a:xfrm>
-            <a:off x="10714037" y="177894"/>
-            <a:ext cx="1546464" cy="6496597"/>
-          </a:xfrm>
-          <a:prstGeom prst="rect">
-            <a:avLst/>
-          </a:prstGeom>
-        </p:spPr>
-      </p:pic>
-    </p:spTree>
-    <p:extLst>
-      <p:ext uri="{BB962C8B-B14F-4D97-AF65-F5344CB8AC3E}">
-        <p14:creationId xmlns:p14="http://schemas.microsoft.com/office/powerpoint/2010/main" val="294646925"/>
-      </p:ext>
-    </p:extLst>
-  </p:cSld>
-  <p:clrMapOvr>
-    <a:masterClrMapping/>
-  </p:clrMapOvr>
-  <mc:AlternateContent xmlns:mc="http://schemas.openxmlformats.org/markup-compatibility/2006" xmlns:p14="http://schemas.microsoft.com/office/powerpoint/2010/main">
-    <mc:Choice Requires="p14">
-      <p:transition spd="med" p14:dur="700">
-        <p:fade/>
-      </p:transition>
-    </mc:Choice>
-    <mc:Fallback xmlns="">
-      <p:transition spd="med">
-        <p:fade/>
-      </p:transition>
-    </mc:Fallback>
-  </mc:AlternateContent>
-</p:sld>
-</file>
-
-<file path=ppt/slides/slide20.xml><?xml version="1.0" encoding="utf-8"?>
+<file path=ppt/slides/slide19.xml><?xml version="1.0" encoding="utf-8"?>
 <p:sld xmlns:a="http://schemas.openxmlformats.org/drawingml/2006/main" xmlns:r="http://schemas.openxmlformats.org/officeDocument/2006/relationships" xmlns:p="http://schemas.openxmlformats.org/presentationml/2006/main">
   <p:cSld>
     <p:spTree>
@@ -8382,7 +8084,385 @@
 </p:sld>
 </file>
 
-<file path=ppt/slides/slide21.xml><?xml version="1.0" encoding="utf-8"?>
+<file path=ppt/slides/slide2.xml><?xml version="1.0" encoding="utf-8"?>
+<p:sld xmlns:a="http://schemas.openxmlformats.org/drawingml/2006/main" xmlns:r="http://schemas.openxmlformats.org/officeDocument/2006/relationships" xmlns:p="http://schemas.openxmlformats.org/presentationml/2006/main">
+  <p:cSld>
+    <p:bg>
+      <p:bgPr>
+        <a:solidFill>
+          <a:srgbClr val="002060"/>
+        </a:solidFill>
+        <a:effectLst/>
+      </p:bgPr>
+    </p:bg>
+    <p:spTree>
+      <p:nvGrpSpPr>
+        <p:cNvPr id="1" name=""/>
+        <p:cNvGrpSpPr/>
+        <p:nvPr/>
+      </p:nvGrpSpPr>
+      <p:grpSpPr>
+        <a:xfrm>
+          <a:off x="0" y="0"/>
+          <a:ext cx="0" cy="0"/>
+          <a:chOff x="0" y="0"/>
+          <a:chExt cx="0" cy="0"/>
+        </a:xfrm>
+      </p:grpSpPr>
+      <p:sp>
+        <p:nvSpPr>
+          <p:cNvPr id="5" name="Text Placeholder 4"/>
+          <p:cNvSpPr>
+            <a:spLocks noGrp="1"/>
+          </p:cNvSpPr>
+          <p:nvPr>
+            <p:ph type="body" sz="quarter" idx="10"/>
+          </p:nvPr>
+        </p:nvSpPr>
+        <p:spPr>
+          <a:xfrm>
+            <a:off x="274638" y="1212850"/>
+            <a:ext cx="11887200" cy="2769989"/>
+          </a:xfrm>
+        </p:spPr>
+        <p:txBody>
+          <a:bodyPr/>
+          <a:lstStyle/>
+          <a:p>
+            <a:r>
+              <a:rPr lang="en-US" dirty="0"/>
+              <a:t>Founder of UserGroup.tv</a:t>
+            </a:r>
+          </a:p>
+          <a:p>
+            <a:r>
+              <a:rPr lang="en-US" dirty="0"/>
+              <a:t>Technical Evangelist at Microsoft</a:t>
+            </a:r>
+          </a:p>
+          <a:p>
+            <a:pPr marL="0" indent="0">
+              <a:buNone/>
+            </a:pPr>
+            <a:endParaRPr lang="en-US" dirty="0"/>
+          </a:p>
+          <a:p>
+            <a:endParaRPr lang="en-US" dirty="0">
+              <a:solidFill>
+                <a:srgbClr val="FF0000"/>
+              </a:solidFill>
+            </a:endParaRPr>
+          </a:p>
+        </p:txBody>
+      </p:sp>
+      <p:sp>
+        <p:nvSpPr>
+          <p:cNvPr id="4" name="Title 3"/>
+          <p:cNvSpPr>
+            <a:spLocks noGrp="1"/>
+          </p:cNvSpPr>
+          <p:nvPr>
+            <p:ph type="title"/>
+          </p:nvPr>
+        </p:nvSpPr>
+        <p:spPr/>
+        <p:txBody>
+          <a:bodyPr/>
+          <a:lstStyle/>
+          <a:p>
+            <a:r>
+              <a:rPr lang="en-US" dirty="0"/>
+              <a:t>About Me</a:t>
+            </a:r>
+          </a:p>
+        </p:txBody>
+      </p:sp>
+      <p:pic>
+        <p:nvPicPr>
+          <p:cNvPr id="7" name="Picture 6" descr="http://www.dallasgivecamp.org/Themes/DallasGiveCamp/Content/Images/GiveCampDallas_small.png"/>
+          <p:cNvPicPr>
+            <a:picLocks noChangeAspect="1" noChangeArrowheads="1"/>
+          </p:cNvPicPr>
+          <p:nvPr/>
+        </p:nvPicPr>
+        <p:blipFill>
+          <a:blip r:embed="rId2">
+            <a:extLst>
+              <a:ext uri="{28A0092B-C50C-407E-A947-70E740481C1C}">
+                <a14:useLocalDpi xmlns:a14="http://schemas.microsoft.com/office/drawing/2010/main" val="0"/>
+              </a:ext>
+            </a:extLst>
+          </a:blip>
+          <a:srcRect/>
+          <a:stretch>
+            <a:fillRect/>
+          </a:stretch>
+        </p:blipFill>
+        <p:spPr bwMode="auto">
+          <a:xfrm>
+            <a:off x="2164113" y="4099364"/>
+            <a:ext cx="2830313" cy="1049820"/>
+          </a:xfrm>
+          <a:prstGeom prst="rect">
+            <a:avLst/>
+          </a:prstGeom>
+          <a:noFill/>
+          <a:extLst>
+            <a:ext uri="{909E8E84-426E-40DD-AFC4-6F175D3DCCD1}">
+              <a14:hiddenFill xmlns:a14="http://schemas.microsoft.com/office/drawing/2010/main">
+                <a:solidFill>
+                  <a:srgbClr val="FFFFFF"/>
+                </a:solidFill>
+              </a14:hiddenFill>
+            </a:ext>
+          </a:extLst>
+        </p:spPr>
+      </p:pic>
+      <p:pic>
+        <p:nvPicPr>
+          <p:cNvPr id="8" name="Picture 7" descr="C:\Users\SHAWN\Desktop\drn-logo.jpg"/>
+          <p:cNvPicPr>
+            <a:picLocks noChangeAspect="1" noChangeArrowheads="1"/>
+          </p:cNvPicPr>
+          <p:nvPr/>
+        </p:nvPicPr>
+        <p:blipFill>
+          <a:blip r:embed="rId3">
+            <a:extLst>
+              <a:ext uri="{28A0092B-C50C-407E-A947-70E740481C1C}">
+                <a14:useLocalDpi xmlns:a14="http://schemas.microsoft.com/office/drawing/2010/main" val="0"/>
+              </a:ext>
+            </a:extLst>
+          </a:blip>
+          <a:srcRect/>
+          <a:stretch>
+            <a:fillRect/>
+          </a:stretch>
+        </p:blipFill>
+        <p:spPr bwMode="auto">
+          <a:xfrm>
+            <a:off x="5463746" y="4341468"/>
+            <a:ext cx="3557592" cy="1165592"/>
+          </a:xfrm>
+          <a:prstGeom prst="rect">
+            <a:avLst/>
+          </a:prstGeom>
+          <a:noFill/>
+          <a:extLst>
+            <a:ext uri="{909E8E84-426E-40DD-AFC4-6F175D3DCCD1}">
+              <a14:hiddenFill xmlns:a14="http://schemas.microsoft.com/office/drawing/2010/main">
+                <a:solidFill>
+                  <a:srgbClr val="FFFFFF"/>
+                </a:solidFill>
+              </a14:hiddenFill>
+            </a:ext>
+          </a:extLst>
+        </p:spPr>
+      </p:pic>
+      <p:pic>
+        <p:nvPicPr>
+          <p:cNvPr id="9" name="Picture 8" descr="C:\Users\Shawn\Pictures\mvplogo.gif"/>
+          <p:cNvPicPr>
+            <a:picLocks noChangeAspect="1" noChangeArrowheads="1"/>
+          </p:cNvPicPr>
+          <p:nvPr/>
+        </p:nvPicPr>
+        <p:blipFill>
+          <a:blip r:embed="rId4" cstate="print"/>
+          <a:srcRect/>
+          <a:stretch>
+            <a:fillRect/>
+          </a:stretch>
+        </p:blipFill>
+        <p:spPr bwMode="auto">
+          <a:xfrm>
+            <a:off x="240218" y="4401787"/>
+            <a:ext cx="1497165" cy="2343390"/>
+          </a:xfrm>
+          <a:prstGeom prst="rect">
+            <a:avLst/>
+          </a:prstGeom>
+          <a:noFill/>
+          <a:ln w="9525">
+            <a:noFill/>
+            <a:miter lim="800000"/>
+            <a:headEnd/>
+            <a:tailEnd/>
+          </a:ln>
+        </p:spPr>
+      </p:pic>
+      <p:pic>
+        <p:nvPicPr>
+          <p:cNvPr id="10" name="Picture 9" descr="C:\Users\Shawn\Pictures\FloridaTech_seal.gif"/>
+          <p:cNvPicPr>
+            <a:picLocks noChangeAspect="1" noChangeArrowheads="1"/>
+          </p:cNvPicPr>
+          <p:nvPr/>
+        </p:nvPicPr>
+        <p:blipFill>
+          <a:blip r:embed="rId5" cstate="print"/>
+          <a:srcRect/>
+          <a:stretch>
+            <a:fillRect/>
+          </a:stretch>
+        </p:blipFill>
+        <p:spPr bwMode="auto">
+          <a:xfrm>
+            <a:off x="2164113" y="5433829"/>
+            <a:ext cx="1533153" cy="1188194"/>
+          </a:xfrm>
+          <a:prstGeom prst="rect">
+            <a:avLst/>
+          </a:prstGeom>
+          <a:noFill/>
+          <a:ln w="9525">
+            <a:noFill/>
+            <a:miter lim="800000"/>
+            <a:headEnd/>
+            <a:tailEnd/>
+          </a:ln>
+        </p:spPr>
+      </p:pic>
+      <p:pic>
+        <p:nvPicPr>
+          <p:cNvPr id="11" name="Picture 10" descr="C:\Users\SHAWN\Desktop\theme-sprite.17.png"/>
+          <p:cNvPicPr>
+            <a:picLocks noChangeAspect="1" noChangeArrowheads="1"/>
+          </p:cNvPicPr>
+          <p:nvPr/>
+        </p:nvPicPr>
+        <p:blipFill>
+          <a:blip r:embed="rId6">
+            <a:extLst>
+              <a:ext uri="{28A0092B-C50C-407E-A947-70E740481C1C}">
+                <a14:useLocalDpi xmlns:a14="http://schemas.microsoft.com/office/drawing/2010/main" val="0"/>
+              </a:ext>
+            </a:extLst>
+          </a:blip>
+          <a:srcRect/>
+          <a:stretch>
+            <a:fillRect/>
+          </a:stretch>
+        </p:blipFill>
+        <p:spPr bwMode="auto">
+          <a:xfrm>
+            <a:off x="9544397" y="4659948"/>
+            <a:ext cx="2370948" cy="693543"/>
+          </a:xfrm>
+          <a:prstGeom prst="rect">
+            <a:avLst/>
+          </a:prstGeom>
+          <a:noFill/>
+          <a:extLst>
+            <a:ext uri="{909E8E84-426E-40DD-AFC4-6F175D3DCCD1}">
+              <a14:hiddenFill xmlns:a14="http://schemas.microsoft.com/office/drawing/2010/main">
+                <a:solidFill>
+                  <a:srgbClr val="FFFFFF"/>
+                </a:solidFill>
+              </a14:hiddenFill>
+            </a:ext>
+          </a:extLst>
+        </p:spPr>
+      </p:pic>
+      <p:pic>
+        <p:nvPicPr>
+          <p:cNvPr id="12" name="Picture 11" descr="C:\Users\SHAWN\Desktop\lockheed-martin.jpg"/>
+          <p:cNvPicPr>
+            <a:picLocks noChangeAspect="1" noChangeArrowheads="1"/>
+          </p:cNvPicPr>
+          <p:nvPr/>
+        </p:nvPicPr>
+        <p:blipFill>
+          <a:blip r:embed="rId7" cstate="print">
+            <a:extLst>
+              <a:ext uri="{28A0092B-C50C-407E-A947-70E740481C1C}">
+                <a14:useLocalDpi xmlns:a14="http://schemas.microsoft.com/office/drawing/2010/main" val="0"/>
+              </a:ext>
+            </a:extLst>
+          </a:blip>
+          <a:srcRect/>
+          <a:stretch>
+            <a:fillRect/>
+          </a:stretch>
+        </p:blipFill>
+        <p:spPr bwMode="auto">
+          <a:xfrm>
+            <a:off x="4123997" y="5720993"/>
+            <a:ext cx="4747273" cy="941608"/>
+          </a:xfrm>
+          <a:prstGeom prst="rect">
+            <a:avLst/>
+          </a:prstGeom>
+          <a:noFill/>
+          <a:extLst>
+            <a:ext uri="{909E8E84-426E-40DD-AFC4-6F175D3DCCD1}">
+              <a14:hiddenFill xmlns:a14="http://schemas.microsoft.com/office/drawing/2010/main">
+                <a:solidFill>
+                  <a:srgbClr val="FFFFFF"/>
+                </a:solidFill>
+              </a14:hiddenFill>
+            </a:ext>
+          </a:extLst>
+        </p:spPr>
+      </p:pic>
+      <p:pic>
+        <p:nvPicPr>
+          <p:cNvPr id="13" name="Picture 12" descr="C:\Users\SHAWN\Desktop\UserGroupLogo.gif"/>
+          <p:cNvPicPr>
+            <a:picLocks noChangeAspect="1" noChangeArrowheads="1"/>
+          </p:cNvPicPr>
+          <p:nvPr/>
+        </p:nvPicPr>
+        <p:blipFill>
+          <a:blip r:embed="rId8">
+            <a:extLst>
+              <a:ext uri="{28A0092B-C50C-407E-A947-70E740481C1C}">
+                <a14:useLocalDpi xmlns:a14="http://schemas.microsoft.com/office/drawing/2010/main" val="0"/>
+              </a:ext>
+            </a:extLst>
+          </a:blip>
+          <a:srcRect/>
+          <a:stretch>
+            <a:fillRect/>
+          </a:stretch>
+        </p:blipFill>
+        <p:spPr bwMode="auto">
+          <a:xfrm>
+            <a:off x="9042902" y="5638419"/>
+            <a:ext cx="2951350" cy="1106757"/>
+          </a:xfrm>
+          <a:prstGeom prst="rect">
+            <a:avLst/>
+          </a:prstGeom>
+          <a:noFill/>
+          <a:extLst>
+            <a:ext uri="{909E8E84-426E-40DD-AFC4-6F175D3DCCD1}">
+              <a14:hiddenFill xmlns:a14="http://schemas.microsoft.com/office/drawing/2010/main">
+                <a:solidFill>
+                  <a:srgbClr val="FFFFFF"/>
+                </a:solidFill>
+              </a14:hiddenFill>
+            </a:ext>
+          </a:extLst>
+        </p:spPr>
+      </p:pic>
+    </p:spTree>
+    <p:extLst>
+      <p:ext uri="{BB962C8B-B14F-4D97-AF65-F5344CB8AC3E}">
+        <p14:creationId xmlns:p14="http://schemas.microsoft.com/office/powerpoint/2010/main" val="482029232"/>
+      </p:ext>
+    </p:extLst>
+  </p:cSld>
+  <p:clrMapOvr>
+    <a:masterClrMapping/>
+  </p:clrMapOvr>
+  <p:transition>
+    <p:fade/>
+  </p:transition>
+</p:sld>
+</file>
+
+<file path=ppt/slides/slide20.xml><?xml version="1.0" encoding="utf-8"?>
 <p:sld xmlns:a="http://schemas.openxmlformats.org/drawingml/2006/main" xmlns:r="http://schemas.openxmlformats.org/officeDocument/2006/relationships" xmlns:p="http://schemas.openxmlformats.org/presentationml/2006/main">
   <p:cSld>
     <p:spTree>
@@ -9513,7 +9593,7 @@
 </p:sld>
 </file>
 
-<file path=ppt/slides/slide22.xml><?xml version="1.0" encoding="utf-8"?>
+<file path=ppt/slides/slide21.xml><?xml version="1.0" encoding="utf-8"?>
 <p:sld xmlns:a="http://schemas.openxmlformats.org/drawingml/2006/main" xmlns:r="http://schemas.openxmlformats.org/officeDocument/2006/relationships" xmlns:p="http://schemas.openxmlformats.org/presentationml/2006/main">
   <p:cSld>
     <p:spTree>
@@ -9997,7 +10077,7 @@
 </p:sld>
 </file>
 
-<file path=ppt/slides/slide23.xml><?xml version="1.0" encoding="utf-8"?>
+<file path=ppt/slides/slide22.xml><?xml version="1.0" encoding="utf-8"?>
 <p:sld xmlns:a="http://schemas.openxmlformats.org/drawingml/2006/main" xmlns:r="http://schemas.openxmlformats.org/officeDocument/2006/relationships" xmlns:p="http://schemas.openxmlformats.org/presentationml/2006/main">
   <p:cSld>
     <p:spTree>
@@ -10808,7 +10888,7 @@
 </p:sld>
 </file>
 
-<file path=ppt/slides/slide24.xml><?xml version="1.0" encoding="utf-8"?>
+<file path=ppt/slides/slide23.xml><?xml version="1.0" encoding="utf-8"?>
 <p:sld xmlns:a="http://schemas.openxmlformats.org/drawingml/2006/main" xmlns:r="http://schemas.openxmlformats.org/officeDocument/2006/relationships" xmlns:p="http://schemas.openxmlformats.org/presentationml/2006/main">
   <p:cSld>
     <p:spTree>
@@ -10838,7 +10918,7 @@
         <p:spPr>
           <a:xfrm>
             <a:off x="275481" y="1212851"/>
-            <a:ext cx="11885514" cy="4668531"/>
+            <a:ext cx="11885514" cy="4665893"/>
           </a:xfrm>
         </p:spPr>
         <p:txBody>
@@ -10873,16 +10953,16 @@
             </a:r>
           </a:p>
           <a:p>
+            <a:pPr lvl="1"/>
+            <a:r>
+              <a:rPr lang="en-US" dirty="0"/>
+              <a:t>F#</a:t>
+            </a:r>
+          </a:p>
+          <a:p>
             <a:r>
               <a:rPr lang="en-US" dirty="0"/>
               <a:t>Experimental support</a:t>
-            </a:r>
-          </a:p>
-          <a:p>
-            <a:pPr lvl="1"/>
-            <a:r>
-              <a:rPr lang="en-US" dirty="0"/>
-              <a:t>F#</a:t>
             </a:r>
           </a:p>
           <a:p>
@@ -10960,7 +11040,7 @@
 </p:sld>
 </file>
 
-<file path=ppt/slides/slide25.xml><?xml version="1.0" encoding="utf-8"?>
+<file path=ppt/slides/slide24.xml><?xml version="1.0" encoding="utf-8"?>
 <p:sld xmlns:a="http://schemas.openxmlformats.org/drawingml/2006/main" xmlns:r="http://schemas.openxmlformats.org/officeDocument/2006/relationships" xmlns:p="http://schemas.openxmlformats.org/presentationml/2006/main">
   <p:cSld>
     <p:spTree>
@@ -11871,7 +11951,7 @@
 </p:sld>
 </file>
 
-<file path=ppt/slides/slide26.xml><?xml version="1.0" encoding="utf-8"?>
+<file path=ppt/slides/slide25.xml><?xml version="1.0" encoding="utf-8"?>
 <p:sld xmlns:a="http://schemas.openxmlformats.org/drawingml/2006/main" xmlns:r="http://schemas.openxmlformats.org/officeDocument/2006/relationships" xmlns:p="http://schemas.openxmlformats.org/presentationml/2006/main">
   <p:cSld>
     <p:spTree>
@@ -12132,7 +12212,7 @@
 </p:sld>
 </file>
 
-<file path=ppt/slides/slide27.xml><?xml version="1.0" encoding="utf-8"?>
+<file path=ppt/slides/slide26.xml><?xml version="1.0" encoding="utf-8"?>
 <p:sld xmlns:a="http://schemas.openxmlformats.org/drawingml/2006/main" xmlns:r="http://schemas.openxmlformats.org/officeDocument/2006/relationships" xmlns:p="http://schemas.openxmlformats.org/presentationml/2006/main">
   <p:cSld>
     <p:spTree>
@@ -14295,7 +14375,7 @@
 </p:sld>
 </file>
 
-<file path=ppt/slides/slide28.xml><?xml version="1.0" encoding="utf-8"?>
+<file path=ppt/slides/slide27.xml><?xml version="1.0" encoding="utf-8"?>
 <p:sld xmlns:a="http://schemas.openxmlformats.org/drawingml/2006/main" xmlns:r="http://schemas.openxmlformats.org/officeDocument/2006/relationships" xmlns:p="http://schemas.openxmlformats.org/presentationml/2006/main">
   <p:cSld>
     <p:spTree>
@@ -14389,7 +14469,7 @@
 </p:sld>
 </file>
 
-<file path=ppt/slides/slide29.xml><?xml version="1.0" encoding="utf-8"?>
+<file path=ppt/slides/slide28.xml><?xml version="1.0" encoding="utf-8"?>
 <p:sld xmlns:a="http://schemas.openxmlformats.org/drawingml/2006/main" xmlns:r="http://schemas.openxmlformats.org/officeDocument/2006/relationships" xmlns:p="http://schemas.openxmlformats.org/presentationml/2006/main">
   <p:cSld>
     <p:spTree>
@@ -14520,6 +14600,100 @@
     <p:extLst>
       <p:ext uri="{BB962C8B-B14F-4D97-AF65-F5344CB8AC3E}">
         <p14:creationId xmlns:p14="http://schemas.microsoft.com/office/powerpoint/2010/main" val="3700185724"/>
+      </p:ext>
+    </p:extLst>
+  </p:cSld>
+  <p:clrMapOvr>
+    <a:masterClrMapping/>
+  </p:clrMapOvr>
+  <p:transition>
+    <p:fade/>
+  </p:transition>
+</p:sld>
+</file>
+
+<file path=ppt/slides/slide29.xml><?xml version="1.0" encoding="utf-8"?>
+<p:sld xmlns:a="http://schemas.openxmlformats.org/drawingml/2006/main" xmlns:r="http://schemas.openxmlformats.org/officeDocument/2006/relationships" xmlns:p="http://schemas.openxmlformats.org/presentationml/2006/main">
+  <p:cSld>
+    <p:spTree>
+      <p:nvGrpSpPr>
+        <p:cNvPr id="1" name=""/>
+        <p:cNvGrpSpPr/>
+        <p:nvPr/>
+      </p:nvGrpSpPr>
+      <p:grpSpPr>
+        <a:xfrm>
+          <a:off x="0" y="0"/>
+          <a:ext cx="0" cy="0"/>
+          <a:chOff x="0" y="0"/>
+          <a:chExt cx="0" cy="0"/>
+        </a:xfrm>
+      </p:grpSpPr>
+      <p:sp>
+        <p:nvSpPr>
+          <p:cNvPr id="2" name="Text Placeholder 1"/>
+          <p:cNvSpPr>
+            <a:spLocks noGrp="1"/>
+          </p:cNvSpPr>
+          <p:nvPr>
+            <p:ph type="body" sz="quarter" idx="10"/>
+          </p:nvPr>
+        </p:nvSpPr>
+        <p:spPr>
+          <a:xfrm>
+            <a:off x="275481" y="1212851"/>
+            <a:ext cx="11885514" cy="2649869"/>
+          </a:xfrm>
+        </p:spPr>
+        <p:txBody>
+          <a:bodyPr/>
+          <a:lstStyle/>
+          <a:p>
+            <a:r>
+              <a:rPr lang="en-US" dirty="0"/>
+              <a:t>Scaling up to a larger VM for more resources</a:t>
+            </a:r>
+          </a:p>
+          <a:p>
+            <a:r>
+              <a:rPr lang="en-US" dirty="0"/>
+              <a:t>Scaling out as simple as a slider bar</a:t>
+            </a:r>
+          </a:p>
+          <a:p>
+            <a:r>
+              <a:rPr lang="en-US" dirty="0"/>
+              <a:t>Set up auto-scaling rules to handle additional load while you’re asleep</a:t>
+            </a:r>
+          </a:p>
+        </p:txBody>
+      </p:sp>
+      <p:sp>
+        <p:nvSpPr>
+          <p:cNvPr id="3" name="Title 2"/>
+          <p:cNvSpPr>
+            <a:spLocks noGrp="1"/>
+          </p:cNvSpPr>
+          <p:nvPr>
+            <p:ph type="title"/>
+          </p:nvPr>
+        </p:nvSpPr>
+        <p:spPr/>
+        <p:txBody>
+          <a:bodyPr/>
+          <a:lstStyle/>
+          <a:p>
+            <a:r>
+              <a:rPr lang="en-US" dirty="0"/>
+              <a:t>Scaling on App Service</a:t>
+            </a:r>
+          </a:p>
+        </p:txBody>
+      </p:sp>
+    </p:spTree>
+    <p:extLst>
+      <p:ext uri="{BB962C8B-B14F-4D97-AF65-F5344CB8AC3E}">
+        <p14:creationId xmlns:p14="http://schemas.microsoft.com/office/powerpoint/2010/main" val="1756433955"/>
       </p:ext>
     </p:extLst>
   </p:cSld>
@@ -14559,2562 +14733,6 @@
       </p:grpSpPr>
       <p:sp>
         <p:nvSpPr>
-          <p:cNvPr id="5" name="Text Placeholder 4"/>
-          <p:cNvSpPr>
-            <a:spLocks noGrp="1"/>
-          </p:cNvSpPr>
-          <p:nvPr>
-            <p:ph type="body" sz="quarter" idx="10"/>
-          </p:nvPr>
-        </p:nvSpPr>
-        <p:spPr>
-          <a:xfrm>
-            <a:off x="274638" y="1212850"/>
-            <a:ext cx="11887200" cy="2769989"/>
-          </a:xfrm>
-        </p:spPr>
-        <p:txBody>
-          <a:bodyPr/>
-          <a:lstStyle/>
-          <a:p>
-            <a:r>
-              <a:rPr lang="en-US" dirty="0"/>
-              <a:t>Founder of UserGroup.tv</a:t>
-            </a:r>
-          </a:p>
-          <a:p>
-            <a:r>
-              <a:rPr lang="en-US" dirty="0"/>
-              <a:t>Technical Evangelist at Microsoft</a:t>
-            </a:r>
-          </a:p>
-          <a:p>
-            <a:pPr marL="0" indent="0">
-              <a:buNone/>
-            </a:pPr>
-            <a:endParaRPr lang="en-US" dirty="0"/>
-          </a:p>
-          <a:p>
-            <a:endParaRPr lang="en-US" dirty="0">
-              <a:solidFill>
-                <a:srgbClr val="FF0000"/>
-              </a:solidFill>
-            </a:endParaRPr>
-          </a:p>
-        </p:txBody>
-      </p:sp>
-      <p:sp>
-        <p:nvSpPr>
-          <p:cNvPr id="4" name="Title 3"/>
-          <p:cNvSpPr>
-            <a:spLocks noGrp="1"/>
-          </p:cNvSpPr>
-          <p:nvPr>
-            <p:ph type="title"/>
-          </p:nvPr>
-        </p:nvSpPr>
-        <p:spPr/>
-        <p:txBody>
-          <a:bodyPr/>
-          <a:lstStyle/>
-          <a:p>
-            <a:r>
-              <a:rPr lang="en-US" dirty="0"/>
-              <a:t>About Me</a:t>
-            </a:r>
-          </a:p>
-        </p:txBody>
-      </p:sp>
-      <p:pic>
-        <p:nvPicPr>
-          <p:cNvPr id="7" name="Picture 6" descr="http://www.dallasgivecamp.org/Themes/DallasGiveCamp/Content/Images/GiveCampDallas_small.png"/>
-          <p:cNvPicPr>
-            <a:picLocks noChangeAspect="1" noChangeArrowheads="1"/>
-          </p:cNvPicPr>
-          <p:nvPr/>
-        </p:nvPicPr>
-        <p:blipFill>
-          <a:blip r:embed="rId2">
-            <a:extLst>
-              <a:ext uri="{28A0092B-C50C-407E-A947-70E740481C1C}">
-                <a14:useLocalDpi xmlns:a14="http://schemas.microsoft.com/office/drawing/2010/main" val="0"/>
-              </a:ext>
-            </a:extLst>
-          </a:blip>
-          <a:srcRect/>
-          <a:stretch>
-            <a:fillRect/>
-          </a:stretch>
-        </p:blipFill>
-        <p:spPr bwMode="auto">
-          <a:xfrm>
-            <a:off x="2164113" y="4099364"/>
-            <a:ext cx="2830313" cy="1049820"/>
-          </a:xfrm>
-          <a:prstGeom prst="rect">
-            <a:avLst/>
-          </a:prstGeom>
-          <a:noFill/>
-          <a:extLst>
-            <a:ext uri="{909E8E84-426E-40DD-AFC4-6F175D3DCCD1}">
-              <a14:hiddenFill xmlns:a14="http://schemas.microsoft.com/office/drawing/2010/main">
-                <a:solidFill>
-                  <a:srgbClr val="FFFFFF"/>
-                </a:solidFill>
-              </a14:hiddenFill>
-            </a:ext>
-          </a:extLst>
-        </p:spPr>
-      </p:pic>
-      <p:pic>
-        <p:nvPicPr>
-          <p:cNvPr id="8" name="Picture 7" descr="C:\Users\SHAWN\Desktop\drn-logo.jpg"/>
-          <p:cNvPicPr>
-            <a:picLocks noChangeAspect="1" noChangeArrowheads="1"/>
-          </p:cNvPicPr>
-          <p:nvPr/>
-        </p:nvPicPr>
-        <p:blipFill>
-          <a:blip r:embed="rId3">
-            <a:extLst>
-              <a:ext uri="{28A0092B-C50C-407E-A947-70E740481C1C}">
-                <a14:useLocalDpi xmlns:a14="http://schemas.microsoft.com/office/drawing/2010/main" val="0"/>
-              </a:ext>
-            </a:extLst>
-          </a:blip>
-          <a:srcRect/>
-          <a:stretch>
-            <a:fillRect/>
-          </a:stretch>
-        </p:blipFill>
-        <p:spPr bwMode="auto">
-          <a:xfrm>
-            <a:off x="5463746" y="4341468"/>
-            <a:ext cx="3557592" cy="1165592"/>
-          </a:xfrm>
-          <a:prstGeom prst="rect">
-            <a:avLst/>
-          </a:prstGeom>
-          <a:noFill/>
-          <a:extLst>
-            <a:ext uri="{909E8E84-426E-40DD-AFC4-6F175D3DCCD1}">
-              <a14:hiddenFill xmlns:a14="http://schemas.microsoft.com/office/drawing/2010/main">
-                <a:solidFill>
-                  <a:srgbClr val="FFFFFF"/>
-                </a:solidFill>
-              </a14:hiddenFill>
-            </a:ext>
-          </a:extLst>
-        </p:spPr>
-      </p:pic>
-      <p:pic>
-        <p:nvPicPr>
-          <p:cNvPr id="9" name="Picture 8" descr="C:\Users\Shawn\Pictures\mvplogo.gif"/>
-          <p:cNvPicPr>
-            <a:picLocks noChangeAspect="1" noChangeArrowheads="1"/>
-          </p:cNvPicPr>
-          <p:nvPr/>
-        </p:nvPicPr>
-        <p:blipFill>
-          <a:blip r:embed="rId4" cstate="print"/>
-          <a:srcRect/>
-          <a:stretch>
-            <a:fillRect/>
-          </a:stretch>
-        </p:blipFill>
-        <p:spPr bwMode="auto">
-          <a:xfrm>
-            <a:off x="240218" y="4401787"/>
-            <a:ext cx="1497165" cy="2343390"/>
-          </a:xfrm>
-          <a:prstGeom prst="rect">
-            <a:avLst/>
-          </a:prstGeom>
-          <a:noFill/>
-          <a:ln w="9525">
-            <a:noFill/>
-            <a:miter lim="800000"/>
-            <a:headEnd/>
-            <a:tailEnd/>
-          </a:ln>
-        </p:spPr>
-      </p:pic>
-      <p:pic>
-        <p:nvPicPr>
-          <p:cNvPr id="10" name="Picture 9" descr="C:\Users\Shawn\Pictures\FloridaTech_seal.gif"/>
-          <p:cNvPicPr>
-            <a:picLocks noChangeAspect="1" noChangeArrowheads="1"/>
-          </p:cNvPicPr>
-          <p:nvPr/>
-        </p:nvPicPr>
-        <p:blipFill>
-          <a:blip r:embed="rId5" cstate="print"/>
-          <a:srcRect/>
-          <a:stretch>
-            <a:fillRect/>
-          </a:stretch>
-        </p:blipFill>
-        <p:spPr bwMode="auto">
-          <a:xfrm>
-            <a:off x="2164113" y="5433829"/>
-            <a:ext cx="1533153" cy="1188194"/>
-          </a:xfrm>
-          <a:prstGeom prst="rect">
-            <a:avLst/>
-          </a:prstGeom>
-          <a:noFill/>
-          <a:ln w="9525">
-            <a:noFill/>
-            <a:miter lim="800000"/>
-            <a:headEnd/>
-            <a:tailEnd/>
-          </a:ln>
-        </p:spPr>
-      </p:pic>
-      <p:pic>
-        <p:nvPicPr>
-          <p:cNvPr id="11" name="Picture 10" descr="C:\Users\SHAWN\Desktop\theme-sprite.17.png"/>
-          <p:cNvPicPr>
-            <a:picLocks noChangeAspect="1" noChangeArrowheads="1"/>
-          </p:cNvPicPr>
-          <p:nvPr/>
-        </p:nvPicPr>
-        <p:blipFill>
-          <a:blip r:embed="rId6">
-            <a:extLst>
-              <a:ext uri="{28A0092B-C50C-407E-A947-70E740481C1C}">
-                <a14:useLocalDpi xmlns:a14="http://schemas.microsoft.com/office/drawing/2010/main" val="0"/>
-              </a:ext>
-            </a:extLst>
-          </a:blip>
-          <a:srcRect/>
-          <a:stretch>
-            <a:fillRect/>
-          </a:stretch>
-        </p:blipFill>
-        <p:spPr bwMode="auto">
-          <a:xfrm>
-            <a:off x="9544397" y="4659948"/>
-            <a:ext cx="2370948" cy="693543"/>
-          </a:xfrm>
-          <a:prstGeom prst="rect">
-            <a:avLst/>
-          </a:prstGeom>
-          <a:noFill/>
-          <a:extLst>
-            <a:ext uri="{909E8E84-426E-40DD-AFC4-6F175D3DCCD1}">
-              <a14:hiddenFill xmlns:a14="http://schemas.microsoft.com/office/drawing/2010/main">
-                <a:solidFill>
-                  <a:srgbClr val="FFFFFF"/>
-                </a:solidFill>
-              </a14:hiddenFill>
-            </a:ext>
-          </a:extLst>
-        </p:spPr>
-      </p:pic>
-      <p:pic>
-        <p:nvPicPr>
-          <p:cNvPr id="12" name="Picture 11" descr="C:\Users\SHAWN\Desktop\lockheed-martin.jpg"/>
-          <p:cNvPicPr>
-            <a:picLocks noChangeAspect="1" noChangeArrowheads="1"/>
-          </p:cNvPicPr>
-          <p:nvPr/>
-        </p:nvPicPr>
-        <p:blipFill>
-          <a:blip r:embed="rId7" cstate="print">
-            <a:extLst>
-              <a:ext uri="{28A0092B-C50C-407E-A947-70E740481C1C}">
-                <a14:useLocalDpi xmlns:a14="http://schemas.microsoft.com/office/drawing/2010/main" val="0"/>
-              </a:ext>
-            </a:extLst>
-          </a:blip>
-          <a:srcRect/>
-          <a:stretch>
-            <a:fillRect/>
-          </a:stretch>
-        </p:blipFill>
-        <p:spPr bwMode="auto">
-          <a:xfrm>
-            <a:off x="4123997" y="5720993"/>
-            <a:ext cx="4747273" cy="941608"/>
-          </a:xfrm>
-          <a:prstGeom prst="rect">
-            <a:avLst/>
-          </a:prstGeom>
-          <a:noFill/>
-          <a:extLst>
-            <a:ext uri="{909E8E84-426E-40DD-AFC4-6F175D3DCCD1}">
-              <a14:hiddenFill xmlns:a14="http://schemas.microsoft.com/office/drawing/2010/main">
-                <a:solidFill>
-                  <a:srgbClr val="FFFFFF"/>
-                </a:solidFill>
-              </a14:hiddenFill>
-            </a:ext>
-          </a:extLst>
-        </p:spPr>
-      </p:pic>
-      <p:pic>
-        <p:nvPicPr>
-          <p:cNvPr id="13" name="Picture 12" descr="C:\Users\SHAWN\Desktop\UserGroupLogo.gif"/>
-          <p:cNvPicPr>
-            <a:picLocks noChangeAspect="1" noChangeArrowheads="1"/>
-          </p:cNvPicPr>
-          <p:nvPr/>
-        </p:nvPicPr>
-        <p:blipFill>
-          <a:blip r:embed="rId8">
-            <a:extLst>
-              <a:ext uri="{28A0092B-C50C-407E-A947-70E740481C1C}">
-                <a14:useLocalDpi xmlns:a14="http://schemas.microsoft.com/office/drawing/2010/main" val="0"/>
-              </a:ext>
-            </a:extLst>
-          </a:blip>
-          <a:srcRect/>
-          <a:stretch>
-            <a:fillRect/>
-          </a:stretch>
-        </p:blipFill>
-        <p:spPr bwMode="auto">
-          <a:xfrm>
-            <a:off x="9042902" y="5638419"/>
-            <a:ext cx="2951350" cy="1106757"/>
-          </a:xfrm>
-          <a:prstGeom prst="rect">
-            <a:avLst/>
-          </a:prstGeom>
-          <a:noFill/>
-          <a:extLst>
-            <a:ext uri="{909E8E84-426E-40DD-AFC4-6F175D3DCCD1}">
-              <a14:hiddenFill xmlns:a14="http://schemas.microsoft.com/office/drawing/2010/main">
-                <a:solidFill>
-                  <a:srgbClr val="FFFFFF"/>
-                </a:solidFill>
-              </a14:hiddenFill>
-            </a:ext>
-          </a:extLst>
-        </p:spPr>
-      </p:pic>
-    </p:spTree>
-    <p:extLst>
-      <p:ext uri="{BB962C8B-B14F-4D97-AF65-F5344CB8AC3E}">
-        <p14:creationId xmlns:p14="http://schemas.microsoft.com/office/powerpoint/2010/main" val="482029232"/>
-      </p:ext>
-    </p:extLst>
-  </p:cSld>
-  <p:clrMapOvr>
-    <a:masterClrMapping/>
-  </p:clrMapOvr>
-  <p:transition>
-    <p:fade/>
-  </p:transition>
-</p:sld>
-</file>
-
-<file path=ppt/slides/slide30.xml><?xml version="1.0" encoding="utf-8"?>
-<p:sld xmlns:a="http://schemas.openxmlformats.org/drawingml/2006/main" xmlns:r="http://schemas.openxmlformats.org/officeDocument/2006/relationships" xmlns:p="http://schemas.openxmlformats.org/presentationml/2006/main">
-  <p:cSld>
-    <p:spTree>
-      <p:nvGrpSpPr>
-        <p:cNvPr id="1" name=""/>
-        <p:cNvGrpSpPr/>
-        <p:nvPr/>
-      </p:nvGrpSpPr>
-      <p:grpSpPr>
-        <a:xfrm>
-          <a:off x="0" y="0"/>
-          <a:ext cx="0" cy="0"/>
-          <a:chOff x="0" y="0"/>
-          <a:chExt cx="0" cy="0"/>
-        </a:xfrm>
-      </p:grpSpPr>
-      <p:sp>
-        <p:nvSpPr>
-          <p:cNvPr id="2" name="Text Placeholder 1"/>
-          <p:cNvSpPr>
-            <a:spLocks noGrp="1"/>
-          </p:cNvSpPr>
-          <p:nvPr>
-            <p:ph type="body" sz="quarter" idx="10"/>
-          </p:nvPr>
-        </p:nvSpPr>
-        <p:spPr>
-          <a:xfrm>
-            <a:off x="275481" y="1212851"/>
-            <a:ext cx="11885514" cy="2649869"/>
-          </a:xfrm>
-        </p:spPr>
-        <p:txBody>
-          <a:bodyPr/>
-          <a:lstStyle/>
-          <a:p>
-            <a:r>
-              <a:rPr lang="en-US" dirty="0"/>
-              <a:t>Scaling up to a larger VM for more resources</a:t>
-            </a:r>
-          </a:p>
-          <a:p>
-            <a:r>
-              <a:rPr lang="en-US" dirty="0"/>
-              <a:t>Scaling out as simple as a slider bar</a:t>
-            </a:r>
-          </a:p>
-          <a:p>
-            <a:r>
-              <a:rPr lang="en-US" dirty="0"/>
-              <a:t>Set up auto-scaling rules to handle additional load while you’re asleep</a:t>
-            </a:r>
-          </a:p>
-        </p:txBody>
-      </p:sp>
-      <p:sp>
-        <p:nvSpPr>
-          <p:cNvPr id="3" name="Title 2"/>
-          <p:cNvSpPr>
-            <a:spLocks noGrp="1"/>
-          </p:cNvSpPr>
-          <p:nvPr>
-            <p:ph type="title"/>
-          </p:nvPr>
-        </p:nvSpPr>
-        <p:spPr/>
-        <p:txBody>
-          <a:bodyPr/>
-          <a:lstStyle/>
-          <a:p>
-            <a:r>
-              <a:rPr lang="en-US" dirty="0"/>
-              <a:t>Scaling on App Service</a:t>
-            </a:r>
-          </a:p>
-        </p:txBody>
-      </p:sp>
-    </p:spTree>
-    <p:extLst>
-      <p:ext uri="{BB962C8B-B14F-4D97-AF65-F5344CB8AC3E}">
-        <p14:creationId xmlns:p14="http://schemas.microsoft.com/office/powerpoint/2010/main" val="1756433955"/>
-      </p:ext>
-    </p:extLst>
-  </p:cSld>
-  <p:clrMapOvr>
-    <a:masterClrMapping/>
-  </p:clrMapOvr>
-  <p:transition>
-    <p:fade/>
-  </p:transition>
-</p:sld>
-</file>
-
-<file path=ppt/slides/slide31.xml><?xml version="1.0" encoding="utf-8"?>
-<p:sld xmlns:a="http://schemas.openxmlformats.org/drawingml/2006/main" xmlns:r="http://schemas.openxmlformats.org/officeDocument/2006/relationships" xmlns:p="http://schemas.openxmlformats.org/presentationml/2006/main">
-  <p:cSld>
-    <p:spTree>
-      <p:nvGrpSpPr>
-        <p:cNvPr id="1" name=""/>
-        <p:cNvGrpSpPr/>
-        <p:nvPr/>
-      </p:nvGrpSpPr>
-      <p:grpSpPr>
-        <a:xfrm>
-          <a:off x="0" y="0"/>
-          <a:ext cx="0" cy="0"/>
-          <a:chOff x="0" y="0"/>
-          <a:chExt cx="0" cy="0"/>
-        </a:xfrm>
-      </p:grpSpPr>
-      <p:sp>
-        <p:nvSpPr>
-          <p:cNvPr id="3" name="Text Placeholder 2"/>
-          <p:cNvSpPr>
-            <a:spLocks noGrp="1"/>
-          </p:cNvSpPr>
-          <p:nvPr>
-            <p:ph type="body" sz="quarter" idx="10"/>
-          </p:nvPr>
-        </p:nvSpPr>
-        <p:spPr>
-          <a:xfrm>
-            <a:off x="275481" y="1212850"/>
-            <a:ext cx="11885514" cy="2769989"/>
-          </a:xfrm>
-        </p:spPr>
-        <p:txBody>
-          <a:bodyPr/>
-          <a:lstStyle/>
-          <a:p>
-            <a:r>
-              <a:rPr lang="en-US" dirty="0"/>
-              <a:t>Available </a:t>
-            </a:r>
-            <a:r>
-              <a:rPr lang="en-US" u="sng" dirty="0"/>
-              <a:t>today</a:t>
-            </a:r>
-            <a:r>
-              <a:rPr lang="en-US" dirty="0"/>
-              <a:t> with limited capacity</a:t>
-            </a:r>
-          </a:p>
-          <a:p>
-            <a:r>
-              <a:rPr lang="en-US" dirty="0"/>
-              <a:t>Currently free in preview</a:t>
-            </a:r>
-          </a:p>
-          <a:p>
-            <a:r>
-              <a:rPr lang="en-US" dirty="0"/>
-              <a:t>Charged based on memory*sec </a:t>
-            </a:r>
-          </a:p>
-          <a:p>
-            <a:pPr marL="0" indent="0">
-              <a:buNone/>
-            </a:pPr>
-            <a:r>
-              <a:rPr lang="en-US" dirty="0"/>
-              <a:t>More details to come…</a:t>
-            </a:r>
-          </a:p>
-        </p:txBody>
-      </p:sp>
-      <p:sp>
-        <p:nvSpPr>
-          <p:cNvPr id="2" name="Title 1"/>
-          <p:cNvSpPr>
-            <a:spLocks noGrp="1"/>
-          </p:cNvSpPr>
-          <p:nvPr>
-            <p:ph type="title"/>
-          </p:nvPr>
-        </p:nvSpPr>
-        <p:spPr/>
-        <p:txBody>
-          <a:bodyPr/>
-          <a:lstStyle/>
-          <a:p>
-            <a:r>
-              <a:rPr lang="en-US" dirty="0"/>
-              <a:t>The details on dynamic hosting plans</a:t>
-            </a:r>
-          </a:p>
-        </p:txBody>
-      </p:sp>
-    </p:spTree>
-    <p:extLst>
-      <p:ext uri="{BB962C8B-B14F-4D97-AF65-F5344CB8AC3E}">
-        <p14:creationId xmlns:p14="http://schemas.microsoft.com/office/powerpoint/2010/main" val="2244508417"/>
-      </p:ext>
-    </p:extLst>
-  </p:cSld>
-  <p:clrMapOvr>
-    <a:masterClrMapping/>
-  </p:clrMapOvr>
-  <p:transition>
-    <p:fade/>
-  </p:transition>
-</p:sld>
-</file>
-
-<file path=ppt/slides/slide32.xml><?xml version="1.0" encoding="utf-8"?>
-<p:sld xmlns:a="http://schemas.openxmlformats.org/drawingml/2006/main" xmlns:r="http://schemas.openxmlformats.org/officeDocument/2006/relationships" xmlns:p="http://schemas.openxmlformats.org/presentationml/2006/main">
-  <p:cSld>
-    <p:spTree>
-      <p:nvGrpSpPr>
-        <p:cNvPr id="1" name=""/>
-        <p:cNvGrpSpPr/>
-        <p:nvPr/>
-      </p:nvGrpSpPr>
-      <p:grpSpPr>
-        <a:xfrm>
-          <a:off x="0" y="0"/>
-          <a:ext cx="0" cy="0"/>
-          <a:chOff x="0" y="0"/>
-          <a:chExt cx="0" cy="0"/>
-        </a:xfrm>
-      </p:grpSpPr>
-      <p:sp>
-        <p:nvSpPr>
-          <p:cNvPr id="4" name="Title 3"/>
-          <p:cNvSpPr>
-            <a:spLocks noGrp="1"/>
-          </p:cNvSpPr>
-          <p:nvPr>
-            <p:ph type="title"/>
-          </p:nvPr>
-        </p:nvSpPr>
-        <p:spPr/>
-        <p:txBody>
-          <a:bodyPr/>
-          <a:lstStyle/>
-          <a:p>
-            <a:r>
-              <a:rPr lang="en-US" dirty="0"/>
-              <a:t>Demo</a:t>
-            </a:r>
-          </a:p>
-        </p:txBody>
-      </p:sp>
-      <p:sp>
-        <p:nvSpPr>
-          <p:cNvPr id="3" name="Text Placeholder 2"/>
-          <p:cNvSpPr>
-            <a:spLocks noGrp="1"/>
-          </p:cNvSpPr>
-          <p:nvPr>
-            <p:ph type="body" sz="quarter" idx="12"/>
-          </p:nvPr>
-        </p:nvSpPr>
-        <p:spPr/>
-        <p:txBody>
-          <a:bodyPr/>
-          <a:lstStyle/>
-          <a:p>
-            <a:r>
-              <a:rPr lang="en-US" dirty="0"/>
-              <a:t>CI Deployment</a:t>
-            </a:r>
-          </a:p>
-        </p:txBody>
-      </p:sp>
-    </p:spTree>
-    <p:extLst>
-      <p:ext uri="{BB962C8B-B14F-4D97-AF65-F5344CB8AC3E}">
-        <p14:creationId xmlns:p14="http://schemas.microsoft.com/office/powerpoint/2010/main" val="2857607644"/>
-      </p:ext>
-    </p:extLst>
-  </p:cSld>
-  <p:clrMapOvr>
-    <a:masterClrMapping/>
-  </p:clrMapOvr>
-  <mc:AlternateContent xmlns:mc="http://schemas.openxmlformats.org/markup-compatibility/2006" xmlns:p14="http://schemas.microsoft.com/office/powerpoint/2010/main">
-    <mc:Choice Requires="p14">
-      <p:transition spd="med" p14:dur="700">
-        <p:fade/>
-      </p:transition>
-    </mc:Choice>
-    <mc:Fallback xmlns="">
-      <p:transition spd="med">
-        <p:fade/>
-      </p:transition>
-    </mc:Fallback>
-  </mc:AlternateContent>
-</p:sld>
-</file>
-
-<file path=ppt/slides/slide33.xml><?xml version="1.0" encoding="utf-8"?>
-<p:sld xmlns:a="http://schemas.openxmlformats.org/drawingml/2006/main" xmlns:r="http://schemas.openxmlformats.org/officeDocument/2006/relationships" xmlns:p="http://schemas.openxmlformats.org/presentationml/2006/main">
-  <p:cSld>
-    <p:spTree>
-      <p:nvGrpSpPr>
-        <p:cNvPr id="1" name=""/>
-        <p:cNvGrpSpPr/>
-        <p:nvPr/>
-      </p:nvGrpSpPr>
-      <p:grpSpPr>
-        <a:xfrm>
-          <a:off x="0" y="0"/>
-          <a:ext cx="0" cy="0"/>
-          <a:chOff x="0" y="0"/>
-          <a:chExt cx="0" cy="0"/>
-        </a:xfrm>
-      </p:grpSpPr>
-      <p:sp>
-        <p:nvSpPr>
-          <p:cNvPr id="2" name="Text Placeholder 1"/>
-          <p:cNvSpPr>
-            <a:spLocks noGrp="1"/>
-          </p:cNvSpPr>
-          <p:nvPr>
-            <p:ph type="body" sz="quarter" idx="10"/>
-          </p:nvPr>
-        </p:nvSpPr>
-        <p:spPr>
-          <a:xfrm>
-            <a:off x="274638" y="1212850"/>
-            <a:ext cx="11887200" cy="4395049"/>
-          </a:xfrm>
-        </p:spPr>
-        <p:txBody>
-          <a:bodyPr/>
-          <a:lstStyle/>
-          <a:p>
-            <a:r>
-              <a:rPr lang="en-US" dirty="0"/>
-              <a:t>Introducing Azure Functions</a:t>
-            </a:r>
-          </a:p>
-          <a:p>
-            <a:pPr lvl="1"/>
-            <a:r>
-              <a:rPr lang="en-US" dirty="0"/>
-              <a:t>Speakers: Chris Anderson </a:t>
-            </a:r>
-          </a:p>
-          <a:p>
-            <a:pPr lvl="1"/>
-            <a:r>
-              <a:rPr lang="en-US" dirty="0"/>
-              <a:t>https://channel9.msdn.com/Events/Build/2016/B858</a:t>
-            </a:r>
-          </a:p>
-          <a:p>
-            <a:endParaRPr lang="en-US" dirty="0"/>
-          </a:p>
-          <a:p>
-            <a:r>
-              <a:rPr lang="en-US" dirty="0"/>
-              <a:t>Azure Functions Under the Hood</a:t>
-            </a:r>
-          </a:p>
-          <a:p>
-            <a:pPr lvl="1"/>
-            <a:r>
-              <a:rPr lang="en-US" dirty="0"/>
-              <a:t>Speakers: Matthew Henderson</a:t>
-            </a:r>
-          </a:p>
-          <a:p>
-            <a:pPr lvl="1"/>
-            <a:r>
-              <a:rPr lang="en-US" dirty="0"/>
-              <a:t>https://channel9.msdn.com/Events/Build/2016/T692</a:t>
-            </a:r>
-          </a:p>
-          <a:p>
-            <a:endParaRPr lang="en-US" dirty="0"/>
-          </a:p>
-        </p:txBody>
-      </p:sp>
-      <p:sp>
-        <p:nvSpPr>
-          <p:cNvPr id="3" name="Title 2"/>
-          <p:cNvSpPr>
-            <a:spLocks noGrp="1"/>
-          </p:cNvSpPr>
-          <p:nvPr>
-            <p:ph type="title"/>
-          </p:nvPr>
-        </p:nvSpPr>
-        <p:spPr/>
-        <p:txBody>
-          <a:bodyPr/>
-          <a:lstStyle/>
-          <a:p>
-            <a:r>
-              <a:rPr lang="en-US" dirty="0"/>
-              <a:t>Resources – Build 2016</a:t>
-            </a:r>
-          </a:p>
-        </p:txBody>
-      </p:sp>
-    </p:spTree>
-    <p:extLst>
-      <p:ext uri="{BB962C8B-B14F-4D97-AF65-F5344CB8AC3E}">
-        <p14:creationId xmlns:p14="http://schemas.microsoft.com/office/powerpoint/2010/main" val="2235427727"/>
-      </p:ext>
-    </p:extLst>
-  </p:cSld>
-  <p:clrMapOvr>
-    <a:masterClrMapping/>
-  </p:clrMapOvr>
-  <p:transition>
-    <p:fade/>
-  </p:transition>
-</p:sld>
-</file>
-
-<file path=ppt/slides/slide34.xml><?xml version="1.0" encoding="utf-8"?>
-<p:sld xmlns:a="http://schemas.openxmlformats.org/drawingml/2006/main" xmlns:r="http://schemas.openxmlformats.org/officeDocument/2006/relationships" xmlns:p="http://schemas.openxmlformats.org/presentationml/2006/main">
-  <p:cSld>
-    <p:spTree>
-      <p:nvGrpSpPr>
-        <p:cNvPr id="1" name=""/>
-        <p:cNvGrpSpPr/>
-        <p:nvPr/>
-      </p:nvGrpSpPr>
-      <p:grpSpPr>
-        <a:xfrm>
-          <a:off x="0" y="0"/>
-          <a:ext cx="0" cy="0"/>
-          <a:chOff x="0" y="0"/>
-          <a:chExt cx="0" cy="0"/>
-        </a:xfrm>
-      </p:grpSpPr>
-      <p:sp>
-        <p:nvSpPr>
-          <p:cNvPr id="2" name="Text Placeholder 1"/>
-          <p:cNvSpPr>
-            <a:spLocks noGrp="1"/>
-          </p:cNvSpPr>
-          <p:nvPr>
-            <p:ph type="body" sz="quarter" idx="10"/>
-          </p:nvPr>
-        </p:nvSpPr>
-        <p:spPr>
-          <a:xfrm>
-            <a:off x="275480" y="1212850"/>
-            <a:ext cx="12079991" cy="5751629"/>
-          </a:xfrm>
-        </p:spPr>
-        <p:txBody>
-          <a:bodyPr/>
-          <a:lstStyle/>
-          <a:p>
-            <a:r>
-              <a:rPr lang="en-US" dirty="0"/>
-              <a:t>The runtime, “portal”, and templates are all on GitHub</a:t>
-            </a:r>
-          </a:p>
-          <a:p>
-            <a:pPr lvl="1"/>
-            <a:r>
-              <a:rPr lang="en-US" dirty="0">
-                <a:solidFill>
-                  <a:schemeClr val="tx1"/>
-                </a:solidFill>
-                <a:hlinkClick r:id="rId2"/>
-              </a:rPr>
-              <a:t>https://github.com/Azure/azure-webjobs-sdk</a:t>
-            </a:r>
-            <a:endParaRPr lang="en-US" dirty="0">
-              <a:solidFill>
-                <a:schemeClr val="tx1"/>
-              </a:solidFill>
-            </a:endParaRPr>
-          </a:p>
-          <a:p>
-            <a:pPr lvl="1"/>
-            <a:r>
-              <a:rPr lang="en-US" dirty="0">
-                <a:solidFill>
-                  <a:schemeClr val="tx1"/>
-                </a:solidFill>
-                <a:hlinkClick r:id="rId3"/>
-              </a:rPr>
-              <a:t>https://github.com/Azure/azure-webjobs-sdk-extensions</a:t>
-            </a:r>
-            <a:endParaRPr lang="en-US" dirty="0">
-              <a:solidFill>
-                <a:schemeClr val="tx1"/>
-              </a:solidFill>
-            </a:endParaRPr>
-          </a:p>
-          <a:p>
-            <a:pPr lvl="1"/>
-            <a:r>
-              <a:rPr lang="en-US" dirty="0">
-                <a:solidFill>
-                  <a:schemeClr val="tx1"/>
-                </a:solidFill>
-                <a:hlinkClick r:id="rId4"/>
-              </a:rPr>
-              <a:t>https://github.com/Azure/azure-webjobs-sdk-script</a:t>
-            </a:r>
-            <a:endParaRPr lang="en-US" dirty="0">
-              <a:solidFill>
-                <a:schemeClr val="tx1"/>
-              </a:solidFill>
-            </a:endParaRPr>
-          </a:p>
-          <a:p>
-            <a:pPr lvl="1"/>
-            <a:r>
-              <a:rPr lang="en-US" dirty="0">
-                <a:solidFill>
-                  <a:schemeClr val="tx1"/>
-                </a:solidFill>
-                <a:hlinkClick r:id="rId5"/>
-              </a:rPr>
-              <a:t>https://github.com/Azure/azure-webjobs-sdk-templates</a:t>
-            </a:r>
-            <a:endParaRPr lang="en-US" dirty="0">
-              <a:solidFill>
-                <a:schemeClr val="tx1"/>
-              </a:solidFill>
-            </a:endParaRPr>
-          </a:p>
-          <a:p>
-            <a:pPr lvl="1"/>
-            <a:r>
-              <a:rPr lang="en-US" dirty="0">
-                <a:solidFill>
-                  <a:schemeClr val="tx1"/>
-                </a:solidFill>
-                <a:hlinkClick r:id="rId6"/>
-              </a:rPr>
-              <a:t>https://github.com/ProjectKudu/WebJobsPortal</a:t>
-            </a:r>
-            <a:r>
-              <a:rPr lang="en-US" dirty="0">
-                <a:solidFill>
-                  <a:schemeClr val="tx1"/>
-                </a:solidFill>
-              </a:rPr>
-              <a:t> </a:t>
-            </a:r>
-          </a:p>
-          <a:p>
-            <a:r>
-              <a:rPr lang="en-US" dirty="0"/>
-              <a:t>Open roadmap</a:t>
-            </a:r>
-          </a:p>
-          <a:p>
-            <a:pPr lvl="1"/>
-            <a:r>
-              <a:rPr lang="en-US" dirty="0"/>
-              <a:t>Use the cutting edge features</a:t>
-            </a:r>
-          </a:p>
-          <a:p>
-            <a:pPr lvl="1"/>
-            <a:r>
-              <a:rPr lang="en-US" dirty="0"/>
-              <a:t>Transparency into priorities and velocity</a:t>
-            </a:r>
-          </a:p>
-          <a:p>
-            <a:pPr lvl="1"/>
-            <a:r>
-              <a:rPr lang="en-US" dirty="0"/>
-              <a:t>Influence the direction of the project</a:t>
-            </a:r>
-          </a:p>
-          <a:p>
-            <a:r>
-              <a:rPr lang="en-US" dirty="0"/>
-              <a:t>Runtime is intended to be portable</a:t>
-            </a:r>
-          </a:p>
-          <a:p>
-            <a:pPr lvl="1"/>
-            <a:r>
-              <a:rPr lang="en-US" dirty="0"/>
-              <a:t>MIT License</a:t>
-            </a:r>
-          </a:p>
-        </p:txBody>
-      </p:sp>
-      <p:sp>
-        <p:nvSpPr>
-          <p:cNvPr id="3" name="Title 2"/>
-          <p:cNvSpPr>
-            <a:spLocks noGrp="1"/>
-          </p:cNvSpPr>
-          <p:nvPr>
-            <p:ph type="title"/>
-          </p:nvPr>
-        </p:nvSpPr>
-        <p:spPr/>
-        <p:txBody>
-          <a:bodyPr/>
-          <a:lstStyle/>
-          <a:p>
-            <a:r>
-              <a:rPr lang="en-US" dirty="0"/>
-              <a:t>Azure Functions is open sourced</a:t>
-            </a:r>
-          </a:p>
-        </p:txBody>
-      </p:sp>
-    </p:spTree>
-    <p:extLst>
-      <p:ext uri="{BB962C8B-B14F-4D97-AF65-F5344CB8AC3E}">
-        <p14:creationId xmlns:p14="http://schemas.microsoft.com/office/powerpoint/2010/main" val="376460961"/>
-      </p:ext>
-    </p:extLst>
-  </p:cSld>
-  <p:clrMapOvr>
-    <a:masterClrMapping/>
-  </p:clrMapOvr>
-  <p:transition>
-    <p:fade/>
-  </p:transition>
-</p:sld>
-</file>
-
-<file path=ppt/slides/slide35.xml><?xml version="1.0" encoding="utf-8"?>
-<p:sld xmlns:a="http://schemas.openxmlformats.org/drawingml/2006/main" xmlns:r="http://schemas.openxmlformats.org/officeDocument/2006/relationships" xmlns:p="http://schemas.openxmlformats.org/presentationml/2006/main">
-  <p:cSld>
-    <p:spTree>
-      <p:nvGrpSpPr>
-        <p:cNvPr id="1" name=""/>
-        <p:cNvGrpSpPr/>
-        <p:nvPr/>
-      </p:nvGrpSpPr>
-      <p:grpSpPr>
-        <a:xfrm>
-          <a:off x="0" y="0"/>
-          <a:ext cx="0" cy="0"/>
-          <a:chOff x="0" y="0"/>
-          <a:chExt cx="0" cy="0"/>
-        </a:xfrm>
-      </p:grpSpPr>
-      <p:sp>
-        <p:nvSpPr>
-          <p:cNvPr id="2" name="Title 1"/>
-          <p:cNvSpPr>
-            <a:spLocks noGrp="1"/>
-          </p:cNvSpPr>
-          <p:nvPr>
-            <p:ph type="title"/>
-          </p:nvPr>
-        </p:nvSpPr>
-        <p:spPr/>
-        <p:txBody>
-          <a:bodyPr/>
-          <a:lstStyle/>
-          <a:p>
-            <a:r>
-              <a:rPr lang="en-US" dirty="0"/>
-              <a:t>Call to Action</a:t>
-            </a:r>
-          </a:p>
-        </p:txBody>
-      </p:sp>
-      <p:sp>
-        <p:nvSpPr>
-          <p:cNvPr id="3" name="Text Placeholder 2"/>
-          <p:cNvSpPr>
-            <a:spLocks noGrp="1"/>
-          </p:cNvSpPr>
-          <p:nvPr>
-            <p:ph type="body" sz="quarter" idx="10"/>
-          </p:nvPr>
-        </p:nvSpPr>
-        <p:spPr>
-          <a:xfrm>
-            <a:off x="275481" y="1213175"/>
-            <a:ext cx="11885514" cy="5879495"/>
-          </a:xfrm>
-        </p:spPr>
-        <p:txBody>
-          <a:bodyPr/>
-          <a:lstStyle/>
-          <a:p>
-            <a:r>
-              <a:rPr lang="en-US" dirty="0"/>
-              <a:t>Try Azure Functions @ </a:t>
-            </a:r>
-            <a:r>
-              <a:rPr lang="en-US" dirty="0">
-                <a:hlinkClick r:id="rId3"/>
-              </a:rPr>
-              <a:t>https://functions.azure.com</a:t>
-            </a:r>
-            <a:r>
-              <a:rPr lang="en-US" dirty="0"/>
-              <a:t> </a:t>
-            </a:r>
-          </a:p>
-          <a:p>
-            <a:r>
-              <a:rPr lang="en-US" dirty="0"/>
-              <a:t>Try App Service @ </a:t>
-            </a:r>
-            <a:r>
-              <a:rPr lang="en-US" dirty="0">
-                <a:hlinkClick r:id="rId4"/>
-              </a:rPr>
-              <a:t>https://tryappservice.azure.com</a:t>
-            </a:r>
-            <a:r>
-              <a:rPr lang="en-US" dirty="0"/>
-              <a:t> </a:t>
-            </a:r>
-          </a:p>
-          <a:p>
-            <a:r>
-              <a:rPr lang="en-US" dirty="0"/>
-              <a:t>Fork us @ </a:t>
-            </a:r>
-            <a:r>
-              <a:rPr lang="en-US" sz="3672" dirty="0">
-                <a:hlinkClick r:id="rId5"/>
-              </a:rPr>
-              <a:t>https://</a:t>
-            </a:r>
-            <a:r>
-              <a:rPr lang="en-US" sz="3264" dirty="0">
-                <a:hlinkClick r:id="rId5"/>
-              </a:rPr>
-              <a:t>github.com/azure/azure-webjobs-sdk-script</a:t>
-            </a:r>
-            <a:r>
-              <a:rPr lang="en-US" sz="3264" dirty="0"/>
-              <a:t>  </a:t>
-            </a:r>
-          </a:p>
-          <a:p>
-            <a:endParaRPr lang="en-US" sz="2448" dirty="0"/>
-          </a:p>
-          <a:p>
-            <a:pPr marL="0" indent="0">
-              <a:buNone/>
-            </a:pPr>
-            <a:endParaRPr lang="en-US" sz="3199" dirty="0"/>
-          </a:p>
-        </p:txBody>
-      </p:sp>
-    </p:spTree>
-    <p:extLst>
-      <p:ext uri="{BB962C8B-B14F-4D97-AF65-F5344CB8AC3E}">
-        <p14:creationId xmlns:p14="http://schemas.microsoft.com/office/powerpoint/2010/main" val="127724107"/>
-      </p:ext>
-    </p:extLst>
-  </p:cSld>
-  <p:clrMapOvr>
-    <a:masterClrMapping/>
-  </p:clrMapOvr>
-  <p:transition>
-    <p:fade/>
-  </p:transition>
-</p:sld>
-</file>
-
-<file path=ppt/slides/slide36.xml><?xml version="1.0" encoding="utf-8"?>
-<p:sld xmlns:a="http://schemas.openxmlformats.org/drawingml/2006/main" xmlns:r="http://schemas.openxmlformats.org/officeDocument/2006/relationships" xmlns:p="http://schemas.openxmlformats.org/presentationml/2006/main">
-  <p:cSld>
-    <p:spTree>
-      <p:nvGrpSpPr>
-        <p:cNvPr id="1" name=""/>
-        <p:cNvGrpSpPr/>
-        <p:nvPr/>
-      </p:nvGrpSpPr>
-      <p:grpSpPr>
-        <a:xfrm>
-          <a:off x="0" y="0"/>
-          <a:ext cx="0" cy="0"/>
-          <a:chOff x="0" y="0"/>
-          <a:chExt cx="0" cy="0"/>
-        </a:xfrm>
-      </p:grpSpPr>
-      <p:sp>
-        <p:nvSpPr>
-          <p:cNvPr id="17" name="Title 16"/>
-          <p:cNvSpPr>
-            <a:spLocks noGrp="1"/>
-          </p:cNvSpPr>
-          <p:nvPr>
-            <p:ph type="title"/>
-          </p:nvPr>
-        </p:nvSpPr>
-        <p:spPr/>
-        <p:txBody>
-          <a:bodyPr/>
-          <a:lstStyle/>
-          <a:p>
-            <a:r>
-              <a:rPr lang="en-US" dirty="0"/>
-              <a:t>Azure Functions Takeaway</a:t>
-            </a:r>
-          </a:p>
-        </p:txBody>
-      </p:sp>
-      <p:sp>
-        <p:nvSpPr>
-          <p:cNvPr id="6" name="Text Placeholder 5"/>
-          <p:cNvSpPr>
-            <a:spLocks noGrp="1"/>
-          </p:cNvSpPr>
-          <p:nvPr>
-            <p:ph type="body" sz="quarter" idx="10"/>
-          </p:nvPr>
-        </p:nvSpPr>
-        <p:spPr>
-          <a:xfrm>
-            <a:off x="274638" y="1212850"/>
-            <a:ext cx="11887200" cy="5139869"/>
-          </a:xfrm>
-        </p:spPr>
-        <p:txBody>
-          <a:bodyPr/>
-          <a:lstStyle/>
-          <a:p>
-            <a:r>
-              <a:rPr lang="en-US" dirty="0"/>
-              <a:t>Azure Functions lets you do more with less code</a:t>
-            </a:r>
-          </a:p>
-          <a:p>
-            <a:pPr lvl="1"/>
-            <a:r>
-              <a:rPr lang="en-US" dirty="0"/>
-              <a:t>You focus on the core logic – we’ll take care of triggering, integrating, and parsing</a:t>
-            </a:r>
-          </a:p>
-          <a:p>
-            <a:pPr lvl="1"/>
-            <a:endParaRPr lang="en-US" dirty="0"/>
-          </a:p>
-          <a:p>
-            <a:r>
-              <a:rPr lang="en-US" dirty="0"/>
-              <a:t>Azure Functions is a part of App Service</a:t>
-            </a:r>
-          </a:p>
-          <a:p>
-            <a:pPr lvl="1"/>
-            <a:r>
-              <a:rPr lang="en-US" dirty="0"/>
-              <a:t>You can use App Service features with your functions</a:t>
-            </a:r>
-          </a:p>
-          <a:p>
-            <a:pPr lvl="1"/>
-            <a:endParaRPr lang="en-US" dirty="0"/>
-          </a:p>
-          <a:p>
-            <a:r>
-              <a:rPr lang="en-US" dirty="0"/>
-              <a:t>Azure Functions is flexible</a:t>
-            </a:r>
-          </a:p>
-          <a:p>
-            <a:pPr lvl="1"/>
-            <a:r>
-              <a:rPr lang="en-US" dirty="0"/>
-              <a:t>Edit in portal or use </a:t>
-            </a:r>
-            <a:r>
-              <a:rPr lang="en-US" dirty="0" err="1"/>
-              <a:t>git</a:t>
-            </a:r>
-            <a:r>
-              <a:rPr lang="en-US" dirty="0"/>
-              <a:t>. Leverage your favorite libraries.</a:t>
-            </a:r>
-          </a:p>
-          <a:p>
-            <a:pPr lvl="1"/>
-            <a:endParaRPr lang="en-US" dirty="0"/>
-          </a:p>
-          <a:p>
-            <a:r>
-              <a:rPr lang="en-US" dirty="0"/>
-              <a:t>Azure Functions is great for dev-ops workflows</a:t>
-            </a:r>
-          </a:p>
-          <a:p>
-            <a:pPr lvl="1"/>
-            <a:r>
-              <a:rPr lang="en-US" dirty="0"/>
-              <a:t>Examples: monitoring, CI </a:t>
-            </a:r>
-            <a:r>
-              <a:rPr lang="en-US" dirty="0" err="1"/>
-              <a:t>webhooks</a:t>
-            </a:r>
-            <a:r>
-              <a:rPr lang="en-US" dirty="0"/>
-              <a:t>, workflow processing…</a:t>
-            </a:r>
-          </a:p>
-        </p:txBody>
-      </p:sp>
-    </p:spTree>
-    <p:extLst>
-      <p:ext uri="{BB962C8B-B14F-4D97-AF65-F5344CB8AC3E}">
-        <p14:creationId xmlns:p14="http://schemas.microsoft.com/office/powerpoint/2010/main" val="2813105893"/>
-      </p:ext>
-    </p:extLst>
-  </p:cSld>
-  <p:clrMapOvr>
-    <a:masterClrMapping/>
-  </p:clrMapOvr>
-  <mc:AlternateContent xmlns:mc="http://schemas.openxmlformats.org/markup-compatibility/2006" xmlns:p14="http://schemas.microsoft.com/office/powerpoint/2010/main">
-    <mc:Choice Requires="p14">
-      <p:transition spd="med" p14:dur="700">
-        <p:fade/>
-      </p:transition>
-    </mc:Choice>
-    <mc:Fallback xmlns="">
-      <p:transition spd="med">
-        <p:fade/>
-      </p:transition>
-    </mc:Fallback>
-  </mc:AlternateContent>
-</p:sld>
-</file>
-
-<file path=ppt/slides/slide37.xml><?xml version="1.0" encoding="utf-8"?>
-<p:sld xmlns:a="http://schemas.openxmlformats.org/drawingml/2006/main" xmlns:r="http://schemas.openxmlformats.org/officeDocument/2006/relationships" xmlns:p="http://schemas.openxmlformats.org/presentationml/2006/main">
-  <p:cSld>
-    <p:spTree>
-      <p:nvGrpSpPr>
-        <p:cNvPr id="1" name=""/>
-        <p:cNvGrpSpPr/>
-        <p:nvPr/>
-      </p:nvGrpSpPr>
-      <p:grpSpPr>
-        <a:xfrm>
-          <a:off x="0" y="0"/>
-          <a:ext cx="0" cy="0"/>
-          <a:chOff x="0" y="0"/>
-          <a:chExt cx="0" cy="0"/>
-        </a:xfrm>
-      </p:grpSpPr>
-      <p:sp>
-        <p:nvSpPr>
-          <p:cNvPr id="5" name="Rectangle 4"/>
-          <p:cNvSpPr/>
-          <p:nvPr/>
-        </p:nvSpPr>
-        <p:spPr bwMode="auto">
-          <a:xfrm>
-            <a:off x="0" y="4096685"/>
-            <a:ext cx="12436475" cy="1554463"/>
-          </a:xfrm>
-          <a:prstGeom prst="rect">
-            <a:avLst/>
-          </a:prstGeom>
-          <a:solidFill>
-            <a:schemeClr val="accent6"/>
-          </a:solidFill>
-          <a:ln w="3175">
-            <a:noFill/>
-            <a:headEnd type="none" w="med" len="med"/>
-            <a:tailEnd type="none" w="med" len="med"/>
-          </a:ln>
-        </p:spPr>
-        <p:style>
-          <a:lnRef idx="2">
-            <a:schemeClr val="accent1">
-              <a:shade val="50000"/>
-            </a:schemeClr>
-          </a:lnRef>
-          <a:fillRef idx="1">
-            <a:schemeClr val="accent1"/>
-          </a:fillRef>
-          <a:effectRef idx="0">
-            <a:schemeClr val="accent1"/>
-          </a:effectRef>
-          <a:fontRef idx="minor">
-            <a:schemeClr val="lt1"/>
-          </a:fontRef>
-        </p:style>
-        <p:txBody>
-          <a:bodyPr vert="horz" wrap="square" lIns="2743200" tIns="46637" rIns="914400" bIns="46637" numCol="1" rtlCol="0" anchor="ctr" anchorCtr="0" compatLnSpc="1">
-            <a:prstTxWarp prst="textNoShape">
-              <a:avLst/>
-            </a:prstTxWarp>
-          </a:bodyPr>
-          <a:lstStyle/>
-          <a:p>
-            <a:pPr defTabSz="932472" fontAlgn="base">
-              <a:spcBef>
-                <a:spcPct val="0"/>
-              </a:spcBef>
-              <a:spcAft>
-                <a:spcPct val="0"/>
-              </a:spcAft>
-            </a:pPr>
-            <a:r>
-              <a:rPr lang="en-US" sz="3200" dirty="0">
-                <a:gradFill>
-                  <a:gsLst>
-                    <a:gs pos="0">
-                      <a:srgbClr val="FFFFFF"/>
-                    </a:gs>
-                    <a:gs pos="100000">
-                      <a:srgbClr val="FFFFFF"/>
-                    </a:gs>
-                  </a:gsLst>
-                  <a:lin ang="5400000" scaled="0"/>
-                </a:gradFill>
-                <a:latin typeface="+mj-lt"/>
-              </a:rPr>
-              <a:t>Questions…</a:t>
-            </a:r>
-          </a:p>
-        </p:txBody>
-      </p:sp>
-      <p:sp>
-        <p:nvSpPr>
-          <p:cNvPr id="6" name="Oval 5"/>
-          <p:cNvSpPr/>
-          <p:nvPr/>
-        </p:nvSpPr>
-        <p:spPr bwMode="auto">
-          <a:xfrm>
-            <a:off x="274638" y="3824592"/>
-            <a:ext cx="2076450" cy="2076450"/>
-          </a:xfrm>
-          <a:prstGeom prst="ellipse">
-            <a:avLst/>
-          </a:prstGeom>
-          <a:solidFill>
-            <a:schemeClr val="tx1"/>
-          </a:solidFill>
-          <a:ln w="76200">
-            <a:solidFill>
-              <a:schemeClr val="accent6"/>
-            </a:solidFill>
-            <a:headEnd type="none" w="med" len="med"/>
-            <a:tailEnd type="none" w="med" len="med"/>
-          </a:ln>
-        </p:spPr>
-        <p:style>
-          <a:lnRef idx="2">
-            <a:schemeClr val="accent1">
-              <a:shade val="50000"/>
-            </a:schemeClr>
-          </a:lnRef>
-          <a:fillRef idx="1">
-            <a:schemeClr val="accent1"/>
-          </a:fillRef>
-          <a:effectRef idx="0">
-            <a:schemeClr val="accent1"/>
-          </a:effectRef>
-          <a:fontRef idx="minor">
-            <a:schemeClr val="lt1"/>
-          </a:fontRef>
-        </p:style>
-        <p:txBody>
-          <a:bodyPr vert="horz" wrap="square" lIns="0" tIns="46637" rIns="0" bIns="46637" numCol="1" rtlCol="0" anchor="ctr" anchorCtr="0" compatLnSpc="1">
-            <a:prstTxWarp prst="textNoShape">
-              <a:avLst/>
-            </a:prstTxWarp>
-          </a:bodyPr>
-          <a:lstStyle/>
-          <a:p>
-            <a:pPr algn="ctr" defTabSz="932472" fontAlgn="base">
-              <a:spcBef>
-                <a:spcPct val="0"/>
-              </a:spcBef>
-              <a:spcAft>
-                <a:spcPct val="0"/>
-              </a:spcAft>
-            </a:pPr>
-            <a:r>
-              <a:rPr lang="en-US" sz="13800" b="1" dirty="0">
-                <a:solidFill>
-                  <a:schemeClr val="bg1"/>
-                </a:solidFill>
-              </a:rPr>
-              <a:t>?</a:t>
-            </a:r>
-          </a:p>
-        </p:txBody>
-      </p:sp>
-      <p:sp>
-        <p:nvSpPr>
-          <p:cNvPr id="13" name="Title 3"/>
-          <p:cNvSpPr txBox="1">
-            <a:spLocks/>
-          </p:cNvSpPr>
-          <p:nvPr/>
-        </p:nvSpPr>
-        <p:spPr>
-          <a:xfrm>
-            <a:off x="274638" y="1364282"/>
-            <a:ext cx="11887200" cy="1831975"/>
-          </a:xfrm>
-          <a:prstGeom prst="rect">
-            <a:avLst/>
-          </a:prstGeom>
-        </p:spPr>
-        <p:txBody>
-          <a:bodyPr/>
-          <a:lstStyle>
-            <a:lvl1pPr algn="l" defTabSz="932742" rtl="0" eaLnBrk="1" latinLnBrk="0" hangingPunct="1">
-              <a:lnSpc>
-                <a:spcPct val="90000"/>
-              </a:lnSpc>
-              <a:spcBef>
-                <a:spcPct val="0"/>
-              </a:spcBef>
-              <a:buNone/>
-              <a:defRPr lang="en-US" sz="5400" b="0" kern="1200" cap="none" spc="-102" baseline="0" dirty="0" smtClean="0">
-                <a:ln w="3175">
-                  <a:noFill/>
-                </a:ln>
-                <a:gradFill>
-                  <a:gsLst>
-                    <a:gs pos="1250">
-                      <a:schemeClr val="tx1"/>
-                    </a:gs>
-                    <a:gs pos="100000">
-                      <a:schemeClr val="tx1"/>
-                    </a:gs>
-                  </a:gsLst>
-                  <a:lin ang="5400000" scaled="0"/>
-                </a:gradFill>
-                <a:effectLst/>
-                <a:latin typeface="+mj-lt"/>
-                <a:ea typeface="+mn-ea"/>
-                <a:cs typeface="Segoe UI" pitchFamily="34" charset="0"/>
-              </a:defRPr>
-            </a:lvl1pPr>
-          </a:lstStyle>
-          <a:p>
-            <a:r>
-              <a:rPr lang="en-US" sz="11500" dirty="0"/>
-              <a:t>Q&amp;A</a:t>
-            </a:r>
-          </a:p>
-        </p:txBody>
-      </p:sp>
-    </p:spTree>
-    <p:extLst>
-      <p:ext uri="{BB962C8B-B14F-4D97-AF65-F5344CB8AC3E}">
-        <p14:creationId xmlns:p14="http://schemas.microsoft.com/office/powerpoint/2010/main" val="3819926448"/>
-      </p:ext>
-    </p:extLst>
-  </p:cSld>
-  <p:clrMapOvr>
-    <a:masterClrMapping/>
-  </p:clrMapOvr>
-  <p:transition>
-    <p:fade/>
-  </p:transition>
-</p:sld>
-</file>
-
-<file path=ppt/slides/slide38.xml><?xml version="1.0" encoding="utf-8"?>
-<p:sld xmlns:a="http://schemas.openxmlformats.org/drawingml/2006/main" xmlns:r="http://schemas.openxmlformats.org/officeDocument/2006/relationships" xmlns:p="http://schemas.openxmlformats.org/presentationml/2006/main">
-  <p:cSld>
-    <p:spTree>
-      <p:nvGrpSpPr>
-        <p:cNvPr id="1" name=""/>
-        <p:cNvGrpSpPr/>
-        <p:nvPr/>
-      </p:nvGrpSpPr>
-      <p:grpSpPr>
-        <a:xfrm>
-          <a:off x="0" y="0"/>
-          <a:ext cx="0" cy="0"/>
-          <a:chOff x="0" y="0"/>
-          <a:chExt cx="0" cy="0"/>
-        </a:xfrm>
-      </p:grpSpPr>
-      <p:sp>
-        <p:nvSpPr>
-          <p:cNvPr id="2" name="Text Placeholder 1"/>
-          <p:cNvSpPr>
-            <a:spLocks noGrp="1"/>
-          </p:cNvSpPr>
-          <p:nvPr>
-            <p:ph type="body" sz="quarter" idx="10"/>
-          </p:nvPr>
-        </p:nvSpPr>
-        <p:spPr>
-          <a:xfrm>
-            <a:off x="274638" y="1212850"/>
-            <a:ext cx="11887200" cy="4327338"/>
-          </a:xfrm>
-        </p:spPr>
-        <p:txBody>
-          <a:bodyPr/>
-          <a:lstStyle/>
-          <a:p>
-            <a:r>
-              <a:rPr lang="en-US" dirty="0"/>
-              <a:t>Rate My Talk &amp; Download Slides!</a:t>
-            </a:r>
-          </a:p>
-          <a:p>
-            <a:pPr marL="342900" lvl="1" indent="0">
-              <a:buNone/>
-            </a:pPr>
-            <a:r>
-              <a:rPr lang="en-US" sz="6000" b="1" dirty="0"/>
-              <a:t>http://bit.ly/RateShawnsTalk</a:t>
-            </a:r>
-            <a:r>
-              <a:rPr lang="en-US" sz="6000" dirty="0"/>
-              <a:t> </a:t>
-            </a:r>
-          </a:p>
-          <a:p>
-            <a:r>
-              <a:rPr lang="en-US" dirty="0"/>
-              <a:t>Contact Information</a:t>
-            </a:r>
-          </a:p>
-          <a:p>
-            <a:pPr lvl="1"/>
-            <a:r>
-              <a:rPr lang="en-US" dirty="0"/>
-              <a:t>Email: shawn@shawnweisfeld.com</a:t>
-            </a:r>
-          </a:p>
-          <a:p>
-            <a:pPr lvl="1"/>
-            <a:r>
-              <a:rPr lang="en-US" dirty="0"/>
-              <a:t>Blog: http://www.shawnweisfeld.com</a:t>
-            </a:r>
-          </a:p>
-          <a:p>
-            <a:pPr lvl="1"/>
-            <a:r>
-              <a:rPr lang="en-US" dirty="0"/>
-              <a:t>Twitter: @</a:t>
-            </a:r>
-            <a:r>
-              <a:rPr lang="en-US" dirty="0" err="1"/>
-              <a:t>shawnweisfeld</a:t>
-            </a:r>
-            <a:endParaRPr lang="en-US" dirty="0"/>
-          </a:p>
-          <a:p>
-            <a:endParaRPr lang="en-US" dirty="0"/>
-          </a:p>
-        </p:txBody>
-      </p:sp>
-      <p:sp>
-        <p:nvSpPr>
-          <p:cNvPr id="3" name="Title 2"/>
-          <p:cNvSpPr>
-            <a:spLocks noGrp="1"/>
-          </p:cNvSpPr>
-          <p:nvPr>
-            <p:ph type="title"/>
-          </p:nvPr>
-        </p:nvSpPr>
-        <p:spPr/>
-        <p:txBody>
-          <a:bodyPr/>
-          <a:lstStyle/>
-          <a:p>
-            <a:r>
-              <a:rPr lang="en-US" dirty="0"/>
-              <a:t>Thank you! Your Feedback is Important</a:t>
-            </a:r>
-          </a:p>
-        </p:txBody>
-      </p:sp>
-    </p:spTree>
-    <p:extLst>
-      <p:ext uri="{BB962C8B-B14F-4D97-AF65-F5344CB8AC3E}">
-        <p14:creationId xmlns:p14="http://schemas.microsoft.com/office/powerpoint/2010/main" val="456991597"/>
-      </p:ext>
-    </p:extLst>
-  </p:cSld>
-  <p:clrMapOvr>
-    <a:masterClrMapping/>
-  </p:clrMapOvr>
-  <p:transition>
-    <p:fade/>
-  </p:transition>
-</p:sld>
-</file>
-
-<file path=ppt/slides/slide39.xml><?xml version="1.0" encoding="utf-8"?>
-<p:sld xmlns:a="http://schemas.openxmlformats.org/drawingml/2006/main" xmlns:r="http://schemas.openxmlformats.org/officeDocument/2006/relationships" xmlns:p="http://schemas.openxmlformats.org/presentationml/2006/main">
-  <p:cSld>
-    <p:spTree>
-      <p:nvGrpSpPr>
-        <p:cNvPr id="1" name=""/>
-        <p:cNvGrpSpPr/>
-        <p:nvPr/>
-      </p:nvGrpSpPr>
-      <p:grpSpPr>
-        <a:xfrm>
-          <a:off x="0" y="0"/>
-          <a:ext cx="0" cy="0"/>
-          <a:chOff x="0" y="0"/>
-          <a:chExt cx="0" cy="0"/>
-        </a:xfrm>
-      </p:grpSpPr>
-      <p:sp>
-        <p:nvSpPr>
-          <p:cNvPr id="4" name="Title 3"/>
-          <p:cNvSpPr>
-            <a:spLocks noGrp="1"/>
-          </p:cNvSpPr>
-          <p:nvPr/>
-        </p:nvSpPr>
-        <p:spPr>
-          <a:xfrm>
-            <a:off x="46037" y="101337"/>
-            <a:ext cx="12268200" cy="1052596"/>
-          </a:xfrm>
-          <a:prstGeom prst="rect">
-            <a:avLst/>
-          </a:prstGeom>
-        </p:spPr>
-        <p:txBody>
-          <a:bodyPr vert="horz" wrap="square" lIns="0" tIns="0" rIns="0" bIns="0" rtlCol="0" anchor="t">
-            <a:spAutoFit/>
-          </a:bodyPr>
-          <a:lstStyle>
-            <a:lvl1pPr algn="l" defTabSz="914363" rtl="0" eaLnBrk="1" latinLnBrk="0" hangingPunct="1">
-              <a:lnSpc>
-                <a:spcPct val="90000"/>
-              </a:lnSpc>
-              <a:spcBef>
-                <a:spcPct val="0"/>
-              </a:spcBef>
-              <a:buNone/>
-              <a:defRPr lang="en-US" sz="4800" b="0" kern="1200" cap="none" spc="-150" dirty="0" smtClean="0">
-                <a:ln w="3175">
-                  <a:noFill/>
-                </a:ln>
-                <a:gradFill flip="none" rotWithShape="1">
-                  <a:gsLst>
-                    <a:gs pos="0">
-                      <a:schemeClr val="tx1"/>
-                    </a:gs>
-                    <a:gs pos="86000">
-                      <a:schemeClr val="tx1"/>
-                    </a:gs>
-                  </a:gsLst>
-                  <a:lin ang="5400000" scaled="0"/>
-                  <a:tileRect/>
-                </a:gradFill>
-                <a:effectLst/>
-                <a:latin typeface="+mj-lt"/>
-                <a:ea typeface="+mn-ea"/>
-                <a:cs typeface="Arial" charset="0"/>
-              </a:defRPr>
-            </a:lvl1pPr>
-          </a:lstStyle>
-          <a:p>
-            <a:pPr algn="ctr" eaLnBrk="1" hangingPunct="1">
-              <a:defRPr/>
-            </a:pPr>
-            <a:r>
-              <a:rPr sz="4400" dirty="0">
-                <a:latin typeface="+mn-lt"/>
-              </a:rPr>
-              <a:t>Please Complete An Evaluation Form</a:t>
-            </a:r>
-            <a:br>
-              <a:rPr sz="4400" dirty="0">
-                <a:latin typeface="+mn-lt"/>
-              </a:rPr>
-            </a:br>
-            <a:r>
-              <a:rPr sz="3200" dirty="0">
-                <a:solidFill>
-                  <a:schemeClr val="tx2"/>
-                </a:solidFill>
-                <a:latin typeface="+mn-lt"/>
-              </a:rPr>
-              <a:t>Your input is important!</a:t>
-            </a:r>
-            <a:endParaRPr sz="4400" dirty="0">
-              <a:solidFill>
-                <a:schemeClr val="tx2"/>
-              </a:solidFill>
-              <a:latin typeface="+mn-lt"/>
-            </a:endParaRPr>
-          </a:p>
-        </p:txBody>
-      </p:sp>
-      <p:sp>
-        <p:nvSpPr>
-          <p:cNvPr id="5" name="Text Placeholder 4"/>
-          <p:cNvSpPr>
-            <a:spLocks noGrp="1"/>
-          </p:cNvSpPr>
-          <p:nvPr/>
-        </p:nvSpPr>
-        <p:spPr>
-          <a:xfrm>
-            <a:off x="46037" y="1395149"/>
-            <a:ext cx="12268200" cy="332399"/>
-          </a:xfrm>
-          <a:prstGeom prst="rect">
-            <a:avLst/>
-          </a:prstGeom>
-        </p:spPr>
-        <p:txBody>
-          <a:bodyPr vert="horz" wrap="square" lIns="0" tIns="0" rIns="0" bIns="0" rtlCol="0">
-            <a:spAutoFit/>
-          </a:bodyPr>
-          <a:lstStyle>
-            <a:lvl1pPr marL="460375" indent="-460375" algn="l" defTabSz="914363" rtl="0" eaLnBrk="1" latinLnBrk="0" hangingPunct="1">
-              <a:lnSpc>
-                <a:spcPct val="90000"/>
-              </a:lnSpc>
-              <a:spcBef>
-                <a:spcPct val="20000"/>
-              </a:spcBef>
-              <a:buSzPct val="85000"/>
-              <a:buFontTx/>
-              <a:buBlip>
-                <a:blip r:embed="rId2"/>
-              </a:buBlip>
-              <a:defRPr sz="3200" kern="1200">
-                <a:gradFill>
-                  <a:gsLst>
-                    <a:gs pos="0">
-                      <a:schemeClr val="tx1"/>
-                    </a:gs>
-                    <a:gs pos="86000">
-                      <a:schemeClr val="tx1"/>
-                    </a:gs>
-                  </a:gsLst>
-                  <a:lin ang="5400000" scaled="0"/>
-                </a:gradFill>
-                <a:latin typeface="+mn-lt"/>
-                <a:ea typeface="+mn-ea"/>
-                <a:cs typeface="+mn-cs"/>
-              </a:defRPr>
-            </a:lvl1pPr>
-            <a:lvl2pPr marL="855663" indent="-395288" algn="l" defTabSz="914363" rtl="0" eaLnBrk="1" latinLnBrk="0" hangingPunct="1">
-              <a:lnSpc>
-                <a:spcPct val="90000"/>
-              </a:lnSpc>
-              <a:spcBef>
-                <a:spcPct val="20000"/>
-              </a:spcBef>
-              <a:buSzPct val="85000"/>
-              <a:buFontTx/>
-              <a:buBlip>
-                <a:blip r:embed="rId2"/>
-              </a:buBlip>
-              <a:defRPr sz="2800" kern="1200">
-                <a:gradFill>
-                  <a:gsLst>
-                    <a:gs pos="0">
-                      <a:schemeClr val="tx1"/>
-                    </a:gs>
-                    <a:gs pos="86000">
-                      <a:schemeClr val="tx1"/>
-                    </a:gs>
-                  </a:gsLst>
-                  <a:lin ang="5400000" scaled="0"/>
-                </a:gradFill>
-                <a:latin typeface="+mn-lt"/>
-                <a:ea typeface="+mn-ea"/>
-                <a:cs typeface="+mn-cs"/>
-              </a:defRPr>
-            </a:lvl2pPr>
-            <a:lvl3pPr marL="1258888" indent="-403225" algn="l" defTabSz="914363" rtl="0" eaLnBrk="1" latinLnBrk="0" hangingPunct="1">
-              <a:lnSpc>
-                <a:spcPct val="90000"/>
-              </a:lnSpc>
-              <a:spcBef>
-                <a:spcPct val="20000"/>
-              </a:spcBef>
-              <a:buSzPct val="85000"/>
-              <a:buFontTx/>
-              <a:buBlip>
-                <a:blip r:embed="rId2"/>
-              </a:buBlip>
-              <a:defRPr sz="2400" kern="1200">
-                <a:gradFill>
-                  <a:gsLst>
-                    <a:gs pos="0">
-                      <a:schemeClr val="tx1"/>
-                    </a:gs>
-                    <a:gs pos="86000">
-                      <a:schemeClr val="tx1"/>
-                    </a:gs>
-                  </a:gsLst>
-                  <a:lin ang="5400000" scaled="0"/>
-                </a:gradFill>
-                <a:latin typeface="+mn-lt"/>
-                <a:ea typeface="+mn-ea"/>
-                <a:cs typeface="+mn-cs"/>
-              </a:defRPr>
-            </a:lvl3pPr>
-            <a:lvl4pPr marL="1604963" indent="-346075" algn="l" defTabSz="914363" rtl="0" eaLnBrk="1" latinLnBrk="0" hangingPunct="1">
-              <a:lnSpc>
-                <a:spcPct val="90000"/>
-              </a:lnSpc>
-              <a:spcBef>
-                <a:spcPct val="20000"/>
-              </a:spcBef>
-              <a:buSzPct val="85000"/>
-              <a:buFontTx/>
-              <a:buBlip>
-                <a:blip r:embed="rId2"/>
-              </a:buBlip>
-              <a:defRPr sz="2000" kern="1200">
-                <a:gradFill>
-                  <a:gsLst>
-                    <a:gs pos="0">
-                      <a:schemeClr val="tx1"/>
-                    </a:gs>
-                    <a:gs pos="86000">
-                      <a:schemeClr val="tx1"/>
-                    </a:gs>
-                  </a:gsLst>
-                  <a:lin ang="5400000" scaled="0"/>
-                </a:gradFill>
-                <a:latin typeface="+mn-lt"/>
-                <a:ea typeface="+mn-ea"/>
-                <a:cs typeface="+mn-cs"/>
-              </a:defRPr>
-            </a:lvl4pPr>
-            <a:lvl5pPr marL="1941513" indent="-336550" algn="l" defTabSz="914363" rtl="0" eaLnBrk="1" latinLnBrk="0" hangingPunct="1">
-              <a:lnSpc>
-                <a:spcPct val="90000"/>
-              </a:lnSpc>
-              <a:spcBef>
-                <a:spcPct val="20000"/>
-              </a:spcBef>
-              <a:buSzPct val="85000"/>
-              <a:buFontTx/>
-              <a:buBlip>
-                <a:blip r:embed="rId2"/>
-              </a:buBlip>
-              <a:defRPr sz="2000" kern="1200">
-                <a:gradFill>
-                  <a:gsLst>
-                    <a:gs pos="0">
-                      <a:schemeClr val="tx1"/>
-                    </a:gs>
-                    <a:gs pos="86000">
-                      <a:schemeClr val="tx1"/>
-                    </a:gs>
-                  </a:gsLst>
-                  <a:lin ang="5400000" scaled="0"/>
-                </a:gradFill>
-                <a:latin typeface="+mn-lt"/>
-                <a:ea typeface="+mn-ea"/>
-                <a:cs typeface="+mn-cs"/>
-              </a:defRPr>
-            </a:lvl5pPr>
-            <a:lvl6pPr marL="2514499" indent="-228591" algn="l" defTabSz="914363" rtl="0" eaLnBrk="1" latinLnBrk="0" hangingPunct="1">
-              <a:spcBef>
-                <a:spcPct val="20000"/>
-              </a:spcBef>
-              <a:buFont typeface="Arial" pitchFamily="34" charset="0"/>
-              <a:buChar char="•"/>
-              <a:defRPr sz="2000" kern="1200">
-                <a:solidFill>
-                  <a:schemeClr val="tx1"/>
-                </a:solidFill>
-                <a:latin typeface="+mn-lt"/>
-                <a:ea typeface="+mn-ea"/>
-                <a:cs typeface="+mn-cs"/>
-              </a:defRPr>
-            </a:lvl6pPr>
-            <a:lvl7pPr marL="2971681" indent="-228591" algn="l" defTabSz="914363" rtl="0" eaLnBrk="1" latinLnBrk="0" hangingPunct="1">
-              <a:spcBef>
-                <a:spcPct val="20000"/>
-              </a:spcBef>
-              <a:buFont typeface="Arial" pitchFamily="34" charset="0"/>
-              <a:buChar char="•"/>
-              <a:defRPr sz="2000" kern="1200">
-                <a:solidFill>
-                  <a:schemeClr val="tx1"/>
-                </a:solidFill>
-                <a:latin typeface="+mn-lt"/>
-                <a:ea typeface="+mn-ea"/>
-                <a:cs typeface="+mn-cs"/>
-              </a:defRPr>
-            </a:lvl7pPr>
-            <a:lvl8pPr marL="3428863" indent="-228591" algn="l" defTabSz="914363" rtl="0" eaLnBrk="1" latinLnBrk="0" hangingPunct="1">
-              <a:spcBef>
-                <a:spcPct val="20000"/>
-              </a:spcBef>
-              <a:buFont typeface="Arial" pitchFamily="34" charset="0"/>
-              <a:buChar char="•"/>
-              <a:defRPr sz="2000" kern="1200">
-                <a:solidFill>
-                  <a:schemeClr val="tx1"/>
-                </a:solidFill>
-                <a:latin typeface="+mn-lt"/>
-                <a:ea typeface="+mn-ea"/>
-                <a:cs typeface="+mn-cs"/>
-              </a:defRPr>
-            </a:lvl8pPr>
-            <a:lvl9pPr marL="3886045" indent="-228591" algn="l" defTabSz="914363" rtl="0" eaLnBrk="1" latinLnBrk="0" hangingPunct="1">
-              <a:spcBef>
-                <a:spcPct val="20000"/>
-              </a:spcBef>
-              <a:buFont typeface="Arial" pitchFamily="34" charset="0"/>
-              <a:buChar char="•"/>
-              <a:defRPr sz="2000" kern="1200">
-                <a:solidFill>
-                  <a:schemeClr val="tx1"/>
-                </a:solidFill>
-                <a:latin typeface="+mn-lt"/>
-                <a:ea typeface="+mn-ea"/>
-                <a:cs typeface="+mn-cs"/>
-              </a:defRPr>
-            </a:lvl9pPr>
-          </a:lstStyle>
-          <a:p>
-            <a:pPr algn="ctr" eaLnBrk="1" hangingPunct="1">
-              <a:spcAft>
-                <a:spcPts val="768"/>
-              </a:spcAft>
-              <a:buFontTx/>
-              <a:buNone/>
-              <a:defRPr/>
-            </a:pPr>
-            <a:r>
-              <a:rPr lang="en-US" sz="2400" dirty="0"/>
-              <a:t>You can access Evaluation Forms at:</a:t>
-            </a:r>
-          </a:p>
-        </p:txBody>
-      </p:sp>
-      <p:sp>
-        <p:nvSpPr>
-          <p:cNvPr id="6" name="TextBox 6"/>
-          <p:cNvSpPr txBox="1"/>
-          <p:nvPr/>
-        </p:nvSpPr>
-        <p:spPr>
-          <a:xfrm>
-            <a:off x="46037" y="1968764"/>
-            <a:ext cx="12268200" cy="4924425"/>
-          </a:xfrm>
-          <a:prstGeom prst="rect">
-            <a:avLst/>
-          </a:prstGeom>
-          <a:noFill/>
-        </p:spPr>
-        <p:txBody>
-          <a:bodyPr wrap="square" lIns="0" tIns="0" rIns="0" bIns="0">
-            <a:spAutoFit/>
-          </a:bodyPr>
-          <a:lstStyle>
-            <a:defPPr>
-              <a:defRPr lang="en-US"/>
-            </a:defPPr>
-            <a:lvl1pPr marL="0" algn="l" defTabSz="914363" rtl="0" eaLnBrk="1" latinLnBrk="0" hangingPunct="1">
-              <a:defRPr sz="1800" kern="1200">
-                <a:solidFill>
-                  <a:schemeClr val="tx1"/>
-                </a:solidFill>
-                <a:latin typeface="+mn-lt"/>
-                <a:ea typeface="+mn-ea"/>
-                <a:cs typeface="+mn-cs"/>
-              </a:defRPr>
-            </a:lvl1pPr>
-            <a:lvl2pPr marL="457182" algn="l" defTabSz="914363" rtl="0" eaLnBrk="1" latinLnBrk="0" hangingPunct="1">
-              <a:defRPr sz="1800" kern="1200">
-                <a:solidFill>
-                  <a:schemeClr val="tx1"/>
-                </a:solidFill>
-                <a:latin typeface="+mn-lt"/>
-                <a:ea typeface="+mn-ea"/>
-                <a:cs typeface="+mn-cs"/>
-              </a:defRPr>
-            </a:lvl2pPr>
-            <a:lvl3pPr marL="914363" algn="l" defTabSz="914363" rtl="0" eaLnBrk="1" latinLnBrk="0" hangingPunct="1">
-              <a:defRPr sz="1800" kern="1200">
-                <a:solidFill>
-                  <a:schemeClr val="tx1"/>
-                </a:solidFill>
-                <a:latin typeface="+mn-lt"/>
-                <a:ea typeface="+mn-ea"/>
-                <a:cs typeface="+mn-cs"/>
-              </a:defRPr>
-            </a:lvl3pPr>
-            <a:lvl4pPr marL="1371545" algn="l" defTabSz="914363" rtl="0" eaLnBrk="1" latinLnBrk="0" hangingPunct="1">
-              <a:defRPr sz="1800" kern="1200">
-                <a:solidFill>
-                  <a:schemeClr val="tx1"/>
-                </a:solidFill>
-                <a:latin typeface="+mn-lt"/>
-                <a:ea typeface="+mn-ea"/>
-                <a:cs typeface="+mn-cs"/>
-              </a:defRPr>
-            </a:lvl4pPr>
-            <a:lvl5pPr marL="1828727" algn="l" defTabSz="914363" rtl="0" eaLnBrk="1" latinLnBrk="0" hangingPunct="1">
-              <a:defRPr sz="1800" kern="1200">
-                <a:solidFill>
-                  <a:schemeClr val="tx1"/>
-                </a:solidFill>
-                <a:latin typeface="+mn-lt"/>
-                <a:ea typeface="+mn-ea"/>
-                <a:cs typeface="+mn-cs"/>
-              </a:defRPr>
-            </a:lvl5pPr>
-            <a:lvl6pPr marL="2285909" algn="l" defTabSz="914363" rtl="0" eaLnBrk="1" latinLnBrk="0" hangingPunct="1">
-              <a:defRPr sz="1800" kern="1200">
-                <a:solidFill>
-                  <a:schemeClr val="tx1"/>
-                </a:solidFill>
-                <a:latin typeface="+mn-lt"/>
-                <a:ea typeface="+mn-ea"/>
-                <a:cs typeface="+mn-cs"/>
-              </a:defRPr>
-            </a:lvl6pPr>
-            <a:lvl7pPr marL="2743090" algn="l" defTabSz="914363" rtl="0" eaLnBrk="1" latinLnBrk="0" hangingPunct="1">
-              <a:defRPr sz="1800" kern="1200">
-                <a:solidFill>
-                  <a:schemeClr val="tx1"/>
-                </a:solidFill>
-                <a:latin typeface="+mn-lt"/>
-                <a:ea typeface="+mn-ea"/>
-                <a:cs typeface="+mn-cs"/>
-              </a:defRPr>
-            </a:lvl7pPr>
-            <a:lvl8pPr marL="3200272" algn="l" defTabSz="914363" rtl="0" eaLnBrk="1" latinLnBrk="0" hangingPunct="1">
-              <a:defRPr sz="1800" kern="1200">
-                <a:solidFill>
-                  <a:schemeClr val="tx1"/>
-                </a:solidFill>
-                <a:latin typeface="+mn-lt"/>
-                <a:ea typeface="+mn-ea"/>
-                <a:cs typeface="+mn-cs"/>
-              </a:defRPr>
-            </a:lvl8pPr>
-            <a:lvl9pPr marL="3657454" algn="l" defTabSz="914363" rtl="0" eaLnBrk="1" latinLnBrk="0" hangingPunct="1">
-              <a:defRPr sz="1800" kern="1200">
-                <a:solidFill>
-                  <a:schemeClr val="tx1"/>
-                </a:solidFill>
-                <a:latin typeface="+mn-lt"/>
-                <a:ea typeface="+mn-ea"/>
-                <a:cs typeface="+mn-cs"/>
-              </a:defRPr>
-            </a:lvl9pPr>
-          </a:lstStyle>
-          <a:p>
-            <a:pPr algn="ctr">
-              <a:defRPr/>
-            </a:pPr>
-            <a:r>
-              <a:rPr lang="en-US" sz="3200" spc="-150" dirty="0">
-                <a:ln w="3175">
-                  <a:noFill/>
-                </a:ln>
-                <a:gradFill flip="none" rotWithShape="1">
-                  <a:gsLst>
-                    <a:gs pos="0">
-                      <a:srgbClr val="FFFFB9"/>
-                    </a:gs>
-                    <a:gs pos="36000">
-                      <a:srgbClr val="FFFF99"/>
-                    </a:gs>
-                    <a:gs pos="86000">
-                      <a:srgbClr val="F6AE1E"/>
-                    </a:gs>
-                  </a:gsLst>
-                  <a:lin ang="5400000" scaled="0"/>
-                  <a:tileRect/>
-                </a:gradFill>
-                <a:effectLst>
-                  <a:outerShdw blurRad="50800" dist="38100" dir="2700000" algn="tl" rotWithShape="0">
-                    <a:prstClr val="black">
-                      <a:alpha val="40000"/>
-                    </a:prstClr>
-                  </a:outerShdw>
-                </a:effectLst>
-                <a:cs typeface="Arial" charset="0"/>
-              </a:rPr>
-              <a:t>http://TulsaTechFest.com</a:t>
-            </a:r>
-          </a:p>
-          <a:p>
-            <a:pPr algn="ctr">
-              <a:defRPr/>
-            </a:pPr>
-            <a:endParaRPr lang="en-US" sz="3200" spc="-150" dirty="0">
-              <a:ln w="3175">
-                <a:noFill/>
-              </a:ln>
-              <a:gradFill flip="none" rotWithShape="1">
-                <a:gsLst>
-                  <a:gs pos="0">
-                    <a:srgbClr val="FFFFB9"/>
-                  </a:gs>
-                  <a:gs pos="36000">
-                    <a:srgbClr val="FFFF99"/>
-                  </a:gs>
-                  <a:gs pos="86000">
-                    <a:srgbClr val="F6AE1E"/>
-                  </a:gs>
-                </a:gsLst>
-                <a:lin ang="5400000" scaled="0"/>
-                <a:tileRect/>
-              </a:gradFill>
-              <a:effectLst>
-                <a:outerShdw blurRad="50800" dist="38100" dir="2700000" algn="tl" rotWithShape="0">
-                  <a:prstClr val="black">
-                    <a:alpha val="40000"/>
-                  </a:prstClr>
-                </a:outerShdw>
-              </a:effectLst>
-              <a:cs typeface="Arial" charset="0"/>
-            </a:endParaRPr>
-          </a:p>
-          <a:p>
-            <a:pPr algn="ctr">
-              <a:defRPr/>
-            </a:pPr>
-            <a:r>
-              <a:rPr lang="en-US" sz="3200" spc="-150" dirty="0">
-                <a:ln w="3175">
-                  <a:noFill/>
-                </a:ln>
-                <a:gradFill flip="none" rotWithShape="1">
-                  <a:gsLst>
-                    <a:gs pos="0">
-                      <a:srgbClr val="FFFFB9"/>
-                    </a:gs>
-                    <a:gs pos="36000">
-                      <a:srgbClr val="FFFF99"/>
-                    </a:gs>
-                    <a:gs pos="86000">
-                      <a:srgbClr val="F6AE1E"/>
-                    </a:gs>
-                  </a:gsLst>
-                  <a:lin ang="5400000" scaled="0"/>
-                  <a:tileRect/>
-                </a:gradFill>
-                <a:effectLst>
-                  <a:outerShdw blurRad="50800" dist="38100" dir="2700000" algn="tl" rotWithShape="0">
-                    <a:prstClr val="black">
-                      <a:alpha val="40000"/>
-                    </a:prstClr>
-                  </a:outerShdw>
-                </a:effectLst>
-                <a:cs typeface="Arial" charset="0"/>
-              </a:rPr>
-              <a:t>Fill them out!</a:t>
-            </a:r>
-          </a:p>
-          <a:p>
-            <a:pPr algn="ctr">
-              <a:defRPr/>
-            </a:pPr>
-            <a:endParaRPr lang="en-US" sz="3200" spc="-150" dirty="0">
-              <a:ln w="3175">
-                <a:noFill/>
-              </a:ln>
-              <a:gradFill flip="none" rotWithShape="1">
-                <a:gsLst>
-                  <a:gs pos="0">
-                    <a:srgbClr val="FFFFB9"/>
-                  </a:gs>
-                  <a:gs pos="36000">
-                    <a:srgbClr val="FFFF99"/>
-                  </a:gs>
-                  <a:gs pos="86000">
-                    <a:srgbClr val="F6AE1E"/>
-                  </a:gs>
-                </a:gsLst>
-                <a:lin ang="5400000" scaled="0"/>
-                <a:tileRect/>
-              </a:gradFill>
-              <a:effectLst>
-                <a:outerShdw blurRad="50800" dist="38100" dir="2700000" algn="tl" rotWithShape="0">
-                  <a:prstClr val="black">
-                    <a:alpha val="40000"/>
-                  </a:prstClr>
-                </a:outerShdw>
-              </a:effectLst>
-              <a:cs typeface="Arial" charset="0"/>
-            </a:endParaRPr>
-          </a:p>
-          <a:p>
-            <a:pPr algn="ctr">
-              <a:defRPr/>
-            </a:pPr>
-            <a:r>
-              <a:rPr lang="en-US" sz="3200" spc="-150" dirty="0">
-                <a:ln w="3175">
-                  <a:noFill/>
-                </a:ln>
-                <a:gradFill flip="none" rotWithShape="1">
-                  <a:gsLst>
-                    <a:gs pos="0">
-                      <a:srgbClr val="FFFFB9"/>
-                    </a:gs>
-                    <a:gs pos="36000">
-                      <a:srgbClr val="FFFF99"/>
-                    </a:gs>
-                    <a:gs pos="86000">
-                      <a:srgbClr val="F6AE1E"/>
-                    </a:gs>
-                  </a:gsLst>
-                  <a:lin ang="5400000" scaled="0"/>
-                  <a:tileRect/>
-                </a:gradFill>
-                <a:effectLst>
-                  <a:outerShdw blurRad="50800" dist="38100" dir="2700000" algn="tl" rotWithShape="0">
-                    <a:prstClr val="black">
-                      <a:alpha val="40000"/>
-                    </a:prstClr>
-                  </a:outerShdw>
-                </a:effectLst>
-                <a:cs typeface="Arial" charset="0"/>
-              </a:rPr>
-              <a:t>You can win additional prizes!</a:t>
-            </a:r>
-          </a:p>
-          <a:p>
-            <a:pPr algn="ctr">
-              <a:defRPr/>
-            </a:pPr>
-            <a:endParaRPr lang="en-US" sz="3200" spc="-150" dirty="0">
-              <a:ln w="3175">
-                <a:noFill/>
-              </a:ln>
-              <a:gradFill flip="none" rotWithShape="1">
-                <a:gsLst>
-                  <a:gs pos="0">
-                    <a:srgbClr val="FFFFB9"/>
-                  </a:gs>
-                  <a:gs pos="36000">
-                    <a:srgbClr val="FFFF99"/>
-                  </a:gs>
-                  <a:gs pos="86000">
-                    <a:srgbClr val="F6AE1E"/>
-                  </a:gs>
-                </a:gsLst>
-                <a:lin ang="5400000" scaled="0"/>
-                <a:tileRect/>
-              </a:gradFill>
-              <a:effectLst>
-                <a:outerShdw blurRad="50800" dist="38100" dir="2700000" algn="tl" rotWithShape="0">
-                  <a:prstClr val="black">
-                    <a:alpha val="40000"/>
-                  </a:prstClr>
-                </a:outerShdw>
-              </a:effectLst>
-              <a:cs typeface="Arial" charset="0"/>
-            </a:endParaRPr>
-          </a:p>
-          <a:p>
-            <a:pPr algn="ctr">
-              <a:defRPr/>
-            </a:pPr>
-            <a:r>
-              <a:rPr lang="en-US" sz="3200" spc="-150" dirty="0">
-                <a:ln w="3175">
-                  <a:noFill/>
-                </a:ln>
-                <a:gradFill flip="none" rotWithShape="1">
-                  <a:gsLst>
-                    <a:gs pos="0">
-                      <a:srgbClr val="FFFFB9"/>
-                    </a:gs>
-                    <a:gs pos="36000">
-                      <a:srgbClr val="FFFF99"/>
-                    </a:gs>
-                    <a:gs pos="86000">
-                      <a:srgbClr val="F6AE1E"/>
-                    </a:gs>
-                  </a:gsLst>
-                  <a:lin ang="5400000" scaled="0"/>
-                  <a:tileRect/>
-                </a:gradFill>
-                <a:effectLst>
-                  <a:outerShdw blurRad="50800" dist="38100" dir="2700000" algn="tl" rotWithShape="0">
-                    <a:prstClr val="black">
-                      <a:alpha val="40000"/>
-                    </a:prstClr>
-                  </a:outerShdw>
-                </a:effectLst>
-                <a:cs typeface="Arial" charset="0"/>
-              </a:rPr>
-              <a:t>Like a $50 Best Buy Gift Card!!</a:t>
-            </a:r>
-          </a:p>
-          <a:p>
-            <a:pPr algn="ctr">
-              <a:defRPr/>
-            </a:pPr>
-            <a:endParaRPr lang="en-US" sz="3200" spc="-150" dirty="0">
-              <a:ln w="3175">
-                <a:noFill/>
-              </a:ln>
-              <a:gradFill flip="none" rotWithShape="1">
-                <a:gsLst>
-                  <a:gs pos="0">
-                    <a:srgbClr val="FFFFB9"/>
-                  </a:gs>
-                  <a:gs pos="36000">
-                    <a:srgbClr val="FFFF99"/>
-                  </a:gs>
-                  <a:gs pos="86000">
-                    <a:srgbClr val="F6AE1E"/>
-                  </a:gs>
-                </a:gsLst>
-                <a:lin ang="5400000" scaled="0"/>
-                <a:tileRect/>
-              </a:gradFill>
-              <a:effectLst>
-                <a:outerShdw blurRad="50800" dist="38100" dir="2700000" algn="tl" rotWithShape="0">
-                  <a:prstClr val="black">
-                    <a:alpha val="40000"/>
-                  </a:prstClr>
-                </a:outerShdw>
-              </a:effectLst>
-              <a:cs typeface="Arial" charset="0"/>
-            </a:endParaRPr>
-          </a:p>
-          <a:p>
-            <a:pPr algn="ctr">
-              <a:defRPr/>
-            </a:pPr>
-            <a:r>
-              <a:rPr lang="en-US" sz="3200" spc="-150" dirty="0">
-                <a:ln w="3175">
-                  <a:noFill/>
-                </a:ln>
-                <a:gradFill flip="none" rotWithShape="1">
-                  <a:gsLst>
-                    <a:gs pos="0">
-                      <a:srgbClr val="FFFFB9"/>
-                    </a:gs>
-                    <a:gs pos="36000">
-                      <a:srgbClr val="FFFF99"/>
-                    </a:gs>
-                    <a:gs pos="86000">
-                      <a:srgbClr val="F6AE1E"/>
-                    </a:gs>
-                  </a:gsLst>
-                  <a:lin ang="5400000" scaled="0"/>
-                  <a:tileRect/>
-                </a:gradFill>
-                <a:effectLst>
-                  <a:outerShdw blurRad="50800" dist="38100" dir="2700000" algn="tl" rotWithShape="0">
-                    <a:prstClr val="black">
-                      <a:alpha val="40000"/>
-                    </a:prstClr>
-                  </a:outerShdw>
-                </a:effectLst>
-                <a:cs typeface="Arial" charset="0"/>
-              </a:rPr>
-              <a:t>Winner drawn – Midnight, Sun Aug 7</a:t>
-            </a:r>
-            <a:r>
-              <a:rPr lang="en-US" sz="3200" spc="-150" baseline="30000" dirty="0">
-                <a:ln w="3175">
-                  <a:noFill/>
-                </a:ln>
-                <a:gradFill flip="none" rotWithShape="1">
-                  <a:gsLst>
-                    <a:gs pos="0">
-                      <a:srgbClr val="FFFFB9"/>
-                    </a:gs>
-                    <a:gs pos="36000">
-                      <a:srgbClr val="FFFF99"/>
-                    </a:gs>
-                    <a:gs pos="86000">
-                      <a:srgbClr val="F6AE1E"/>
-                    </a:gs>
-                  </a:gsLst>
-                  <a:lin ang="5400000" scaled="0"/>
-                  <a:tileRect/>
-                </a:gradFill>
-                <a:effectLst>
-                  <a:outerShdw blurRad="50800" dist="38100" dir="2700000" algn="tl" rotWithShape="0">
-                    <a:prstClr val="black">
-                      <a:alpha val="40000"/>
-                    </a:prstClr>
-                  </a:outerShdw>
-                </a:effectLst>
-                <a:cs typeface="Arial" charset="0"/>
-              </a:rPr>
-              <a:t>th</a:t>
-            </a:r>
-            <a:r>
-              <a:rPr lang="en-US" sz="3200" spc="-150" dirty="0">
-                <a:ln w="3175">
-                  <a:noFill/>
-                </a:ln>
-                <a:gradFill flip="none" rotWithShape="1">
-                  <a:gsLst>
-                    <a:gs pos="0">
-                      <a:srgbClr val="FFFFB9"/>
-                    </a:gs>
-                    <a:gs pos="36000">
-                      <a:srgbClr val="FFFF99"/>
-                    </a:gs>
-                    <a:gs pos="86000">
-                      <a:srgbClr val="F6AE1E"/>
-                    </a:gs>
-                  </a:gsLst>
-                  <a:lin ang="5400000" scaled="0"/>
-                  <a:tileRect/>
-                </a:gradFill>
-                <a:effectLst>
-                  <a:outerShdw blurRad="50800" dist="38100" dir="2700000" algn="tl" rotWithShape="0">
-                    <a:prstClr val="black">
-                      <a:alpha val="40000"/>
-                    </a:prstClr>
-                  </a:outerShdw>
-                </a:effectLst>
-                <a:cs typeface="Arial" charset="0"/>
-              </a:rPr>
-              <a:t>!</a:t>
-            </a:r>
-          </a:p>
-          <a:p>
-            <a:pPr algn="ctr">
-              <a:defRPr/>
-            </a:pPr>
-            <a:endParaRPr lang="en-US" sz="3200" spc="-150" dirty="0">
-              <a:ln w="3175">
-                <a:noFill/>
-              </a:ln>
-              <a:gradFill flip="none" rotWithShape="1">
-                <a:gsLst>
-                  <a:gs pos="0">
-                    <a:srgbClr val="FFFFB9"/>
-                  </a:gs>
-                  <a:gs pos="36000">
-                    <a:srgbClr val="FFFF99"/>
-                  </a:gs>
-                  <a:gs pos="86000">
-                    <a:srgbClr val="F6AE1E"/>
-                  </a:gs>
-                </a:gsLst>
-                <a:lin ang="5400000" scaled="0"/>
-                <a:tileRect/>
-              </a:gradFill>
-              <a:effectLst>
-                <a:outerShdw blurRad="50800" dist="38100" dir="2700000" algn="tl" rotWithShape="0">
-                  <a:prstClr val="black">
-                    <a:alpha val="40000"/>
-                  </a:prstClr>
-                </a:outerShdw>
-              </a:effectLst>
-              <a:cs typeface="Arial" charset="0"/>
-            </a:endParaRPr>
-          </a:p>
-        </p:txBody>
-      </p:sp>
-    </p:spTree>
-    <p:extLst>
-      <p:ext uri="{BB962C8B-B14F-4D97-AF65-F5344CB8AC3E}">
-        <p14:creationId xmlns:p14="http://schemas.microsoft.com/office/powerpoint/2010/main" val="810067330"/>
-      </p:ext>
-    </p:extLst>
-  </p:cSld>
-  <p:clrMapOvr>
-    <a:masterClrMapping/>
-  </p:clrMapOvr>
-  <p:transition>
-    <p:fade/>
-  </p:transition>
-</p:sld>
-</file>
-
-<file path=ppt/slides/slide4.xml><?xml version="1.0" encoding="utf-8"?>
-<p:sld xmlns:a="http://schemas.openxmlformats.org/drawingml/2006/main" xmlns:r="http://schemas.openxmlformats.org/officeDocument/2006/relationships" xmlns:p="http://schemas.openxmlformats.org/presentationml/2006/main">
-  <p:cSld>
-    <p:bg>
-      <p:bgPr>
-        <a:solidFill>
-          <a:srgbClr val="002060"/>
-        </a:solidFill>
-        <a:effectLst/>
-      </p:bgPr>
-    </p:bg>
-    <p:spTree>
-      <p:nvGrpSpPr>
-        <p:cNvPr id="1" name=""/>
-        <p:cNvGrpSpPr/>
-        <p:nvPr/>
-      </p:nvGrpSpPr>
-      <p:grpSpPr>
-        <a:xfrm>
-          <a:off x="0" y="0"/>
-          <a:ext cx="0" cy="0"/>
-          <a:chOff x="0" y="0"/>
-          <a:chExt cx="0" cy="0"/>
-        </a:xfrm>
-      </p:grpSpPr>
-      <p:sp>
-        <p:nvSpPr>
           <p:cNvPr id="3" name="Title 2"/>
           <p:cNvSpPr>
             <a:spLocks noGrp="1"/>
@@ -17263,7 +14881,7 @@
         <p:spPr>
           <a:xfrm>
             <a:off x="2162174" y="3907551"/>
-            <a:ext cx="5817828" cy="1077218"/>
+            <a:ext cx="5817828" cy="769441"/>
           </a:xfrm>
           <a:prstGeom prst="rect">
             <a:avLst/>
@@ -17283,18 +14901,11 @@
             </a:r>
             <a:r>
               <a:rPr lang="en-US" sz="2400" b="1" dirty="0"/>
-              <a:t>500 </a:t>
+              <a:t>545 </a:t>
             </a:r>
             <a:r>
               <a:rPr lang="en-US" sz="2000" dirty="0"/>
               <a:t>presentations online</a:t>
-            </a:r>
-          </a:p>
-          <a:p>
-            <a:pPr algn="ctr"/>
-            <a:r>
-              <a:rPr lang="en-US" sz="2000" b="1" dirty="0"/>
-              <a:t>That is over 100 GB of video</a:t>
             </a:r>
           </a:p>
           <a:p>
@@ -17691,7 +15302,1307 @@
 </p:sld>
 </file>
 
-<file path=ppt/slides/slide40.xml><?xml version="1.0" encoding="utf-8"?>
+<file path=ppt/slides/slide30.xml><?xml version="1.0" encoding="utf-8"?>
+<p:sld xmlns:a="http://schemas.openxmlformats.org/drawingml/2006/main" xmlns:r="http://schemas.openxmlformats.org/officeDocument/2006/relationships" xmlns:p="http://schemas.openxmlformats.org/presentationml/2006/main">
+  <p:cSld>
+    <p:spTree>
+      <p:nvGrpSpPr>
+        <p:cNvPr id="1" name=""/>
+        <p:cNvGrpSpPr/>
+        <p:nvPr/>
+      </p:nvGrpSpPr>
+      <p:grpSpPr>
+        <a:xfrm>
+          <a:off x="0" y="0"/>
+          <a:ext cx="0" cy="0"/>
+          <a:chOff x="0" y="0"/>
+          <a:chExt cx="0" cy="0"/>
+        </a:xfrm>
+      </p:grpSpPr>
+      <p:sp>
+        <p:nvSpPr>
+          <p:cNvPr id="3" name="Text Placeholder 2"/>
+          <p:cNvSpPr>
+            <a:spLocks noGrp="1"/>
+          </p:cNvSpPr>
+          <p:nvPr>
+            <p:ph type="body" sz="quarter" idx="10"/>
+          </p:nvPr>
+        </p:nvSpPr>
+        <p:spPr>
+          <a:xfrm>
+            <a:off x="275481" y="1212850"/>
+            <a:ext cx="11885514" cy="2769989"/>
+          </a:xfrm>
+        </p:spPr>
+        <p:txBody>
+          <a:bodyPr/>
+          <a:lstStyle/>
+          <a:p>
+            <a:r>
+              <a:rPr lang="en-US" dirty="0"/>
+              <a:t>Available </a:t>
+            </a:r>
+            <a:r>
+              <a:rPr lang="en-US" u="sng" dirty="0"/>
+              <a:t>today</a:t>
+            </a:r>
+            <a:r>
+              <a:rPr lang="en-US" dirty="0"/>
+              <a:t> with limited capacity</a:t>
+            </a:r>
+          </a:p>
+          <a:p>
+            <a:r>
+              <a:rPr lang="en-US" dirty="0"/>
+              <a:t>Currently free in preview</a:t>
+            </a:r>
+          </a:p>
+          <a:p>
+            <a:r>
+              <a:rPr lang="en-US" dirty="0"/>
+              <a:t>Charged based on memory*sec </a:t>
+            </a:r>
+          </a:p>
+          <a:p>
+            <a:pPr marL="0" indent="0">
+              <a:buNone/>
+            </a:pPr>
+            <a:r>
+              <a:rPr lang="en-US" dirty="0"/>
+              <a:t>More details to come…</a:t>
+            </a:r>
+          </a:p>
+        </p:txBody>
+      </p:sp>
+      <p:sp>
+        <p:nvSpPr>
+          <p:cNvPr id="2" name="Title 1"/>
+          <p:cNvSpPr>
+            <a:spLocks noGrp="1"/>
+          </p:cNvSpPr>
+          <p:nvPr>
+            <p:ph type="title"/>
+          </p:nvPr>
+        </p:nvSpPr>
+        <p:spPr/>
+        <p:txBody>
+          <a:bodyPr/>
+          <a:lstStyle/>
+          <a:p>
+            <a:r>
+              <a:rPr lang="en-US" dirty="0"/>
+              <a:t>The details on dynamic hosting plans</a:t>
+            </a:r>
+          </a:p>
+        </p:txBody>
+      </p:sp>
+    </p:spTree>
+    <p:extLst>
+      <p:ext uri="{BB962C8B-B14F-4D97-AF65-F5344CB8AC3E}">
+        <p14:creationId xmlns:p14="http://schemas.microsoft.com/office/powerpoint/2010/main" val="2244508417"/>
+      </p:ext>
+    </p:extLst>
+  </p:cSld>
+  <p:clrMapOvr>
+    <a:masterClrMapping/>
+  </p:clrMapOvr>
+  <p:transition>
+    <p:fade/>
+  </p:transition>
+</p:sld>
+</file>
+
+<file path=ppt/slides/slide31.xml><?xml version="1.0" encoding="utf-8"?>
+<p:sld xmlns:a="http://schemas.openxmlformats.org/drawingml/2006/main" xmlns:r="http://schemas.openxmlformats.org/officeDocument/2006/relationships" xmlns:p="http://schemas.openxmlformats.org/presentationml/2006/main">
+  <p:cSld>
+    <p:spTree>
+      <p:nvGrpSpPr>
+        <p:cNvPr id="1" name=""/>
+        <p:cNvGrpSpPr/>
+        <p:nvPr/>
+      </p:nvGrpSpPr>
+      <p:grpSpPr>
+        <a:xfrm>
+          <a:off x="0" y="0"/>
+          <a:ext cx="0" cy="0"/>
+          <a:chOff x="0" y="0"/>
+          <a:chExt cx="0" cy="0"/>
+        </a:xfrm>
+      </p:grpSpPr>
+      <p:sp>
+        <p:nvSpPr>
+          <p:cNvPr id="4" name="Title 3"/>
+          <p:cNvSpPr>
+            <a:spLocks noGrp="1"/>
+          </p:cNvSpPr>
+          <p:nvPr>
+            <p:ph type="title"/>
+          </p:nvPr>
+        </p:nvSpPr>
+        <p:spPr/>
+        <p:txBody>
+          <a:bodyPr/>
+          <a:lstStyle/>
+          <a:p>
+            <a:r>
+              <a:rPr lang="en-US" dirty="0"/>
+              <a:t>Demo</a:t>
+            </a:r>
+          </a:p>
+        </p:txBody>
+      </p:sp>
+      <p:sp>
+        <p:nvSpPr>
+          <p:cNvPr id="3" name="Text Placeholder 2"/>
+          <p:cNvSpPr>
+            <a:spLocks noGrp="1"/>
+          </p:cNvSpPr>
+          <p:nvPr>
+            <p:ph type="body" sz="quarter" idx="12"/>
+          </p:nvPr>
+        </p:nvSpPr>
+        <p:spPr/>
+        <p:txBody>
+          <a:bodyPr/>
+          <a:lstStyle/>
+          <a:p>
+            <a:r>
+              <a:rPr lang="en-US" dirty="0"/>
+              <a:t>CI Deployment</a:t>
+            </a:r>
+          </a:p>
+        </p:txBody>
+      </p:sp>
+    </p:spTree>
+    <p:extLst>
+      <p:ext uri="{BB962C8B-B14F-4D97-AF65-F5344CB8AC3E}">
+        <p14:creationId xmlns:p14="http://schemas.microsoft.com/office/powerpoint/2010/main" val="2857607644"/>
+      </p:ext>
+    </p:extLst>
+  </p:cSld>
+  <p:clrMapOvr>
+    <a:masterClrMapping/>
+  </p:clrMapOvr>
+  <mc:AlternateContent xmlns:mc="http://schemas.openxmlformats.org/markup-compatibility/2006" xmlns:p14="http://schemas.microsoft.com/office/powerpoint/2010/main">
+    <mc:Choice Requires="p14">
+      <p:transition spd="med" p14:dur="700">
+        <p:fade/>
+      </p:transition>
+    </mc:Choice>
+    <mc:Fallback xmlns="">
+      <p:transition spd="med">
+        <p:fade/>
+      </p:transition>
+    </mc:Fallback>
+  </mc:AlternateContent>
+</p:sld>
+</file>
+
+<file path=ppt/slides/slide32.xml><?xml version="1.0" encoding="utf-8"?>
+<p:sld xmlns:a="http://schemas.openxmlformats.org/drawingml/2006/main" xmlns:r="http://schemas.openxmlformats.org/officeDocument/2006/relationships" xmlns:p="http://schemas.openxmlformats.org/presentationml/2006/main">
+  <p:cSld>
+    <p:spTree>
+      <p:nvGrpSpPr>
+        <p:cNvPr id="1" name=""/>
+        <p:cNvGrpSpPr/>
+        <p:nvPr/>
+      </p:nvGrpSpPr>
+      <p:grpSpPr>
+        <a:xfrm>
+          <a:off x="0" y="0"/>
+          <a:ext cx="0" cy="0"/>
+          <a:chOff x="0" y="0"/>
+          <a:chExt cx="0" cy="0"/>
+        </a:xfrm>
+      </p:grpSpPr>
+      <p:sp>
+        <p:nvSpPr>
+          <p:cNvPr id="2" name="Text Placeholder 1"/>
+          <p:cNvSpPr>
+            <a:spLocks noGrp="1"/>
+          </p:cNvSpPr>
+          <p:nvPr>
+            <p:ph type="body" sz="quarter" idx="10"/>
+          </p:nvPr>
+        </p:nvSpPr>
+        <p:spPr>
+          <a:xfrm>
+            <a:off x="274638" y="1212850"/>
+            <a:ext cx="11887200" cy="4395049"/>
+          </a:xfrm>
+        </p:spPr>
+        <p:txBody>
+          <a:bodyPr/>
+          <a:lstStyle/>
+          <a:p>
+            <a:r>
+              <a:rPr lang="en-US" dirty="0"/>
+              <a:t>Introducing Azure Functions</a:t>
+            </a:r>
+          </a:p>
+          <a:p>
+            <a:pPr lvl="1"/>
+            <a:r>
+              <a:rPr lang="en-US" dirty="0"/>
+              <a:t>Speakers: Chris Anderson </a:t>
+            </a:r>
+          </a:p>
+          <a:p>
+            <a:pPr lvl="1"/>
+            <a:r>
+              <a:rPr lang="en-US" dirty="0"/>
+              <a:t>https://channel9.msdn.com/Events/Build/2016/B858</a:t>
+            </a:r>
+          </a:p>
+          <a:p>
+            <a:endParaRPr lang="en-US" dirty="0"/>
+          </a:p>
+          <a:p>
+            <a:r>
+              <a:rPr lang="en-US" dirty="0"/>
+              <a:t>Azure Functions Under the Hood</a:t>
+            </a:r>
+          </a:p>
+          <a:p>
+            <a:pPr lvl="1"/>
+            <a:r>
+              <a:rPr lang="en-US" dirty="0"/>
+              <a:t>Speakers: Matthew Henderson</a:t>
+            </a:r>
+          </a:p>
+          <a:p>
+            <a:pPr lvl="1"/>
+            <a:r>
+              <a:rPr lang="en-US" dirty="0"/>
+              <a:t>https://channel9.msdn.com/Events/Build/2016/T692</a:t>
+            </a:r>
+          </a:p>
+          <a:p>
+            <a:endParaRPr lang="en-US" dirty="0"/>
+          </a:p>
+        </p:txBody>
+      </p:sp>
+      <p:sp>
+        <p:nvSpPr>
+          <p:cNvPr id="3" name="Title 2"/>
+          <p:cNvSpPr>
+            <a:spLocks noGrp="1"/>
+          </p:cNvSpPr>
+          <p:nvPr>
+            <p:ph type="title"/>
+          </p:nvPr>
+        </p:nvSpPr>
+        <p:spPr/>
+        <p:txBody>
+          <a:bodyPr/>
+          <a:lstStyle/>
+          <a:p>
+            <a:r>
+              <a:rPr lang="en-US" dirty="0"/>
+              <a:t>Resources – Build 2016</a:t>
+            </a:r>
+          </a:p>
+        </p:txBody>
+      </p:sp>
+    </p:spTree>
+    <p:extLst>
+      <p:ext uri="{BB962C8B-B14F-4D97-AF65-F5344CB8AC3E}">
+        <p14:creationId xmlns:p14="http://schemas.microsoft.com/office/powerpoint/2010/main" val="2235427727"/>
+      </p:ext>
+    </p:extLst>
+  </p:cSld>
+  <p:clrMapOvr>
+    <a:masterClrMapping/>
+  </p:clrMapOvr>
+  <p:transition>
+    <p:fade/>
+  </p:transition>
+</p:sld>
+</file>
+
+<file path=ppt/slides/slide33.xml><?xml version="1.0" encoding="utf-8"?>
+<p:sld xmlns:a="http://schemas.openxmlformats.org/drawingml/2006/main" xmlns:r="http://schemas.openxmlformats.org/officeDocument/2006/relationships" xmlns:p="http://schemas.openxmlformats.org/presentationml/2006/main">
+  <p:cSld>
+    <p:spTree>
+      <p:nvGrpSpPr>
+        <p:cNvPr id="1" name=""/>
+        <p:cNvGrpSpPr/>
+        <p:nvPr/>
+      </p:nvGrpSpPr>
+      <p:grpSpPr>
+        <a:xfrm>
+          <a:off x="0" y="0"/>
+          <a:ext cx="0" cy="0"/>
+          <a:chOff x="0" y="0"/>
+          <a:chExt cx="0" cy="0"/>
+        </a:xfrm>
+      </p:grpSpPr>
+      <p:sp>
+        <p:nvSpPr>
+          <p:cNvPr id="2" name="Text Placeholder 1"/>
+          <p:cNvSpPr>
+            <a:spLocks noGrp="1"/>
+          </p:cNvSpPr>
+          <p:nvPr>
+            <p:ph type="body" sz="quarter" idx="10"/>
+          </p:nvPr>
+        </p:nvSpPr>
+        <p:spPr>
+          <a:xfrm>
+            <a:off x="275480" y="1212850"/>
+            <a:ext cx="12079991" cy="5751629"/>
+          </a:xfrm>
+        </p:spPr>
+        <p:txBody>
+          <a:bodyPr/>
+          <a:lstStyle/>
+          <a:p>
+            <a:r>
+              <a:rPr lang="en-US" dirty="0"/>
+              <a:t>The runtime, “portal”, and templates are all on GitHub</a:t>
+            </a:r>
+          </a:p>
+          <a:p>
+            <a:pPr lvl="1"/>
+            <a:r>
+              <a:rPr lang="en-US" dirty="0">
+                <a:solidFill>
+                  <a:schemeClr val="tx1"/>
+                </a:solidFill>
+                <a:hlinkClick r:id="rId2"/>
+              </a:rPr>
+              <a:t>https://github.com/Azure/azure-webjobs-sdk</a:t>
+            </a:r>
+            <a:endParaRPr lang="en-US" dirty="0">
+              <a:solidFill>
+                <a:schemeClr val="tx1"/>
+              </a:solidFill>
+            </a:endParaRPr>
+          </a:p>
+          <a:p>
+            <a:pPr lvl="1"/>
+            <a:r>
+              <a:rPr lang="en-US" dirty="0">
+                <a:solidFill>
+                  <a:schemeClr val="tx1"/>
+                </a:solidFill>
+                <a:hlinkClick r:id="rId3"/>
+              </a:rPr>
+              <a:t>https://github.com/Azure/azure-webjobs-sdk-extensions</a:t>
+            </a:r>
+            <a:endParaRPr lang="en-US" dirty="0">
+              <a:solidFill>
+                <a:schemeClr val="tx1"/>
+              </a:solidFill>
+            </a:endParaRPr>
+          </a:p>
+          <a:p>
+            <a:pPr lvl="1"/>
+            <a:r>
+              <a:rPr lang="en-US" dirty="0">
+                <a:solidFill>
+                  <a:schemeClr val="tx1"/>
+                </a:solidFill>
+                <a:hlinkClick r:id="rId4"/>
+              </a:rPr>
+              <a:t>https://github.com/Azure/azure-webjobs-sdk-script</a:t>
+            </a:r>
+            <a:endParaRPr lang="en-US" dirty="0">
+              <a:solidFill>
+                <a:schemeClr val="tx1"/>
+              </a:solidFill>
+            </a:endParaRPr>
+          </a:p>
+          <a:p>
+            <a:pPr lvl="1"/>
+            <a:r>
+              <a:rPr lang="en-US" dirty="0">
+                <a:solidFill>
+                  <a:schemeClr val="tx1"/>
+                </a:solidFill>
+                <a:hlinkClick r:id="rId5"/>
+              </a:rPr>
+              <a:t>https://github.com/Azure/azure-webjobs-sdk-templates</a:t>
+            </a:r>
+            <a:endParaRPr lang="en-US" dirty="0">
+              <a:solidFill>
+                <a:schemeClr val="tx1"/>
+              </a:solidFill>
+            </a:endParaRPr>
+          </a:p>
+          <a:p>
+            <a:pPr lvl="1"/>
+            <a:r>
+              <a:rPr lang="en-US" dirty="0">
+                <a:solidFill>
+                  <a:schemeClr val="tx1"/>
+                </a:solidFill>
+                <a:hlinkClick r:id="rId6"/>
+              </a:rPr>
+              <a:t>https://github.com/ProjectKudu/WebJobsPortal</a:t>
+            </a:r>
+            <a:r>
+              <a:rPr lang="en-US" dirty="0">
+                <a:solidFill>
+                  <a:schemeClr val="tx1"/>
+                </a:solidFill>
+              </a:rPr>
+              <a:t> </a:t>
+            </a:r>
+          </a:p>
+          <a:p>
+            <a:r>
+              <a:rPr lang="en-US" dirty="0"/>
+              <a:t>Open roadmap</a:t>
+            </a:r>
+          </a:p>
+          <a:p>
+            <a:pPr lvl="1"/>
+            <a:r>
+              <a:rPr lang="en-US" dirty="0"/>
+              <a:t>Use the cutting edge features</a:t>
+            </a:r>
+          </a:p>
+          <a:p>
+            <a:pPr lvl="1"/>
+            <a:r>
+              <a:rPr lang="en-US" dirty="0"/>
+              <a:t>Transparency into priorities and velocity</a:t>
+            </a:r>
+          </a:p>
+          <a:p>
+            <a:pPr lvl="1"/>
+            <a:r>
+              <a:rPr lang="en-US" dirty="0"/>
+              <a:t>Influence the direction of the project</a:t>
+            </a:r>
+          </a:p>
+          <a:p>
+            <a:r>
+              <a:rPr lang="en-US" dirty="0"/>
+              <a:t>Runtime is intended to be portable</a:t>
+            </a:r>
+          </a:p>
+          <a:p>
+            <a:pPr lvl="1"/>
+            <a:r>
+              <a:rPr lang="en-US" dirty="0"/>
+              <a:t>MIT License</a:t>
+            </a:r>
+          </a:p>
+        </p:txBody>
+      </p:sp>
+      <p:sp>
+        <p:nvSpPr>
+          <p:cNvPr id="3" name="Title 2"/>
+          <p:cNvSpPr>
+            <a:spLocks noGrp="1"/>
+          </p:cNvSpPr>
+          <p:nvPr>
+            <p:ph type="title"/>
+          </p:nvPr>
+        </p:nvSpPr>
+        <p:spPr/>
+        <p:txBody>
+          <a:bodyPr/>
+          <a:lstStyle/>
+          <a:p>
+            <a:r>
+              <a:rPr lang="en-US" dirty="0"/>
+              <a:t>Azure Functions is open sourced</a:t>
+            </a:r>
+          </a:p>
+        </p:txBody>
+      </p:sp>
+    </p:spTree>
+    <p:extLst>
+      <p:ext uri="{BB962C8B-B14F-4D97-AF65-F5344CB8AC3E}">
+        <p14:creationId xmlns:p14="http://schemas.microsoft.com/office/powerpoint/2010/main" val="376460961"/>
+      </p:ext>
+    </p:extLst>
+  </p:cSld>
+  <p:clrMapOvr>
+    <a:masterClrMapping/>
+  </p:clrMapOvr>
+  <p:transition>
+    <p:fade/>
+  </p:transition>
+</p:sld>
+</file>
+
+<file path=ppt/slides/slide34.xml><?xml version="1.0" encoding="utf-8"?>
+<p:sld xmlns:a="http://schemas.openxmlformats.org/drawingml/2006/main" xmlns:r="http://schemas.openxmlformats.org/officeDocument/2006/relationships" xmlns:p="http://schemas.openxmlformats.org/presentationml/2006/main">
+  <p:cSld>
+    <p:spTree>
+      <p:nvGrpSpPr>
+        <p:cNvPr id="1" name=""/>
+        <p:cNvGrpSpPr/>
+        <p:nvPr/>
+      </p:nvGrpSpPr>
+      <p:grpSpPr>
+        <a:xfrm>
+          <a:off x="0" y="0"/>
+          <a:ext cx="0" cy="0"/>
+          <a:chOff x="0" y="0"/>
+          <a:chExt cx="0" cy="0"/>
+        </a:xfrm>
+      </p:grpSpPr>
+      <p:sp>
+        <p:nvSpPr>
+          <p:cNvPr id="2" name="Title 1"/>
+          <p:cNvSpPr>
+            <a:spLocks noGrp="1"/>
+          </p:cNvSpPr>
+          <p:nvPr>
+            <p:ph type="title"/>
+          </p:nvPr>
+        </p:nvSpPr>
+        <p:spPr/>
+        <p:txBody>
+          <a:bodyPr/>
+          <a:lstStyle/>
+          <a:p>
+            <a:r>
+              <a:rPr lang="en-US" dirty="0"/>
+              <a:t>Call to Action</a:t>
+            </a:r>
+          </a:p>
+        </p:txBody>
+      </p:sp>
+      <p:sp>
+        <p:nvSpPr>
+          <p:cNvPr id="3" name="Text Placeholder 2"/>
+          <p:cNvSpPr>
+            <a:spLocks noGrp="1"/>
+          </p:cNvSpPr>
+          <p:nvPr>
+            <p:ph type="body" sz="quarter" idx="10"/>
+          </p:nvPr>
+        </p:nvSpPr>
+        <p:spPr>
+          <a:xfrm>
+            <a:off x="275481" y="1213175"/>
+            <a:ext cx="11885514" cy="5879495"/>
+          </a:xfrm>
+        </p:spPr>
+        <p:txBody>
+          <a:bodyPr/>
+          <a:lstStyle/>
+          <a:p>
+            <a:r>
+              <a:rPr lang="en-US" dirty="0"/>
+              <a:t>Try Azure Functions @ </a:t>
+            </a:r>
+            <a:r>
+              <a:rPr lang="en-US" dirty="0">
+                <a:hlinkClick r:id="rId3"/>
+              </a:rPr>
+              <a:t>https://functions.azure.com</a:t>
+            </a:r>
+            <a:r>
+              <a:rPr lang="en-US" dirty="0"/>
+              <a:t> </a:t>
+            </a:r>
+          </a:p>
+          <a:p>
+            <a:r>
+              <a:rPr lang="en-US" dirty="0"/>
+              <a:t>Try App Service @ </a:t>
+            </a:r>
+            <a:r>
+              <a:rPr lang="en-US" dirty="0">
+                <a:hlinkClick r:id="rId4"/>
+              </a:rPr>
+              <a:t>https://tryappservice.azure.com</a:t>
+            </a:r>
+            <a:r>
+              <a:rPr lang="en-US" dirty="0"/>
+              <a:t> </a:t>
+            </a:r>
+          </a:p>
+          <a:p>
+            <a:r>
+              <a:rPr lang="en-US" dirty="0"/>
+              <a:t>Fork us @ </a:t>
+            </a:r>
+            <a:r>
+              <a:rPr lang="en-US" sz="3672" dirty="0">
+                <a:hlinkClick r:id="rId5"/>
+              </a:rPr>
+              <a:t>https://</a:t>
+            </a:r>
+            <a:r>
+              <a:rPr lang="en-US" sz="3264" dirty="0">
+                <a:hlinkClick r:id="rId5"/>
+              </a:rPr>
+              <a:t>github.com/azure/azure-webjobs-sdk-script</a:t>
+            </a:r>
+            <a:r>
+              <a:rPr lang="en-US" sz="3264" dirty="0"/>
+              <a:t>  </a:t>
+            </a:r>
+          </a:p>
+          <a:p>
+            <a:endParaRPr lang="en-US" sz="2448" dirty="0"/>
+          </a:p>
+          <a:p>
+            <a:pPr marL="0" indent="0">
+              <a:buNone/>
+            </a:pPr>
+            <a:endParaRPr lang="en-US" sz="3199" dirty="0"/>
+          </a:p>
+        </p:txBody>
+      </p:sp>
+    </p:spTree>
+    <p:extLst>
+      <p:ext uri="{BB962C8B-B14F-4D97-AF65-F5344CB8AC3E}">
+        <p14:creationId xmlns:p14="http://schemas.microsoft.com/office/powerpoint/2010/main" val="127724107"/>
+      </p:ext>
+    </p:extLst>
+  </p:cSld>
+  <p:clrMapOvr>
+    <a:masterClrMapping/>
+  </p:clrMapOvr>
+  <p:transition>
+    <p:fade/>
+  </p:transition>
+</p:sld>
+</file>
+
+<file path=ppt/slides/slide35.xml><?xml version="1.0" encoding="utf-8"?>
+<p:sld xmlns:a="http://schemas.openxmlformats.org/drawingml/2006/main" xmlns:r="http://schemas.openxmlformats.org/officeDocument/2006/relationships" xmlns:p="http://schemas.openxmlformats.org/presentationml/2006/main">
+  <p:cSld>
+    <p:spTree>
+      <p:nvGrpSpPr>
+        <p:cNvPr id="1" name=""/>
+        <p:cNvGrpSpPr/>
+        <p:nvPr/>
+      </p:nvGrpSpPr>
+      <p:grpSpPr>
+        <a:xfrm>
+          <a:off x="0" y="0"/>
+          <a:ext cx="0" cy="0"/>
+          <a:chOff x="0" y="0"/>
+          <a:chExt cx="0" cy="0"/>
+        </a:xfrm>
+      </p:grpSpPr>
+      <p:sp>
+        <p:nvSpPr>
+          <p:cNvPr id="17" name="Title 16"/>
+          <p:cNvSpPr>
+            <a:spLocks noGrp="1"/>
+          </p:cNvSpPr>
+          <p:nvPr>
+            <p:ph type="title"/>
+          </p:nvPr>
+        </p:nvSpPr>
+        <p:spPr/>
+        <p:txBody>
+          <a:bodyPr/>
+          <a:lstStyle/>
+          <a:p>
+            <a:r>
+              <a:rPr lang="en-US" dirty="0"/>
+              <a:t>Azure Functions Takeaway</a:t>
+            </a:r>
+          </a:p>
+        </p:txBody>
+      </p:sp>
+      <p:sp>
+        <p:nvSpPr>
+          <p:cNvPr id="6" name="Text Placeholder 5"/>
+          <p:cNvSpPr>
+            <a:spLocks noGrp="1"/>
+          </p:cNvSpPr>
+          <p:nvPr>
+            <p:ph type="body" sz="quarter" idx="10"/>
+          </p:nvPr>
+        </p:nvSpPr>
+        <p:spPr>
+          <a:xfrm>
+            <a:off x="274638" y="1212850"/>
+            <a:ext cx="11887200" cy="5139869"/>
+          </a:xfrm>
+        </p:spPr>
+        <p:txBody>
+          <a:bodyPr/>
+          <a:lstStyle/>
+          <a:p>
+            <a:r>
+              <a:rPr lang="en-US" dirty="0"/>
+              <a:t>Azure Functions lets you do more with less code</a:t>
+            </a:r>
+          </a:p>
+          <a:p>
+            <a:pPr lvl="1"/>
+            <a:r>
+              <a:rPr lang="en-US" dirty="0"/>
+              <a:t>You focus on the core logic – we’ll take care of triggering, integrating, and parsing</a:t>
+            </a:r>
+          </a:p>
+          <a:p>
+            <a:pPr lvl="1"/>
+            <a:endParaRPr lang="en-US" dirty="0"/>
+          </a:p>
+          <a:p>
+            <a:r>
+              <a:rPr lang="en-US" dirty="0"/>
+              <a:t>Azure Functions is a part of App Service</a:t>
+            </a:r>
+          </a:p>
+          <a:p>
+            <a:pPr lvl="1"/>
+            <a:r>
+              <a:rPr lang="en-US" dirty="0"/>
+              <a:t>You can use App Service features with your functions</a:t>
+            </a:r>
+          </a:p>
+          <a:p>
+            <a:pPr lvl="1"/>
+            <a:endParaRPr lang="en-US" dirty="0"/>
+          </a:p>
+          <a:p>
+            <a:r>
+              <a:rPr lang="en-US" dirty="0"/>
+              <a:t>Azure Functions is flexible</a:t>
+            </a:r>
+          </a:p>
+          <a:p>
+            <a:pPr lvl="1"/>
+            <a:r>
+              <a:rPr lang="en-US" dirty="0"/>
+              <a:t>Edit in portal or use </a:t>
+            </a:r>
+            <a:r>
+              <a:rPr lang="en-US" dirty="0" err="1"/>
+              <a:t>git</a:t>
+            </a:r>
+            <a:r>
+              <a:rPr lang="en-US" dirty="0"/>
+              <a:t>. Leverage your favorite libraries.</a:t>
+            </a:r>
+          </a:p>
+          <a:p>
+            <a:pPr lvl="1"/>
+            <a:endParaRPr lang="en-US" dirty="0"/>
+          </a:p>
+          <a:p>
+            <a:r>
+              <a:rPr lang="en-US" dirty="0"/>
+              <a:t>Azure Functions is great for dev-ops workflows</a:t>
+            </a:r>
+          </a:p>
+          <a:p>
+            <a:pPr lvl="1"/>
+            <a:r>
+              <a:rPr lang="en-US" dirty="0"/>
+              <a:t>Examples: monitoring, CI </a:t>
+            </a:r>
+            <a:r>
+              <a:rPr lang="en-US" dirty="0" err="1"/>
+              <a:t>webhooks</a:t>
+            </a:r>
+            <a:r>
+              <a:rPr lang="en-US" dirty="0"/>
+              <a:t>, workflow processing…</a:t>
+            </a:r>
+          </a:p>
+        </p:txBody>
+      </p:sp>
+    </p:spTree>
+    <p:extLst>
+      <p:ext uri="{BB962C8B-B14F-4D97-AF65-F5344CB8AC3E}">
+        <p14:creationId xmlns:p14="http://schemas.microsoft.com/office/powerpoint/2010/main" val="2813105893"/>
+      </p:ext>
+    </p:extLst>
+  </p:cSld>
+  <p:clrMapOvr>
+    <a:masterClrMapping/>
+  </p:clrMapOvr>
+  <mc:AlternateContent xmlns:mc="http://schemas.openxmlformats.org/markup-compatibility/2006" xmlns:p14="http://schemas.microsoft.com/office/powerpoint/2010/main">
+    <mc:Choice Requires="p14">
+      <p:transition spd="med" p14:dur="700">
+        <p:fade/>
+      </p:transition>
+    </mc:Choice>
+    <mc:Fallback xmlns="">
+      <p:transition spd="med">
+        <p:fade/>
+      </p:transition>
+    </mc:Fallback>
+  </mc:AlternateContent>
+</p:sld>
+</file>
+
+<file path=ppt/slides/slide36.xml><?xml version="1.0" encoding="utf-8"?>
+<p:sld xmlns:a="http://schemas.openxmlformats.org/drawingml/2006/main" xmlns:r="http://schemas.openxmlformats.org/officeDocument/2006/relationships" xmlns:p="http://schemas.openxmlformats.org/presentationml/2006/main">
+  <p:cSld>
+    <p:spTree>
+      <p:nvGrpSpPr>
+        <p:cNvPr id="1" name=""/>
+        <p:cNvGrpSpPr/>
+        <p:nvPr/>
+      </p:nvGrpSpPr>
+      <p:grpSpPr>
+        <a:xfrm>
+          <a:off x="0" y="0"/>
+          <a:ext cx="0" cy="0"/>
+          <a:chOff x="0" y="0"/>
+          <a:chExt cx="0" cy="0"/>
+        </a:xfrm>
+      </p:grpSpPr>
+      <p:sp>
+        <p:nvSpPr>
+          <p:cNvPr id="5" name="Rectangle 4"/>
+          <p:cNvSpPr/>
+          <p:nvPr/>
+        </p:nvSpPr>
+        <p:spPr bwMode="auto">
+          <a:xfrm>
+            <a:off x="0" y="4096685"/>
+            <a:ext cx="12436475" cy="1554463"/>
+          </a:xfrm>
+          <a:prstGeom prst="rect">
+            <a:avLst/>
+          </a:prstGeom>
+          <a:solidFill>
+            <a:schemeClr val="accent6"/>
+          </a:solidFill>
+          <a:ln w="3175">
+            <a:noFill/>
+            <a:headEnd type="none" w="med" len="med"/>
+            <a:tailEnd type="none" w="med" len="med"/>
+          </a:ln>
+        </p:spPr>
+        <p:style>
+          <a:lnRef idx="2">
+            <a:schemeClr val="accent1">
+              <a:shade val="50000"/>
+            </a:schemeClr>
+          </a:lnRef>
+          <a:fillRef idx="1">
+            <a:schemeClr val="accent1"/>
+          </a:fillRef>
+          <a:effectRef idx="0">
+            <a:schemeClr val="accent1"/>
+          </a:effectRef>
+          <a:fontRef idx="minor">
+            <a:schemeClr val="lt1"/>
+          </a:fontRef>
+        </p:style>
+        <p:txBody>
+          <a:bodyPr vert="horz" wrap="square" lIns="2743200" tIns="46637" rIns="914400" bIns="46637" numCol="1" rtlCol="0" anchor="ctr" anchorCtr="0" compatLnSpc="1">
+            <a:prstTxWarp prst="textNoShape">
+              <a:avLst/>
+            </a:prstTxWarp>
+          </a:bodyPr>
+          <a:lstStyle/>
+          <a:p>
+            <a:pPr defTabSz="932472" fontAlgn="base">
+              <a:spcBef>
+                <a:spcPct val="0"/>
+              </a:spcBef>
+              <a:spcAft>
+                <a:spcPct val="0"/>
+              </a:spcAft>
+            </a:pPr>
+            <a:r>
+              <a:rPr lang="en-US" sz="3200" dirty="0">
+                <a:gradFill>
+                  <a:gsLst>
+                    <a:gs pos="0">
+                      <a:srgbClr val="FFFFFF"/>
+                    </a:gs>
+                    <a:gs pos="100000">
+                      <a:srgbClr val="FFFFFF"/>
+                    </a:gs>
+                  </a:gsLst>
+                  <a:lin ang="5400000" scaled="0"/>
+                </a:gradFill>
+                <a:latin typeface="+mj-lt"/>
+              </a:rPr>
+              <a:t>Questions…</a:t>
+            </a:r>
+          </a:p>
+        </p:txBody>
+      </p:sp>
+      <p:sp>
+        <p:nvSpPr>
+          <p:cNvPr id="6" name="Oval 5"/>
+          <p:cNvSpPr/>
+          <p:nvPr/>
+        </p:nvSpPr>
+        <p:spPr bwMode="auto">
+          <a:xfrm>
+            <a:off x="274638" y="3824592"/>
+            <a:ext cx="2076450" cy="2076450"/>
+          </a:xfrm>
+          <a:prstGeom prst="ellipse">
+            <a:avLst/>
+          </a:prstGeom>
+          <a:solidFill>
+            <a:schemeClr val="tx1"/>
+          </a:solidFill>
+          <a:ln w="76200">
+            <a:solidFill>
+              <a:schemeClr val="accent6"/>
+            </a:solidFill>
+            <a:headEnd type="none" w="med" len="med"/>
+            <a:tailEnd type="none" w="med" len="med"/>
+          </a:ln>
+        </p:spPr>
+        <p:style>
+          <a:lnRef idx="2">
+            <a:schemeClr val="accent1">
+              <a:shade val="50000"/>
+            </a:schemeClr>
+          </a:lnRef>
+          <a:fillRef idx="1">
+            <a:schemeClr val="accent1"/>
+          </a:fillRef>
+          <a:effectRef idx="0">
+            <a:schemeClr val="accent1"/>
+          </a:effectRef>
+          <a:fontRef idx="minor">
+            <a:schemeClr val="lt1"/>
+          </a:fontRef>
+        </p:style>
+        <p:txBody>
+          <a:bodyPr vert="horz" wrap="square" lIns="0" tIns="46637" rIns="0" bIns="46637" numCol="1" rtlCol="0" anchor="ctr" anchorCtr="0" compatLnSpc="1">
+            <a:prstTxWarp prst="textNoShape">
+              <a:avLst/>
+            </a:prstTxWarp>
+          </a:bodyPr>
+          <a:lstStyle/>
+          <a:p>
+            <a:pPr algn="ctr" defTabSz="932472" fontAlgn="base">
+              <a:spcBef>
+                <a:spcPct val="0"/>
+              </a:spcBef>
+              <a:spcAft>
+                <a:spcPct val="0"/>
+              </a:spcAft>
+            </a:pPr>
+            <a:r>
+              <a:rPr lang="en-US" sz="13800" b="1" dirty="0">
+                <a:solidFill>
+                  <a:schemeClr val="bg1"/>
+                </a:solidFill>
+              </a:rPr>
+              <a:t>?</a:t>
+            </a:r>
+          </a:p>
+        </p:txBody>
+      </p:sp>
+      <p:sp>
+        <p:nvSpPr>
+          <p:cNvPr id="13" name="Title 3"/>
+          <p:cNvSpPr txBox="1">
+            <a:spLocks/>
+          </p:cNvSpPr>
+          <p:nvPr/>
+        </p:nvSpPr>
+        <p:spPr>
+          <a:xfrm>
+            <a:off x="274638" y="1364282"/>
+            <a:ext cx="11887200" cy="1831975"/>
+          </a:xfrm>
+          <a:prstGeom prst="rect">
+            <a:avLst/>
+          </a:prstGeom>
+        </p:spPr>
+        <p:txBody>
+          <a:bodyPr/>
+          <a:lstStyle>
+            <a:lvl1pPr algn="l" defTabSz="932742" rtl="0" eaLnBrk="1" latinLnBrk="0" hangingPunct="1">
+              <a:lnSpc>
+                <a:spcPct val="90000"/>
+              </a:lnSpc>
+              <a:spcBef>
+                <a:spcPct val="0"/>
+              </a:spcBef>
+              <a:buNone/>
+              <a:defRPr lang="en-US" sz="5400" b="0" kern="1200" cap="none" spc="-102" baseline="0" dirty="0" smtClean="0">
+                <a:ln w="3175">
+                  <a:noFill/>
+                </a:ln>
+                <a:gradFill>
+                  <a:gsLst>
+                    <a:gs pos="1250">
+                      <a:schemeClr val="tx1"/>
+                    </a:gs>
+                    <a:gs pos="100000">
+                      <a:schemeClr val="tx1"/>
+                    </a:gs>
+                  </a:gsLst>
+                  <a:lin ang="5400000" scaled="0"/>
+                </a:gradFill>
+                <a:effectLst/>
+                <a:latin typeface="+mj-lt"/>
+                <a:ea typeface="+mn-ea"/>
+                <a:cs typeface="Segoe UI" pitchFamily="34" charset="0"/>
+              </a:defRPr>
+            </a:lvl1pPr>
+          </a:lstStyle>
+          <a:p>
+            <a:r>
+              <a:rPr lang="en-US" sz="11500" dirty="0"/>
+              <a:t>Q&amp;A</a:t>
+            </a:r>
+          </a:p>
+        </p:txBody>
+      </p:sp>
+    </p:spTree>
+    <p:extLst>
+      <p:ext uri="{BB962C8B-B14F-4D97-AF65-F5344CB8AC3E}">
+        <p14:creationId xmlns:p14="http://schemas.microsoft.com/office/powerpoint/2010/main" val="3819926448"/>
+      </p:ext>
+    </p:extLst>
+  </p:cSld>
+  <p:clrMapOvr>
+    <a:masterClrMapping/>
+  </p:clrMapOvr>
+  <p:transition>
+    <p:fade/>
+  </p:transition>
+</p:sld>
+</file>
+
+<file path=ppt/slides/slide37.xml><?xml version="1.0" encoding="utf-8"?>
+<p:sld xmlns:a="http://schemas.openxmlformats.org/drawingml/2006/main" xmlns:r="http://schemas.openxmlformats.org/officeDocument/2006/relationships" xmlns:p="http://schemas.openxmlformats.org/presentationml/2006/main">
+  <p:cSld>
+    <p:spTree>
+      <p:nvGrpSpPr>
+        <p:cNvPr id="1" name=""/>
+        <p:cNvGrpSpPr/>
+        <p:nvPr/>
+      </p:nvGrpSpPr>
+      <p:grpSpPr>
+        <a:xfrm>
+          <a:off x="0" y="0"/>
+          <a:ext cx="0" cy="0"/>
+          <a:chOff x="0" y="0"/>
+          <a:chExt cx="0" cy="0"/>
+        </a:xfrm>
+      </p:grpSpPr>
+      <p:sp>
+        <p:nvSpPr>
+          <p:cNvPr id="2" name="Text Placeholder 1"/>
+          <p:cNvSpPr>
+            <a:spLocks noGrp="1"/>
+          </p:cNvSpPr>
+          <p:nvPr>
+            <p:ph type="body" sz="quarter" idx="10"/>
+          </p:nvPr>
+        </p:nvSpPr>
+        <p:spPr>
+          <a:xfrm>
+            <a:off x="274638" y="1212850"/>
+            <a:ext cx="11887200" cy="4327338"/>
+          </a:xfrm>
+        </p:spPr>
+        <p:txBody>
+          <a:bodyPr/>
+          <a:lstStyle/>
+          <a:p>
+            <a:r>
+              <a:rPr lang="en-US" dirty="0"/>
+              <a:t>Rate My Talk &amp; Download Slides!</a:t>
+            </a:r>
+          </a:p>
+          <a:p>
+            <a:pPr marL="342900" lvl="1" indent="0">
+              <a:buNone/>
+            </a:pPr>
+            <a:r>
+              <a:rPr lang="en-US" sz="6000" b="1" dirty="0"/>
+              <a:t>http://bit.ly/RateShawnsTalk</a:t>
+            </a:r>
+            <a:r>
+              <a:rPr lang="en-US" sz="6000" dirty="0"/>
+              <a:t> </a:t>
+            </a:r>
+          </a:p>
+          <a:p>
+            <a:r>
+              <a:rPr lang="en-US" dirty="0"/>
+              <a:t>Contact Information</a:t>
+            </a:r>
+          </a:p>
+          <a:p>
+            <a:pPr lvl="1"/>
+            <a:r>
+              <a:rPr lang="en-US" dirty="0"/>
+              <a:t>Email: shawn@shawnweisfeld.com</a:t>
+            </a:r>
+          </a:p>
+          <a:p>
+            <a:pPr lvl="1"/>
+            <a:r>
+              <a:rPr lang="en-US" dirty="0"/>
+              <a:t>Blog: http://www.shawnweisfeld.com</a:t>
+            </a:r>
+          </a:p>
+          <a:p>
+            <a:pPr lvl="1"/>
+            <a:r>
+              <a:rPr lang="en-US" dirty="0"/>
+              <a:t>Twitter: @</a:t>
+            </a:r>
+            <a:r>
+              <a:rPr lang="en-US" dirty="0" err="1"/>
+              <a:t>shawnweisfeld</a:t>
+            </a:r>
+            <a:endParaRPr lang="en-US" dirty="0"/>
+          </a:p>
+          <a:p>
+            <a:endParaRPr lang="en-US" dirty="0"/>
+          </a:p>
+        </p:txBody>
+      </p:sp>
+      <p:sp>
+        <p:nvSpPr>
+          <p:cNvPr id="3" name="Title 2"/>
+          <p:cNvSpPr>
+            <a:spLocks noGrp="1"/>
+          </p:cNvSpPr>
+          <p:nvPr>
+            <p:ph type="title"/>
+          </p:nvPr>
+        </p:nvSpPr>
+        <p:spPr/>
+        <p:txBody>
+          <a:bodyPr/>
+          <a:lstStyle/>
+          <a:p>
+            <a:r>
+              <a:rPr lang="en-US" dirty="0"/>
+              <a:t>Thank you! Your Feedback is Important</a:t>
+            </a:r>
+          </a:p>
+        </p:txBody>
+      </p:sp>
+    </p:spTree>
+    <p:extLst>
+      <p:ext uri="{BB962C8B-B14F-4D97-AF65-F5344CB8AC3E}">
+        <p14:creationId xmlns:p14="http://schemas.microsoft.com/office/powerpoint/2010/main" val="456991597"/>
+      </p:ext>
+    </p:extLst>
+  </p:cSld>
+  <p:clrMapOvr>
+    <a:masterClrMapping/>
+  </p:clrMapOvr>
+  <p:transition>
+    <p:fade/>
+  </p:transition>
+</p:sld>
+</file>
+
+<file path=ppt/slides/slide38.xml><?xml version="1.0" encoding="utf-8"?>
+<p:sld xmlns:a="http://schemas.openxmlformats.org/drawingml/2006/main" xmlns:r="http://schemas.openxmlformats.org/officeDocument/2006/relationships" xmlns:p="http://schemas.openxmlformats.org/presentationml/2006/main">
+  <p:cSld>
+    <p:spTree>
+      <p:nvGrpSpPr>
+        <p:cNvPr id="1" name=""/>
+        <p:cNvGrpSpPr/>
+        <p:nvPr/>
+      </p:nvGrpSpPr>
+      <p:grpSpPr>
+        <a:xfrm>
+          <a:off x="0" y="0"/>
+          <a:ext cx="0" cy="0"/>
+          <a:chOff x="0" y="0"/>
+          <a:chExt cx="0" cy="0"/>
+        </a:xfrm>
+      </p:grpSpPr>
+      <p:sp>
+        <p:nvSpPr>
+          <p:cNvPr id="2" name="Text Placeholder 1"/>
+          <p:cNvSpPr>
+            <a:spLocks noGrp="1"/>
+          </p:cNvSpPr>
+          <p:nvPr>
+            <p:ph type="body" sz="quarter" idx="10"/>
+          </p:nvPr>
+        </p:nvSpPr>
+        <p:spPr/>
+        <p:txBody>
+          <a:bodyPr/>
+          <a:lstStyle/>
+          <a:p>
+            <a:endParaRPr lang="en-US"/>
+          </a:p>
+        </p:txBody>
+      </p:sp>
+      <p:sp>
+        <p:nvSpPr>
+          <p:cNvPr id="3" name="Title 2"/>
+          <p:cNvSpPr>
+            <a:spLocks noGrp="1"/>
+          </p:cNvSpPr>
+          <p:nvPr>
+            <p:ph type="title"/>
+          </p:nvPr>
+        </p:nvSpPr>
+        <p:spPr/>
+        <p:txBody>
+          <a:bodyPr/>
+          <a:lstStyle/>
+          <a:p>
+            <a:r>
+              <a:rPr lang="en-US" dirty="0"/>
+              <a:t>HTF </a:t>
+            </a:r>
+            <a:r>
+              <a:rPr lang="en-US" dirty="0" err="1"/>
+              <a:t>Questionaire</a:t>
+            </a:r>
+            <a:endParaRPr lang="en-US" dirty="0"/>
+          </a:p>
+        </p:txBody>
+      </p:sp>
+      <p:pic>
+        <p:nvPicPr>
+          <p:cNvPr id="4" name="Picture 3"/>
+          <p:cNvPicPr>
+            <a:picLocks noChangeAspect="1"/>
+          </p:cNvPicPr>
+          <p:nvPr/>
+        </p:nvPicPr>
+        <p:blipFill>
+          <a:blip r:embed="rId2"/>
+          <a:stretch>
+            <a:fillRect/>
+          </a:stretch>
+        </p:blipFill>
+        <p:spPr>
+          <a:xfrm>
+            <a:off x="5761037" y="296862"/>
+            <a:ext cx="6553200" cy="6553200"/>
+          </a:xfrm>
+          <a:prstGeom prst="rect">
+            <a:avLst/>
+          </a:prstGeom>
+        </p:spPr>
+      </p:pic>
+    </p:spTree>
+    <p:extLst>
+      <p:ext uri="{BB962C8B-B14F-4D97-AF65-F5344CB8AC3E}">
+        <p14:creationId xmlns:p14="http://schemas.microsoft.com/office/powerpoint/2010/main" val="3125539566"/>
+      </p:ext>
+    </p:extLst>
+  </p:cSld>
+  <p:clrMapOvr>
+    <a:masterClrMapping/>
+  </p:clrMapOvr>
+  <p:transition>
+    <p:fade/>
+  </p:transition>
+</p:sld>
+</file>
+
+<file path=ppt/slides/slide39.xml><?xml version="1.0" encoding="utf-8"?>
 <p:sld xmlns:a="http://schemas.openxmlformats.org/drawingml/2006/main" xmlns:r="http://schemas.openxmlformats.org/officeDocument/2006/relationships" xmlns:p="http://schemas.openxmlformats.org/presentationml/2006/main">
   <p:cSld>
     <p:spTree>
@@ -17830,7 +16741,7 @@
 </p:sld>
 </file>
 
-<file path=ppt/slides/slide5.xml><?xml version="1.0" encoding="utf-8"?>
+<file path=ppt/slides/slide4.xml><?xml version="1.0" encoding="utf-8"?>
 <p:sld xmlns:a="http://schemas.openxmlformats.org/drawingml/2006/main" xmlns:r="http://schemas.openxmlformats.org/officeDocument/2006/relationships" xmlns:p="http://schemas.openxmlformats.org/presentationml/2006/main">
   <p:cSld>
     <p:spTree>
@@ -17915,7 +16826,7 @@
 </p:sld>
 </file>
 
-<file path=ppt/slides/slide6.xml><?xml version="1.0" encoding="utf-8"?>
+<file path=ppt/slides/slide5.xml><?xml version="1.0" encoding="utf-8"?>
 <p:sld xmlns:a="http://schemas.openxmlformats.org/drawingml/2006/main" xmlns:r="http://schemas.openxmlformats.org/officeDocument/2006/relationships" xmlns:p="http://schemas.openxmlformats.org/presentationml/2006/main">
   <p:cSld>
     <p:spTree>
@@ -18009,7 +16920,7 @@
 </p:sld>
 </file>
 
-<file path=ppt/slides/slide7.xml><?xml version="1.0" encoding="utf-8"?>
+<file path=ppt/slides/slide6.xml><?xml version="1.0" encoding="utf-8"?>
 <p:sld xmlns:a="http://schemas.openxmlformats.org/drawingml/2006/main" xmlns:r="http://schemas.openxmlformats.org/officeDocument/2006/relationships" xmlns:p="http://schemas.openxmlformats.org/presentationml/2006/main">
   <p:cSld>
     <p:spTree>
@@ -23310,7 +22221,7 @@
 </p:sld>
 </file>
 
-<file path=ppt/slides/slide8.xml><?xml version="1.0" encoding="utf-8"?>
+<file path=ppt/slides/slide7.xml><?xml version="1.0" encoding="utf-8"?>
 <p:sld xmlns:a="http://schemas.openxmlformats.org/drawingml/2006/main" xmlns:r="http://schemas.openxmlformats.org/officeDocument/2006/relationships" xmlns:p="http://schemas.openxmlformats.org/presentationml/2006/main">
   <p:cSld>
     <p:bg>
@@ -23357,7 +22268,7 @@
 </p:sld>
 </file>
 
-<file path=ppt/slides/slide9.xml><?xml version="1.0" encoding="utf-8"?>
+<file path=ppt/slides/slide8.xml><?xml version="1.0" encoding="utf-8"?>
 <p:sld xmlns:a="http://schemas.openxmlformats.org/drawingml/2006/main" xmlns:r="http://schemas.openxmlformats.org/officeDocument/2006/relationships" xmlns:p="http://schemas.openxmlformats.org/presentationml/2006/main">
   <p:cSld>
     <p:bg>
@@ -23562,6 +22473,61 @@
     <p:extLst>
       <p:ext uri="{BB962C8B-B14F-4D97-AF65-F5344CB8AC3E}">
         <p14:creationId xmlns:p14="http://schemas.microsoft.com/office/powerpoint/2010/main" val="2037227594"/>
+      </p:ext>
+    </p:extLst>
+  </p:cSld>
+  <p:clrMapOvr>
+    <a:masterClrMapping/>
+  </p:clrMapOvr>
+  <p:transition>
+    <p:fade/>
+  </p:transition>
+</p:sld>
+</file>
+
+<file path=ppt/slides/slide9.xml><?xml version="1.0" encoding="utf-8"?>
+<p:sld xmlns:a="http://schemas.openxmlformats.org/drawingml/2006/main" xmlns:r="http://schemas.openxmlformats.org/officeDocument/2006/relationships" xmlns:p="http://schemas.openxmlformats.org/presentationml/2006/main">
+  <p:cSld>
+    <p:spTree>
+      <p:nvGrpSpPr>
+        <p:cNvPr id="1" name=""/>
+        <p:cNvGrpSpPr/>
+        <p:nvPr/>
+      </p:nvGrpSpPr>
+      <p:grpSpPr>
+        <a:xfrm>
+          <a:off x="0" y="0"/>
+          <a:ext cx="0" cy="0"/>
+          <a:chOff x="0" y="0"/>
+          <a:chExt cx="0" cy="0"/>
+        </a:xfrm>
+      </p:grpSpPr>
+      <p:sp>
+        <p:nvSpPr>
+          <p:cNvPr id="4" name="Title 3"/>
+          <p:cNvSpPr>
+            <a:spLocks noGrp="1"/>
+          </p:cNvSpPr>
+          <p:nvPr>
+            <p:ph type="title"/>
+          </p:nvPr>
+        </p:nvSpPr>
+        <p:spPr/>
+        <p:txBody>
+          <a:bodyPr/>
+          <a:lstStyle/>
+          <a:p>
+            <a:r>
+              <a:rPr lang="en-US" dirty="0"/>
+              <a:t>Common Scenarios</a:t>
+            </a:r>
+          </a:p>
+        </p:txBody>
+      </p:sp>
+    </p:spTree>
+    <p:extLst>
+      <p:ext uri="{BB962C8B-B14F-4D97-AF65-F5344CB8AC3E}">
+        <p14:creationId xmlns:p14="http://schemas.microsoft.com/office/powerpoint/2010/main" val="2385084200"/>
       </p:ext>
     </p:extLst>
   </p:cSld>
@@ -24435,102 +23401,6 @@
 </file>
 
 <file path=customXml/item1.xml><?xml version="1.0" encoding="utf-8"?>
-<p:properties xmlns:p="http://schemas.microsoft.com/office/2006/metadata/properties" xmlns:xsi="http://www.w3.org/2001/XMLSchema-instance" xmlns:pc="http://schemas.microsoft.com/office/infopath/2007/PartnerControls">
-  <documentManagement>
-    <TaxCatchAll xmlns="230e9df3-be65-4c73-a93b-d1236ebd677e">
-      <Value>68</Value>
-      <Value>410</Value>
-      <Value>36</Value>
-      <Value>5</Value>
-    </TaxCatchAll>
-    <AverageRating xmlns="http://schemas.microsoft.com/sharepoint/v3" xsi:nil="true"/>
-    <LikesCount xmlns="http://schemas.microsoft.com/sharepoint/v3" xsi:nil="true"/>
-    <TaxKeywordTaxHTField xmlns="230e9df3-be65-4c73-a93b-d1236ebd677e">
-      <Terms xmlns="http://schemas.microsoft.com/office/infopath/2007/PartnerControls">
-        <TermInfo xmlns="http://schemas.microsoft.com/office/infopath/2007/PartnerControls">
-          <TermName xmlns="http://schemas.microsoft.com/office/infopath/2007/PartnerControls">TechReady 22</TermName>
-          <TermId xmlns="http://schemas.microsoft.com/office/infopath/2007/PartnerControls">88255ce9-3aea-405b-9a14-dea0b0a00506</TermId>
-        </TermInfo>
-      </Terms>
-    </TaxKeywordTaxHTField>
-    <Event_x0020_End_x0020_Date xmlns="12a172fe-0250-434a-85cf-03b10810c5e5">2016-02-05T08:00:00+00:00</Event_x0020_End_x0020_Date>
-    <Event_x0020_Start_x0020_Date xmlns="12a172fe-0250-434a-85cf-03b10810c5e5">2016-02-01T08:00:00+00:00</Event_x0020_Start_x0020_Date>
-    <MS_x0020_Speaker xmlns="12a172fe-0250-434a-85cf-03b10810c5e5">
-      <UserInfo>
-        <DisplayName/>
-        <AccountId xsi:nil="true"/>
-        <AccountType/>
-      </UserInfo>
-    </MS_x0020_Speaker>
-    <External_x0020_Speaker xmlns="12a172fe-0250-434a-85cf-03b10810c5e5">Torsten Grabs</External_x0020_Speaker>
-    <Session_x0020_Code xmlns="12a172fe-0250-434a-85cf-03b10810c5e5">DP324</Session_x0020_Code>
-    <Presentation_x0020_Date xmlns="12a172fe-0250-434a-85cf-03b10810c5e5">2016-02-02T08:00:00+00:00</Presentation_x0020_Date>
-    <MS_x0020_Content_x0020_Owner xmlns="12a172fe-0250-434a-85cf-03b10810c5e5">
-      <UserInfo>
-        <DisplayName/>
-        <AccountId xsi:nil="true"/>
-        <AccountType/>
-      </UserInfo>
-    </MS_x0020_Content_x0020_Owner>
-    <h9a868b2ee15488883f623ae5237ecae xmlns="12a172fe-0250-434a-85cf-03b10810c5e5">
-      <Terms xmlns="http://schemas.microsoft.com/office/infopath/2007/PartnerControls">
-        <TermInfo xmlns="http://schemas.microsoft.com/office/infopath/2007/PartnerControls">
-          <TermName xmlns="http://schemas.microsoft.com/office/infopath/2007/PartnerControls">Washington State Convention and Trade Center</TermName>
-          <TermId xmlns="http://schemas.microsoft.com/office/infopath/2007/PartnerControls">2ebf141d-f871-4cc9-bf08-f87f112ab464</TermId>
-        </TermInfo>
-      </Terms>
-    </h9a868b2ee15488883f623ae5237ecae>
-    <k62f7d35b80b40fb8c27985e50b34fcd xmlns="12a172fe-0250-434a-85cf-03b10810c5e5">
-      <Terms xmlns="http://schemas.microsoft.com/office/infopath/2007/PartnerControls">
-        <TermInfo xmlns="http://schemas.microsoft.com/office/infopath/2007/PartnerControls">
-          <TermName xmlns="http://schemas.microsoft.com/office/infopath/2007/PartnerControls">TechReady</TermName>
-          <TermId xmlns="http://schemas.microsoft.com/office/infopath/2007/PartnerControls">ebdf1b7d-d34f-4ccf-ac45-ca5a756d5c65</TermId>
-        </TermInfo>
-      </Terms>
-    </k62f7d35b80b40fb8c27985e50b34fcd>
-    <pfbfa50075a04958bd8757dc155d3e08 xmlns="12a172fe-0250-434a-85cf-03b10810c5e5">
-      <Terms xmlns="http://schemas.microsoft.com/office/infopath/2007/PartnerControls">
-        <TermInfo xmlns="http://schemas.microsoft.com/office/infopath/2007/PartnerControls">
-          <TermName xmlns="http://schemas.microsoft.com/office/infopath/2007/PartnerControls">Seattle</TermName>
-          <TermId xmlns="http://schemas.microsoft.com/office/infopath/2007/PartnerControls">54f46ed2-c77e-4a59-b182-a4171fdb0d11</TermId>
-        </TermInfo>
-      </Terms>
-    </pfbfa50075a04958bd8757dc155d3e08>
-    <o72fbe6ee5ae4131af0832c08ec51202 xmlns="12a172fe-0250-434a-85cf-03b10810c5e5">
-      <Terms xmlns="http://schemas.microsoft.com/office/infopath/2007/PartnerControls"/>
-    </o72fbe6ee5ae4131af0832c08ec51202>
-    <le8386062bd54e24a95c83b32ccbdb34 xmlns="12a172fe-0250-434a-85cf-03b10810c5e5">
-      <Terms xmlns="http://schemas.microsoft.com/office/infopath/2007/PartnerControls"/>
-    </le8386062bd54e24a95c83b32ccbdb34>
-    <j4d4d959795b4220a289a041ed046605 xmlns="12a172fe-0250-434a-85cf-03b10810c5e5">
-      <Terms xmlns="http://schemas.microsoft.com/office/infopath/2007/PartnerControls"/>
-    </j4d4d959795b4220a289a041ed046605>
-    <eb9cf3a3af7b473faa5c9c98148a90a4 xmlns="12a172fe-0250-434a-85cf-03b10810c5e5">
-      <Terms xmlns="http://schemas.microsoft.com/office/infopath/2007/PartnerControls"/>
-    </eb9cf3a3af7b473faa5c9c98148a90a4>
-    <SharedWithUsers xmlns="12a172fe-0250-434a-85cf-03b10810c5e5">
-      <UserInfo>
-        <DisplayName/>
-        <AccountId xsi:nil="true"/>
-        <AccountType/>
-      </UserInfo>
-    </SharedWithUsers>
-    <_ip_UnifiedCompliancePolicyUIAction xmlns="http://schemas.microsoft.com/sharepoint/v3" xsi:nil="true"/>
-    <_ip_UnifiedCompliancePolicyProperties xmlns="http://schemas.microsoft.com/sharepoint/v3" xsi:nil="true"/>
-  </documentManagement>
-</p:properties>
-</file>
-
-<file path=customXml/item2.xml><?xml version="1.0" encoding="utf-8"?>
-<?mso-contentType ?>
-<FormTemplates xmlns="http://schemas.microsoft.com/sharepoint/v3/contenttype/forms">
-  <Display>DocumentLibraryForm</Display>
-  <Edit>DocumentLibraryForm</Edit>
-  <New>DocumentLibraryForm</New>
-</FormTemplates>
-</file>
-
-<file path=customXml/item3.xml><?xml version="1.0" encoding="utf-8"?>
 <ct:contentTypeSchema xmlns:ct="http://schemas.microsoft.com/office/2006/metadata/contentType" xmlns:ma="http://schemas.microsoft.com/office/2006/metadata/properties/metaAttributes" ct:_="" ma:_="" ma:contentTypeName="PresentationsDoc" ma:contentTypeID="0x01010046EBBE4F454C2C47A5E89CD935B1FC7800E83BCD34BAE21044A0567CF64FDFDE54" ma:contentTypeVersion="8" ma:contentTypeDescription="Create a new document." ma:contentTypeScope="" ma:versionID="943be92678b93f1250d47552b750dfa9">
   <xsd:schema xmlns:xsd="http://www.w3.org/2001/XMLSchema" xmlns:xs="http://www.w3.org/2001/XMLSchema" xmlns:p="http://schemas.microsoft.com/office/2006/metadata/properties" xmlns:ns1="http://schemas.microsoft.com/sharepoint/v3" xmlns:ns2="12a172fe-0250-434a-85cf-03b10810c5e5" xmlns:ns3="230e9df3-be65-4c73-a93b-d1236ebd677e" targetNamespace="http://schemas.microsoft.com/office/2006/metadata/properties" ma:root="true" ma:fieldsID="64ca87391a03306b6b97ef1cc1392d96" ns1:_="" ns2:_="" ns3:_="">
     <xsd:import namespace="http://schemas.microsoft.com/sharepoint/v3"/>
@@ -24886,33 +23756,103 @@
 </ct:contentTypeSchema>
 </file>
 
-<file path=customXml/itemProps1.xml><?xml version="1.0" encoding="utf-8"?>
-<ds:datastoreItem xmlns:ds="http://schemas.openxmlformats.org/officeDocument/2006/customXml" ds:itemID="{F990F116-B58F-4255-B05B-DA3808E0E5C6}">
-  <ds:schemaRefs>
-    <ds:schemaRef ds:uri="12a172fe-0250-434a-85cf-03b10810c5e5"/>
-    <ds:schemaRef ds:uri="http://schemas.microsoft.com/sharepoint/v3"/>
-    <ds:schemaRef ds:uri="230e9df3-be65-4c73-a93b-d1236ebd677e"/>
-    <ds:schemaRef ds:uri="http://purl.org/dc/terms/"/>
-    <ds:schemaRef ds:uri="http://schemas.openxmlformats.org/package/2006/metadata/core-properties"/>
-    <ds:schemaRef ds:uri="http://schemas.microsoft.com/office/2006/documentManagement/types"/>
-    <ds:schemaRef ds:uri="http://schemas.microsoft.com/office/infopath/2007/PartnerControls"/>
-    <ds:schemaRef ds:uri="http://purl.org/dc/elements/1.1/"/>
-    <ds:schemaRef ds:uri="http://schemas.microsoft.com/office/2006/metadata/properties"/>
-    <ds:schemaRef ds:uri="http://www.w3.org/XML/1998/namespace"/>
-    <ds:schemaRef ds:uri="http://purl.org/dc/dcmitype/"/>
-  </ds:schemaRefs>
-</ds:datastoreItem>
+<file path=customXml/item2.xml><?xml version="1.0" encoding="utf-8"?>
+<?mso-contentType ?>
+<FormTemplates xmlns="http://schemas.microsoft.com/sharepoint/v3/contenttype/forms">
+  <Display>DocumentLibraryForm</Display>
+  <Edit>DocumentLibraryForm</Edit>
+  <New>DocumentLibraryForm</New>
+</FormTemplates>
 </file>
 
-<file path=customXml/itemProps2.xml><?xml version="1.0" encoding="utf-8"?>
-<ds:datastoreItem xmlns:ds="http://schemas.openxmlformats.org/officeDocument/2006/customXml" ds:itemID="{758FDAC0-319D-4A54-8D8E-1D42CB1F8004}">
-  <ds:schemaRefs>
-    <ds:schemaRef ds:uri="http://schemas.microsoft.com/sharepoint/v3/contenttype/forms"/>
-  </ds:schemaRefs>
-</ds:datastoreItem>
+<file path=customXml/item3.xml><?xml version="1.0" encoding="utf-8"?>
+<p:properties xmlns:p="http://schemas.microsoft.com/office/2006/metadata/properties" xmlns:xsi="http://www.w3.org/2001/XMLSchema-instance" xmlns:pc="http://schemas.microsoft.com/office/infopath/2007/PartnerControls">
+  <documentManagement>
+    <TaxCatchAll xmlns="230e9df3-be65-4c73-a93b-d1236ebd677e">
+      <Value>68</Value>
+      <Value>410</Value>
+      <Value>36</Value>
+      <Value>5</Value>
+    </TaxCatchAll>
+    <AverageRating xmlns="http://schemas.microsoft.com/sharepoint/v3" xsi:nil="true"/>
+    <LikesCount xmlns="http://schemas.microsoft.com/sharepoint/v3" xsi:nil="true"/>
+    <TaxKeywordTaxHTField xmlns="230e9df3-be65-4c73-a93b-d1236ebd677e">
+      <Terms xmlns="http://schemas.microsoft.com/office/infopath/2007/PartnerControls">
+        <TermInfo xmlns="http://schemas.microsoft.com/office/infopath/2007/PartnerControls">
+          <TermName xmlns="http://schemas.microsoft.com/office/infopath/2007/PartnerControls">TechReady 22</TermName>
+          <TermId xmlns="http://schemas.microsoft.com/office/infopath/2007/PartnerControls">88255ce9-3aea-405b-9a14-dea0b0a00506</TermId>
+        </TermInfo>
+      </Terms>
+    </TaxKeywordTaxHTField>
+    <Event_x0020_End_x0020_Date xmlns="12a172fe-0250-434a-85cf-03b10810c5e5">2016-02-05T08:00:00+00:00</Event_x0020_End_x0020_Date>
+    <Event_x0020_Start_x0020_Date xmlns="12a172fe-0250-434a-85cf-03b10810c5e5">2016-02-01T08:00:00+00:00</Event_x0020_Start_x0020_Date>
+    <MS_x0020_Speaker xmlns="12a172fe-0250-434a-85cf-03b10810c5e5">
+      <UserInfo>
+        <DisplayName/>
+        <AccountId xsi:nil="true"/>
+        <AccountType/>
+      </UserInfo>
+    </MS_x0020_Speaker>
+    <External_x0020_Speaker xmlns="12a172fe-0250-434a-85cf-03b10810c5e5">Torsten Grabs</External_x0020_Speaker>
+    <Session_x0020_Code xmlns="12a172fe-0250-434a-85cf-03b10810c5e5">DP324</Session_x0020_Code>
+    <Presentation_x0020_Date xmlns="12a172fe-0250-434a-85cf-03b10810c5e5">2016-02-02T08:00:00+00:00</Presentation_x0020_Date>
+    <MS_x0020_Content_x0020_Owner xmlns="12a172fe-0250-434a-85cf-03b10810c5e5">
+      <UserInfo>
+        <DisplayName/>
+        <AccountId xsi:nil="true"/>
+        <AccountType/>
+      </UserInfo>
+    </MS_x0020_Content_x0020_Owner>
+    <h9a868b2ee15488883f623ae5237ecae xmlns="12a172fe-0250-434a-85cf-03b10810c5e5">
+      <Terms xmlns="http://schemas.microsoft.com/office/infopath/2007/PartnerControls">
+        <TermInfo xmlns="http://schemas.microsoft.com/office/infopath/2007/PartnerControls">
+          <TermName xmlns="http://schemas.microsoft.com/office/infopath/2007/PartnerControls">Washington State Convention and Trade Center</TermName>
+          <TermId xmlns="http://schemas.microsoft.com/office/infopath/2007/PartnerControls">2ebf141d-f871-4cc9-bf08-f87f112ab464</TermId>
+        </TermInfo>
+      </Terms>
+    </h9a868b2ee15488883f623ae5237ecae>
+    <k62f7d35b80b40fb8c27985e50b34fcd xmlns="12a172fe-0250-434a-85cf-03b10810c5e5">
+      <Terms xmlns="http://schemas.microsoft.com/office/infopath/2007/PartnerControls">
+        <TermInfo xmlns="http://schemas.microsoft.com/office/infopath/2007/PartnerControls">
+          <TermName xmlns="http://schemas.microsoft.com/office/infopath/2007/PartnerControls">TechReady</TermName>
+          <TermId xmlns="http://schemas.microsoft.com/office/infopath/2007/PartnerControls">ebdf1b7d-d34f-4ccf-ac45-ca5a756d5c65</TermId>
+        </TermInfo>
+      </Terms>
+    </k62f7d35b80b40fb8c27985e50b34fcd>
+    <pfbfa50075a04958bd8757dc155d3e08 xmlns="12a172fe-0250-434a-85cf-03b10810c5e5">
+      <Terms xmlns="http://schemas.microsoft.com/office/infopath/2007/PartnerControls">
+        <TermInfo xmlns="http://schemas.microsoft.com/office/infopath/2007/PartnerControls">
+          <TermName xmlns="http://schemas.microsoft.com/office/infopath/2007/PartnerControls">Seattle</TermName>
+          <TermId xmlns="http://schemas.microsoft.com/office/infopath/2007/PartnerControls">54f46ed2-c77e-4a59-b182-a4171fdb0d11</TermId>
+        </TermInfo>
+      </Terms>
+    </pfbfa50075a04958bd8757dc155d3e08>
+    <o72fbe6ee5ae4131af0832c08ec51202 xmlns="12a172fe-0250-434a-85cf-03b10810c5e5">
+      <Terms xmlns="http://schemas.microsoft.com/office/infopath/2007/PartnerControls"/>
+    </o72fbe6ee5ae4131af0832c08ec51202>
+    <le8386062bd54e24a95c83b32ccbdb34 xmlns="12a172fe-0250-434a-85cf-03b10810c5e5">
+      <Terms xmlns="http://schemas.microsoft.com/office/infopath/2007/PartnerControls"/>
+    </le8386062bd54e24a95c83b32ccbdb34>
+    <j4d4d959795b4220a289a041ed046605 xmlns="12a172fe-0250-434a-85cf-03b10810c5e5">
+      <Terms xmlns="http://schemas.microsoft.com/office/infopath/2007/PartnerControls"/>
+    </j4d4d959795b4220a289a041ed046605>
+    <eb9cf3a3af7b473faa5c9c98148a90a4 xmlns="12a172fe-0250-434a-85cf-03b10810c5e5">
+      <Terms xmlns="http://schemas.microsoft.com/office/infopath/2007/PartnerControls"/>
+    </eb9cf3a3af7b473faa5c9c98148a90a4>
+    <SharedWithUsers xmlns="12a172fe-0250-434a-85cf-03b10810c5e5">
+      <UserInfo>
+        <DisplayName/>
+        <AccountId xsi:nil="true"/>
+        <AccountType/>
+      </UserInfo>
+    </SharedWithUsers>
+    <_ip_UnifiedCompliancePolicyUIAction xmlns="http://schemas.microsoft.com/sharepoint/v3" xsi:nil="true"/>
+    <_ip_UnifiedCompliancePolicyProperties xmlns="http://schemas.microsoft.com/sharepoint/v3" xsi:nil="true"/>
+  </documentManagement>
+</p:properties>
 </file>
 
-<file path=customXml/itemProps3.xml><?xml version="1.0" encoding="utf-8"?>
+<file path=customXml/itemProps1.xml><?xml version="1.0" encoding="utf-8"?>
 <ds:datastoreItem xmlns:ds="http://schemas.openxmlformats.org/officeDocument/2006/customXml" ds:itemID="{5EC5AA3F-E919-43C0-B577-19D8FA24B9C2}">
   <ds:schemaRefs>
     <ds:schemaRef ds:uri="http://schemas.microsoft.com/office/2006/metadata/contentType"/>
@@ -24930,4 +23870,30 @@
     <ds:schemaRef ds:uri="http://schemas.microsoft.com/internal/obd"/>
   </ds:schemaRefs>
 </ds:datastoreItem>
+</file>
+
+<file path=customXml/itemProps2.xml><?xml version="1.0" encoding="utf-8"?>
+<ds:datastoreItem xmlns:ds="http://schemas.openxmlformats.org/officeDocument/2006/customXml" ds:itemID="{758FDAC0-319D-4A54-8D8E-1D42CB1F8004}">
+  <ds:schemaRefs>
+    <ds:schemaRef ds:uri="http://schemas.microsoft.com/sharepoint/v3/contenttype/forms"/>
+  </ds:schemaRefs>
+</ds:datastoreItem>
+</file>
+
+<file path=customXml/itemProps3.xml><?xml version="1.0" encoding="utf-8"?>
+<ds:datastoreItem xmlns:ds="http://schemas.openxmlformats.org/officeDocument/2006/customXml" ds:itemID="{F990F116-B58F-4255-B05B-DA3808E0E5C6}">
+  <ds:schemaRefs>
+    <ds:schemaRef ds:uri="12a172fe-0250-434a-85cf-03b10810c5e5"/>
+    <ds:schemaRef ds:uri="http://schemas.microsoft.com/sharepoint/v3"/>
+    <ds:schemaRef ds:uri="230e9df3-be65-4c73-a93b-d1236ebd677e"/>
+    <ds:schemaRef ds:uri="http://purl.org/dc/terms/"/>
+    <ds:schemaRef ds:uri="http://schemas.openxmlformats.org/package/2006/metadata/core-properties"/>
+    <ds:schemaRef ds:uri="http://schemas.microsoft.com/office/2006/documentManagement/types"/>
+    <ds:schemaRef ds:uri="http://schemas.microsoft.com/office/infopath/2007/PartnerControls"/>
+    <ds:schemaRef ds:uri="http://purl.org/dc/elements/1.1/"/>
+    <ds:schemaRef ds:uri="http://schemas.microsoft.com/office/2006/metadata/properties"/>
+    <ds:schemaRef ds:uri="http://www.w3.org/XML/1998/namespace"/>
+    <ds:schemaRef ds:uri="http://purl.org/dc/dcmitype/"/>
+  </ds:schemaRefs>
+</ds:datastoreItem>
 </file>